--- a/A variant of D2 statistic.pptx
+++ b/A variant of D2 statistic.pptx
@@ -8,6 +8,16 @@
     <p:sldId id="256" r:id="rId2"/>
     <p:sldId id="257" r:id="rId3"/>
     <p:sldId id="258" r:id="rId4"/>
+    <p:sldId id="259" r:id="rId5"/>
+    <p:sldId id="260" r:id="rId6"/>
+    <p:sldId id="261" r:id="rId7"/>
+    <p:sldId id="262" r:id="rId8"/>
+    <p:sldId id="264" r:id="rId9"/>
+    <p:sldId id="265" r:id="rId10"/>
+    <p:sldId id="266" r:id="rId11"/>
+    <p:sldId id="267" r:id="rId12"/>
+    <p:sldId id="268" r:id="rId13"/>
+    <p:sldId id="263" r:id="rId14"/>
   </p:sldIdLst>
   <p:sldSz cx="9144000" cy="6858000" type="screen4x3"/>
   <p:notesSz cx="6858000" cy="9144000"/>
@@ -3038,7 +3048,7 @@
         <p:spPr/>
         <p:txBody>
           <a:bodyPr>
-            <a:normAutofit/>
+            <a:normAutofit lnSpcReduction="10000"/>
           </a:bodyPr>
           <a:lstStyle/>
           <a:p>
@@ -3048,6 +3058,12 @@
             <a:r>
               <a:rPr lang="en-US" altLang="zh-CN" sz="3200" dirty="0" smtClean="0"/>
               <a:t>Sijie Chen</a:t>
+            </a:r>
+          </a:p>
+          <a:p>
+            <a:r>
+              <a:rPr lang="en-US" altLang="zh-CN" sz="3200" dirty="0" smtClean="0"/>
+              <a:t>Tsinghua University</a:t>
             </a:r>
             <a:endParaRPr lang="zh-CN" altLang="en-US" sz="3200" dirty="0"/>
           </a:p>
@@ -3057,6 +3073,1138 @@
     <p:extLst>
       <p:ext uri="{BB962C8B-B14F-4D97-AF65-F5344CB8AC3E}">
         <p14:creationId xmlns:p14="http://schemas.microsoft.com/office/powerpoint/2010/main" val="1739556138"/>
+      </p:ext>
+    </p:extLst>
+  </p:cSld>
+  <p:clrMapOvr>
+    <a:masterClrMapping/>
+  </p:clrMapOvr>
+  <p:timing>
+    <p:tnLst>
+      <p:par>
+        <p:cTn id="1" dur="indefinite" restart="never" nodeType="tmRoot"/>
+      </p:par>
+    </p:tnLst>
+  </p:timing>
+</p:sld>
+</file>
+
+<file path=ppt/slides/slide10.xml><?xml version="1.0" encoding="utf-8"?>
+<p:sld xmlns:a="http://schemas.openxmlformats.org/drawingml/2006/main" xmlns:r="http://schemas.openxmlformats.org/officeDocument/2006/relationships" xmlns:p="http://schemas.openxmlformats.org/presentationml/2006/main">
+  <p:cSld>
+    <p:spTree>
+      <p:nvGrpSpPr>
+        <p:cNvPr id="1" name=""/>
+        <p:cNvGrpSpPr/>
+        <p:nvPr/>
+      </p:nvGrpSpPr>
+      <p:grpSpPr>
+        <a:xfrm>
+          <a:off x="0" y="0"/>
+          <a:ext cx="0" cy="0"/>
+          <a:chOff x="0" y="0"/>
+          <a:chExt cx="0" cy="0"/>
+        </a:xfrm>
+      </p:grpSpPr>
+      <mc:AlternateContent xmlns:mc="http://schemas.openxmlformats.org/markup-compatibility/2006">
+        <mc:Choice xmlns:a14="http://schemas.microsoft.com/office/drawing/2010/main" Requires="a14">
+          <p:sp>
+            <p:nvSpPr>
+              <p:cNvPr id="2" name="标题 1"/>
+              <p:cNvSpPr>
+                <a:spLocks noGrp="1"/>
+              </p:cNvSpPr>
+              <p:nvPr>
+                <p:ph type="title"/>
+              </p:nvPr>
+            </p:nvSpPr>
+            <p:spPr>
+              <a:xfrm>
+                <a:off x="628650" y="72769"/>
+                <a:ext cx="7886700" cy="1325563"/>
+              </a:xfrm>
+            </p:spPr>
+            <p:txBody>
+              <a:bodyPr/>
+              <a:lstStyle/>
+              <a:p>
+                <a14:m>
+                  <m:oMath xmlns:m="http://schemas.openxmlformats.org/officeDocument/2006/math">
+                    <m:sSubSup>
+                      <m:sSubSupPr>
+                        <m:ctrlPr>
+                          <a:rPr lang="en-US" altLang="zh-CN" i="1">
+                            <a:latin typeface="Cambria Math" panose="02040503050406030204" pitchFamily="18" charset="0"/>
+                          </a:rPr>
+                        </m:ctrlPr>
+                      </m:sSubSupPr>
+                      <m:e>
+                        <m:r>
+                          <a:rPr lang="en-US" altLang="zh-CN" i="1">
+                            <a:latin typeface="Cambria Math" panose="02040503050406030204" pitchFamily="18" charset="0"/>
+                          </a:rPr>
+                          <m:t>𝐷</m:t>
+                        </m:r>
+                      </m:e>
+                      <m:sub>
+                        <m:r>
+                          <a:rPr lang="en-US" altLang="zh-CN" i="1">
+                            <a:latin typeface="Cambria Math" panose="02040503050406030204" pitchFamily="18" charset="0"/>
+                          </a:rPr>
+                          <m:t>2</m:t>
+                        </m:r>
+                      </m:sub>
+                      <m:sup>
+                        <m:r>
+                          <a:rPr lang="en-US" altLang="zh-CN" i="1">
+                            <a:latin typeface="Cambria Math" panose="02040503050406030204" pitchFamily="18" charset="0"/>
+                          </a:rPr>
+                          <m:t>𝑅</m:t>
+                        </m:r>
+                      </m:sup>
+                    </m:sSubSup>
+                  </m:oMath>
+                </a14:m>
+                <a:r>
+                  <a:rPr lang="en-US" altLang="zh-CN" dirty="0"/>
+                  <a:t> properties</a:t>
+                </a:r>
+                <a:endParaRPr lang="zh-CN" altLang="en-US" dirty="0"/>
+              </a:p>
+            </p:txBody>
+          </p:sp>
+        </mc:Choice>
+        <mc:Fallback>
+          <p:sp>
+            <p:nvSpPr>
+              <p:cNvPr id="2" name="标题 1"/>
+              <p:cNvSpPr>
+                <a:spLocks noGrp="1" noRot="1" noChangeAspect="1" noMove="1" noResize="1" noEditPoints="1" noAdjustHandles="1" noChangeArrowheads="1" noChangeShapeType="1" noTextEdit="1"/>
+              </p:cNvSpPr>
+              <p:nvPr>
+                <p:ph type="title"/>
+              </p:nvPr>
+            </p:nvSpPr>
+            <p:spPr>
+              <a:xfrm>
+                <a:off x="628650" y="72769"/>
+                <a:ext cx="7886700" cy="1325563"/>
+              </a:xfrm>
+              <a:blipFill>
+                <a:blip r:embed="rId2"/>
+                <a:stretch>
+                  <a:fillRect/>
+                </a:stretch>
+              </a:blipFill>
+            </p:spPr>
+            <p:txBody>
+              <a:bodyPr/>
+              <a:lstStyle/>
+              <a:p>
+                <a:r>
+                  <a:rPr lang="zh-CN" altLang="en-US">
+                    <a:noFill/>
+                  </a:rPr>
+                  <a:t> </a:t>
+                </a:r>
+              </a:p>
+            </p:txBody>
+          </p:sp>
+        </mc:Fallback>
+      </mc:AlternateContent>
+      <p:sp>
+        <p:nvSpPr>
+          <p:cNvPr id="3" name="内容占位符 2"/>
+          <p:cNvSpPr>
+            <a:spLocks noGrp="1"/>
+          </p:cNvSpPr>
+          <p:nvPr>
+            <p:ph idx="1"/>
+          </p:nvPr>
+        </p:nvSpPr>
+        <p:spPr>
+          <a:xfrm>
+            <a:off x="628650" y="1132944"/>
+            <a:ext cx="6309360" cy="480428"/>
+          </a:xfrm>
+        </p:spPr>
+        <p:txBody>
+          <a:bodyPr>
+            <a:noAutofit/>
+          </a:bodyPr>
+          <a:lstStyle/>
+          <a:p>
+            <a:r>
+              <a:rPr lang="en-US" altLang="zh-CN" sz="2400" b="1" dirty="0" smtClean="0"/>
+              <a:t>Discriminate Repeats from Non-repeats</a:t>
+            </a:r>
+          </a:p>
+        </p:txBody>
+      </p:sp>
+      <p:pic>
+        <p:nvPicPr>
+          <p:cNvPr id="10" name="图片 9"/>
+          <p:cNvPicPr>
+            <a:picLocks noChangeAspect="1"/>
+          </p:cNvPicPr>
+          <p:nvPr/>
+        </p:nvPicPr>
+        <p:blipFill>
+          <a:blip r:embed="rId3"/>
+          <a:stretch>
+            <a:fillRect/>
+          </a:stretch>
+        </p:blipFill>
+        <p:spPr>
+          <a:xfrm>
+            <a:off x="886913" y="1710866"/>
+            <a:ext cx="6051097" cy="2348575"/>
+          </a:xfrm>
+          <a:prstGeom prst="rect">
+            <a:avLst/>
+          </a:prstGeom>
+        </p:spPr>
+      </p:pic>
+      <p:pic>
+        <p:nvPicPr>
+          <p:cNvPr id="5" name="图片 4"/>
+          <p:cNvPicPr>
+            <a:picLocks noChangeAspect="1"/>
+          </p:cNvPicPr>
+          <p:nvPr/>
+        </p:nvPicPr>
+        <p:blipFill>
+          <a:blip r:embed="rId4"/>
+          <a:stretch>
+            <a:fillRect/>
+          </a:stretch>
+        </p:blipFill>
+        <p:spPr>
+          <a:xfrm>
+            <a:off x="886913" y="4222751"/>
+            <a:ext cx="6051097" cy="2377526"/>
+          </a:xfrm>
+          <a:prstGeom prst="rect">
+            <a:avLst/>
+          </a:prstGeom>
+        </p:spPr>
+      </p:pic>
+      <p:sp>
+        <p:nvSpPr>
+          <p:cNvPr id="8" name="文本框 7"/>
+          <p:cNvSpPr txBox="1"/>
+          <p:nvPr/>
+        </p:nvSpPr>
+        <p:spPr>
+          <a:xfrm>
+            <a:off x="7334250" y="3512051"/>
+            <a:ext cx="1330814" cy="923330"/>
+          </a:xfrm>
+          <a:prstGeom prst="rect">
+            <a:avLst/>
+          </a:prstGeom>
+        </p:spPr>
+        <p:style>
+          <a:lnRef idx="2">
+            <a:schemeClr val="accent1"/>
+          </a:lnRef>
+          <a:fillRef idx="1">
+            <a:schemeClr val="lt1"/>
+          </a:fillRef>
+          <a:effectRef idx="0">
+            <a:schemeClr val="accent1"/>
+          </a:effectRef>
+          <a:fontRef idx="minor">
+            <a:schemeClr val="dk1"/>
+          </a:fontRef>
+        </p:style>
+        <p:txBody>
+          <a:bodyPr wrap="none" rtlCol="0">
+            <a:spAutoFit/>
+          </a:bodyPr>
+          <a:lstStyle/>
+          <a:p>
+            <a:r>
+              <a:rPr lang="en-US" altLang="zh-CN" b="1" dirty="0" smtClean="0"/>
+              <a:t>Between</a:t>
+            </a:r>
+          </a:p>
+          <a:p>
+            <a:r>
+              <a:rPr lang="en-US" altLang="zh-CN" b="1" dirty="0" smtClean="0"/>
+              <a:t>Group</a:t>
+            </a:r>
+          </a:p>
+          <a:p>
+            <a:r>
+              <a:rPr lang="en-US" altLang="zh-CN" b="1" dirty="0" smtClean="0"/>
+              <a:t>Comparison</a:t>
+            </a:r>
+            <a:endParaRPr lang="zh-CN" altLang="en-US" b="1" dirty="0"/>
+          </a:p>
+        </p:txBody>
+      </p:sp>
+    </p:spTree>
+    <p:extLst>
+      <p:ext uri="{BB962C8B-B14F-4D97-AF65-F5344CB8AC3E}">
+        <p14:creationId xmlns:p14="http://schemas.microsoft.com/office/powerpoint/2010/main" val="3654399584"/>
+      </p:ext>
+    </p:extLst>
+  </p:cSld>
+  <p:clrMapOvr>
+    <a:masterClrMapping/>
+  </p:clrMapOvr>
+  <p:timing>
+    <p:tnLst>
+      <p:par>
+        <p:cTn id="1" dur="indefinite" restart="never" nodeType="tmRoot"/>
+      </p:par>
+    </p:tnLst>
+  </p:timing>
+</p:sld>
+</file>
+
+<file path=ppt/slides/slide11.xml><?xml version="1.0" encoding="utf-8"?>
+<p:sld xmlns:a="http://schemas.openxmlformats.org/drawingml/2006/main" xmlns:r="http://schemas.openxmlformats.org/officeDocument/2006/relationships" xmlns:p="http://schemas.openxmlformats.org/presentationml/2006/main">
+  <p:cSld>
+    <p:spTree>
+      <p:nvGrpSpPr>
+        <p:cNvPr id="1" name=""/>
+        <p:cNvGrpSpPr/>
+        <p:nvPr/>
+      </p:nvGrpSpPr>
+      <p:grpSpPr>
+        <a:xfrm>
+          <a:off x="0" y="0"/>
+          <a:ext cx="0" cy="0"/>
+          <a:chOff x="0" y="0"/>
+          <a:chExt cx="0" cy="0"/>
+        </a:xfrm>
+      </p:grpSpPr>
+      <mc:AlternateContent xmlns:mc="http://schemas.openxmlformats.org/markup-compatibility/2006">
+        <mc:Choice xmlns:a14="http://schemas.microsoft.com/office/drawing/2010/main" Requires="a14">
+          <p:sp>
+            <p:nvSpPr>
+              <p:cNvPr id="2" name="标题 1"/>
+              <p:cNvSpPr>
+                <a:spLocks noGrp="1"/>
+              </p:cNvSpPr>
+              <p:nvPr>
+                <p:ph type="title"/>
+              </p:nvPr>
+            </p:nvSpPr>
+            <p:spPr>
+              <a:xfrm>
+                <a:off x="628650" y="72769"/>
+                <a:ext cx="7886700" cy="1325563"/>
+              </a:xfrm>
+            </p:spPr>
+            <p:txBody>
+              <a:bodyPr/>
+              <a:lstStyle/>
+              <a:p>
+                <a14:m>
+                  <m:oMath xmlns:m="http://schemas.openxmlformats.org/officeDocument/2006/math">
+                    <m:sSubSup>
+                      <m:sSubSupPr>
+                        <m:ctrlPr>
+                          <a:rPr lang="en-US" altLang="zh-CN" i="1">
+                            <a:latin typeface="Cambria Math" panose="02040503050406030204" pitchFamily="18" charset="0"/>
+                          </a:rPr>
+                        </m:ctrlPr>
+                      </m:sSubSupPr>
+                      <m:e>
+                        <m:r>
+                          <a:rPr lang="en-US" altLang="zh-CN" i="1">
+                            <a:latin typeface="Cambria Math" panose="02040503050406030204" pitchFamily="18" charset="0"/>
+                          </a:rPr>
+                          <m:t>𝐷</m:t>
+                        </m:r>
+                      </m:e>
+                      <m:sub>
+                        <m:r>
+                          <a:rPr lang="en-US" altLang="zh-CN" i="1">
+                            <a:latin typeface="Cambria Math" panose="02040503050406030204" pitchFamily="18" charset="0"/>
+                          </a:rPr>
+                          <m:t>2</m:t>
+                        </m:r>
+                      </m:sub>
+                      <m:sup>
+                        <m:r>
+                          <a:rPr lang="en-US" altLang="zh-CN" i="1">
+                            <a:latin typeface="Cambria Math" panose="02040503050406030204" pitchFamily="18" charset="0"/>
+                          </a:rPr>
+                          <m:t>𝑅</m:t>
+                        </m:r>
+                      </m:sup>
+                    </m:sSubSup>
+                  </m:oMath>
+                </a14:m>
+                <a:r>
+                  <a:rPr lang="en-US" altLang="zh-CN" dirty="0"/>
+                  <a:t> properties</a:t>
+                </a:r>
+                <a:endParaRPr lang="zh-CN" altLang="en-US" dirty="0"/>
+              </a:p>
+            </p:txBody>
+          </p:sp>
+        </mc:Choice>
+        <mc:Fallback>
+          <p:sp>
+            <p:nvSpPr>
+              <p:cNvPr id="2" name="标题 1"/>
+              <p:cNvSpPr>
+                <a:spLocks noGrp="1" noRot="1" noChangeAspect="1" noMove="1" noResize="1" noEditPoints="1" noAdjustHandles="1" noChangeArrowheads="1" noChangeShapeType="1" noTextEdit="1"/>
+              </p:cNvSpPr>
+              <p:nvPr>
+                <p:ph type="title"/>
+              </p:nvPr>
+            </p:nvSpPr>
+            <p:spPr>
+              <a:xfrm>
+                <a:off x="628650" y="72769"/>
+                <a:ext cx="7886700" cy="1325563"/>
+              </a:xfrm>
+              <a:blipFill>
+                <a:blip r:embed="rId2"/>
+                <a:stretch>
+                  <a:fillRect/>
+                </a:stretch>
+              </a:blipFill>
+            </p:spPr>
+            <p:txBody>
+              <a:bodyPr/>
+              <a:lstStyle/>
+              <a:p>
+                <a:r>
+                  <a:rPr lang="zh-CN" altLang="en-US">
+                    <a:noFill/>
+                  </a:rPr>
+                  <a:t> </a:t>
+                </a:r>
+              </a:p>
+            </p:txBody>
+          </p:sp>
+        </mc:Fallback>
+      </mc:AlternateContent>
+      <p:sp>
+        <p:nvSpPr>
+          <p:cNvPr id="3" name="内容占位符 2"/>
+          <p:cNvSpPr>
+            <a:spLocks noGrp="1"/>
+          </p:cNvSpPr>
+          <p:nvPr>
+            <p:ph idx="1"/>
+          </p:nvPr>
+        </p:nvSpPr>
+        <p:spPr>
+          <a:xfrm>
+            <a:off x="628650" y="1132944"/>
+            <a:ext cx="6309360" cy="480428"/>
+          </a:xfrm>
+        </p:spPr>
+        <p:txBody>
+          <a:bodyPr>
+            <a:noAutofit/>
+          </a:bodyPr>
+          <a:lstStyle/>
+          <a:p>
+            <a:r>
+              <a:rPr lang="en-US" altLang="zh-CN" sz="2400" b="1" dirty="0" smtClean="0"/>
+              <a:t>Discriminate Repeats from Non-repeats</a:t>
+            </a:r>
+          </a:p>
+        </p:txBody>
+      </p:sp>
+      <p:pic>
+        <p:nvPicPr>
+          <p:cNvPr id="4" name="图片 3"/>
+          <p:cNvPicPr>
+            <a:picLocks noChangeAspect="1"/>
+          </p:cNvPicPr>
+          <p:nvPr/>
+        </p:nvPicPr>
+        <p:blipFill>
+          <a:blip r:embed="rId3"/>
+          <a:stretch>
+            <a:fillRect/>
+          </a:stretch>
+        </p:blipFill>
+        <p:spPr>
+          <a:xfrm>
+            <a:off x="754543" y="1613372"/>
+            <a:ext cx="6111829" cy="2363678"/>
+          </a:xfrm>
+          <a:prstGeom prst="rect">
+            <a:avLst/>
+          </a:prstGeom>
+        </p:spPr>
+      </p:pic>
+      <p:pic>
+        <p:nvPicPr>
+          <p:cNvPr id="6" name="图片 5"/>
+          <p:cNvPicPr>
+            <a:picLocks noChangeAspect="1"/>
+          </p:cNvPicPr>
+          <p:nvPr/>
+        </p:nvPicPr>
+        <p:blipFill>
+          <a:blip r:embed="rId4"/>
+          <a:stretch>
+            <a:fillRect/>
+          </a:stretch>
+        </p:blipFill>
+        <p:spPr>
+          <a:xfrm>
+            <a:off x="754543" y="4229714"/>
+            <a:ext cx="6111829" cy="2366549"/>
+          </a:xfrm>
+          <a:prstGeom prst="rect">
+            <a:avLst/>
+          </a:prstGeom>
+        </p:spPr>
+      </p:pic>
+      <p:sp>
+        <p:nvSpPr>
+          <p:cNvPr id="7" name="矩形 6"/>
+          <p:cNvSpPr/>
+          <p:nvPr/>
+        </p:nvSpPr>
+        <p:spPr>
+          <a:xfrm>
+            <a:off x="7028297" y="5229091"/>
+            <a:ext cx="1648978" cy="954107"/>
+          </a:xfrm>
+          <a:prstGeom prst="rect">
+            <a:avLst/>
+          </a:prstGeom>
+          <a:noFill/>
+        </p:spPr>
+        <p:txBody>
+          <a:bodyPr wrap="none" lIns="91440" tIns="45720" rIns="91440" bIns="45720">
+            <a:spAutoFit/>
+          </a:bodyPr>
+          <a:lstStyle/>
+          <a:p>
+            <a:r>
+              <a:rPr lang="en-US" altLang="zh-CN" sz="1400" dirty="0" smtClean="0">
+                <a:solidFill>
+                  <a:srgbClr val="FF0000"/>
+                </a:solidFill>
+              </a:rPr>
+              <a:t>Too large k </a:t>
+            </a:r>
+          </a:p>
+          <a:p>
+            <a:r>
+              <a:rPr lang="en-US" altLang="zh-CN" sz="1400" dirty="0" smtClean="0">
+                <a:solidFill>
+                  <a:srgbClr val="FF0000"/>
+                </a:solidFill>
+              </a:rPr>
+              <a:t>fails to discriminate </a:t>
+            </a:r>
+          </a:p>
+          <a:p>
+            <a:r>
+              <a:rPr lang="en-US" altLang="zh-CN" sz="1400" dirty="0" smtClean="0">
+                <a:solidFill>
+                  <a:srgbClr val="FF0000"/>
+                </a:solidFill>
+              </a:rPr>
+              <a:t>repeats from </a:t>
+            </a:r>
+          </a:p>
+          <a:p>
+            <a:r>
+              <a:rPr lang="en-US" altLang="zh-CN" sz="1400" dirty="0" smtClean="0">
+                <a:solidFill>
+                  <a:srgbClr val="FF0000"/>
+                </a:solidFill>
+              </a:rPr>
+              <a:t>non-repeats !</a:t>
+            </a:r>
+            <a:endParaRPr lang="zh-CN" altLang="en-US" sz="1400" dirty="0">
+              <a:solidFill>
+                <a:srgbClr val="FF0000"/>
+              </a:solidFill>
+            </a:endParaRPr>
+          </a:p>
+        </p:txBody>
+      </p:sp>
+      <p:sp>
+        <p:nvSpPr>
+          <p:cNvPr id="9" name="文本框 8"/>
+          <p:cNvSpPr txBox="1"/>
+          <p:nvPr/>
+        </p:nvSpPr>
+        <p:spPr>
+          <a:xfrm>
+            <a:off x="7184536" y="3306384"/>
+            <a:ext cx="1330814" cy="923330"/>
+          </a:xfrm>
+          <a:prstGeom prst="rect">
+            <a:avLst/>
+          </a:prstGeom>
+        </p:spPr>
+        <p:style>
+          <a:lnRef idx="2">
+            <a:schemeClr val="accent1"/>
+          </a:lnRef>
+          <a:fillRef idx="1">
+            <a:schemeClr val="lt1"/>
+          </a:fillRef>
+          <a:effectRef idx="0">
+            <a:schemeClr val="accent1"/>
+          </a:effectRef>
+          <a:fontRef idx="minor">
+            <a:schemeClr val="dk1"/>
+          </a:fontRef>
+        </p:style>
+        <p:txBody>
+          <a:bodyPr wrap="none" rtlCol="0">
+            <a:spAutoFit/>
+          </a:bodyPr>
+          <a:lstStyle/>
+          <a:p>
+            <a:r>
+              <a:rPr lang="en-US" altLang="zh-CN" b="1" dirty="0" smtClean="0"/>
+              <a:t>Between</a:t>
+            </a:r>
+          </a:p>
+          <a:p>
+            <a:r>
+              <a:rPr lang="en-US" altLang="zh-CN" b="1" dirty="0" smtClean="0"/>
+              <a:t>Group</a:t>
+            </a:r>
+          </a:p>
+          <a:p>
+            <a:r>
+              <a:rPr lang="en-US" altLang="zh-CN" b="1" dirty="0" smtClean="0"/>
+              <a:t>Comparison</a:t>
+            </a:r>
+            <a:endParaRPr lang="zh-CN" altLang="en-US" b="1" dirty="0"/>
+          </a:p>
+        </p:txBody>
+      </p:sp>
+    </p:spTree>
+    <p:extLst>
+      <p:ext uri="{BB962C8B-B14F-4D97-AF65-F5344CB8AC3E}">
+        <p14:creationId xmlns:p14="http://schemas.microsoft.com/office/powerpoint/2010/main" val="784478442"/>
+      </p:ext>
+    </p:extLst>
+  </p:cSld>
+  <p:clrMapOvr>
+    <a:masterClrMapping/>
+  </p:clrMapOvr>
+  <p:timing>
+    <p:tnLst>
+      <p:par>
+        <p:cTn id="1" dur="indefinite" restart="never" nodeType="tmRoot"/>
+      </p:par>
+    </p:tnLst>
+  </p:timing>
+</p:sld>
+</file>
+
+<file path=ppt/slides/slide12.xml><?xml version="1.0" encoding="utf-8"?>
+<p:sld xmlns:a="http://schemas.openxmlformats.org/drawingml/2006/main" xmlns:r="http://schemas.openxmlformats.org/officeDocument/2006/relationships" xmlns:p="http://schemas.openxmlformats.org/presentationml/2006/main">
+  <p:cSld>
+    <p:spTree>
+      <p:nvGrpSpPr>
+        <p:cNvPr id="1" name=""/>
+        <p:cNvGrpSpPr/>
+        <p:nvPr/>
+      </p:nvGrpSpPr>
+      <p:grpSpPr>
+        <a:xfrm>
+          <a:off x="0" y="0"/>
+          <a:ext cx="0" cy="0"/>
+          <a:chOff x="0" y="0"/>
+          <a:chExt cx="0" cy="0"/>
+        </a:xfrm>
+      </p:grpSpPr>
+      <mc:AlternateContent xmlns:mc="http://schemas.openxmlformats.org/markup-compatibility/2006">
+        <mc:Choice xmlns:a14="http://schemas.microsoft.com/office/drawing/2010/main" Requires="a14">
+          <p:sp>
+            <p:nvSpPr>
+              <p:cNvPr id="2" name="标题 1"/>
+              <p:cNvSpPr>
+                <a:spLocks noGrp="1"/>
+              </p:cNvSpPr>
+              <p:nvPr>
+                <p:ph type="title"/>
+              </p:nvPr>
+            </p:nvSpPr>
+            <p:spPr>
+              <a:xfrm>
+                <a:off x="628650" y="72769"/>
+                <a:ext cx="7886700" cy="1325563"/>
+              </a:xfrm>
+            </p:spPr>
+            <p:txBody>
+              <a:bodyPr/>
+              <a:lstStyle/>
+              <a:p>
+                <a14:m>
+                  <m:oMath xmlns:m="http://schemas.openxmlformats.org/officeDocument/2006/math">
+                    <m:sSubSup>
+                      <m:sSubSupPr>
+                        <m:ctrlPr>
+                          <a:rPr lang="en-US" altLang="zh-CN" i="1">
+                            <a:latin typeface="Cambria Math" panose="02040503050406030204" pitchFamily="18" charset="0"/>
+                          </a:rPr>
+                        </m:ctrlPr>
+                      </m:sSubSupPr>
+                      <m:e>
+                        <m:r>
+                          <a:rPr lang="en-US" altLang="zh-CN" i="1">
+                            <a:latin typeface="Cambria Math" panose="02040503050406030204" pitchFamily="18" charset="0"/>
+                          </a:rPr>
+                          <m:t>𝐷</m:t>
+                        </m:r>
+                      </m:e>
+                      <m:sub>
+                        <m:r>
+                          <a:rPr lang="en-US" altLang="zh-CN" i="1">
+                            <a:latin typeface="Cambria Math" panose="02040503050406030204" pitchFamily="18" charset="0"/>
+                          </a:rPr>
+                          <m:t>2</m:t>
+                        </m:r>
+                      </m:sub>
+                      <m:sup>
+                        <m:r>
+                          <a:rPr lang="en-US" altLang="zh-CN" i="1">
+                            <a:latin typeface="Cambria Math" panose="02040503050406030204" pitchFamily="18" charset="0"/>
+                          </a:rPr>
+                          <m:t>𝑅</m:t>
+                        </m:r>
+                      </m:sup>
+                    </m:sSubSup>
+                  </m:oMath>
+                </a14:m>
+                <a:r>
+                  <a:rPr lang="en-US" altLang="zh-CN" dirty="0"/>
+                  <a:t> properties</a:t>
+                </a:r>
+                <a:endParaRPr lang="zh-CN" altLang="en-US" dirty="0"/>
+              </a:p>
+            </p:txBody>
+          </p:sp>
+        </mc:Choice>
+        <mc:Fallback>
+          <p:sp>
+            <p:nvSpPr>
+              <p:cNvPr id="2" name="标题 1"/>
+              <p:cNvSpPr>
+                <a:spLocks noGrp="1" noRot="1" noChangeAspect="1" noMove="1" noResize="1" noEditPoints="1" noAdjustHandles="1" noChangeArrowheads="1" noChangeShapeType="1" noTextEdit="1"/>
+              </p:cNvSpPr>
+              <p:nvPr>
+                <p:ph type="title"/>
+              </p:nvPr>
+            </p:nvSpPr>
+            <p:spPr>
+              <a:xfrm>
+                <a:off x="628650" y="72769"/>
+                <a:ext cx="7886700" cy="1325563"/>
+              </a:xfrm>
+              <a:blipFill>
+                <a:blip r:embed="rId2"/>
+                <a:stretch>
+                  <a:fillRect/>
+                </a:stretch>
+              </a:blipFill>
+            </p:spPr>
+            <p:txBody>
+              <a:bodyPr/>
+              <a:lstStyle/>
+              <a:p>
+                <a:r>
+                  <a:rPr lang="zh-CN" altLang="en-US">
+                    <a:noFill/>
+                  </a:rPr>
+                  <a:t> </a:t>
+                </a:r>
+              </a:p>
+            </p:txBody>
+          </p:sp>
+        </mc:Fallback>
+      </mc:AlternateContent>
+      <p:sp>
+        <p:nvSpPr>
+          <p:cNvPr id="3" name="内容占位符 2"/>
+          <p:cNvSpPr>
+            <a:spLocks noGrp="1"/>
+          </p:cNvSpPr>
+          <p:nvPr>
+            <p:ph idx="1"/>
+          </p:nvPr>
+        </p:nvSpPr>
+        <p:spPr>
+          <a:xfrm>
+            <a:off x="628650" y="1132944"/>
+            <a:ext cx="6309360" cy="480428"/>
+          </a:xfrm>
+        </p:spPr>
+        <p:txBody>
+          <a:bodyPr>
+            <a:noAutofit/>
+          </a:bodyPr>
+          <a:lstStyle/>
+          <a:p>
+            <a:r>
+              <a:rPr lang="en-US" altLang="zh-CN" sz="2400" b="1" dirty="0" smtClean="0"/>
+              <a:t>Discriminate Repeats from Non-repeats</a:t>
+            </a:r>
+          </a:p>
+        </p:txBody>
+      </p:sp>
+      <p:pic>
+        <p:nvPicPr>
+          <p:cNvPr id="5" name="图片 4"/>
+          <p:cNvPicPr>
+            <a:picLocks noChangeAspect="1"/>
+          </p:cNvPicPr>
+          <p:nvPr/>
+        </p:nvPicPr>
+        <p:blipFill>
+          <a:blip r:embed="rId3"/>
+          <a:stretch>
+            <a:fillRect/>
+          </a:stretch>
+        </p:blipFill>
+        <p:spPr>
+          <a:xfrm>
+            <a:off x="863917" y="1727672"/>
+            <a:ext cx="5838825" cy="4623914"/>
+          </a:xfrm>
+          <a:prstGeom prst="rect">
+            <a:avLst/>
+          </a:prstGeom>
+        </p:spPr>
+      </p:pic>
+      <p:sp>
+        <p:nvSpPr>
+          <p:cNvPr id="8" name="文本框 7"/>
+          <p:cNvSpPr txBox="1"/>
+          <p:nvPr/>
+        </p:nvSpPr>
+        <p:spPr>
+          <a:xfrm>
+            <a:off x="7033260" y="3314927"/>
+            <a:ext cx="1330814" cy="923330"/>
+          </a:xfrm>
+          <a:prstGeom prst="rect">
+            <a:avLst/>
+          </a:prstGeom>
+        </p:spPr>
+        <p:style>
+          <a:lnRef idx="2">
+            <a:schemeClr val="accent1"/>
+          </a:lnRef>
+          <a:fillRef idx="1">
+            <a:schemeClr val="lt1"/>
+          </a:fillRef>
+          <a:effectRef idx="0">
+            <a:schemeClr val="accent1"/>
+          </a:effectRef>
+          <a:fontRef idx="minor">
+            <a:schemeClr val="dk1"/>
+          </a:fontRef>
+        </p:style>
+        <p:txBody>
+          <a:bodyPr wrap="none" rtlCol="0">
+            <a:spAutoFit/>
+          </a:bodyPr>
+          <a:lstStyle/>
+          <a:p>
+            <a:r>
+              <a:rPr lang="en-US" altLang="zh-CN" b="1" dirty="0" smtClean="0"/>
+              <a:t>Within</a:t>
+            </a:r>
+          </a:p>
+          <a:p>
+            <a:r>
+              <a:rPr lang="en-US" altLang="zh-CN" b="1" dirty="0" smtClean="0"/>
+              <a:t>Group</a:t>
+            </a:r>
+          </a:p>
+          <a:p>
+            <a:r>
+              <a:rPr lang="en-US" altLang="zh-CN" b="1" dirty="0" smtClean="0"/>
+              <a:t>Comparison</a:t>
+            </a:r>
+            <a:endParaRPr lang="zh-CN" altLang="en-US" b="1" dirty="0"/>
+          </a:p>
+        </p:txBody>
+      </p:sp>
+    </p:spTree>
+    <p:extLst>
+      <p:ext uri="{BB962C8B-B14F-4D97-AF65-F5344CB8AC3E}">
+        <p14:creationId xmlns:p14="http://schemas.microsoft.com/office/powerpoint/2010/main" val="642000036"/>
+      </p:ext>
+    </p:extLst>
+  </p:cSld>
+  <p:clrMapOvr>
+    <a:masterClrMapping/>
+  </p:clrMapOvr>
+  <p:timing>
+    <p:tnLst>
+      <p:par>
+        <p:cTn id="1" dur="indefinite" restart="never" nodeType="tmRoot"/>
+      </p:par>
+    </p:tnLst>
+  </p:timing>
+</p:sld>
+</file>
+
+<file path=ppt/slides/slide13.xml><?xml version="1.0" encoding="utf-8"?>
+<p:sld xmlns:a="http://schemas.openxmlformats.org/drawingml/2006/main" xmlns:r="http://schemas.openxmlformats.org/officeDocument/2006/relationships" xmlns:p="http://schemas.openxmlformats.org/presentationml/2006/main">
+  <p:cSld>
+    <p:spTree>
+      <p:nvGrpSpPr>
+        <p:cNvPr id="1" name=""/>
+        <p:cNvGrpSpPr/>
+        <p:nvPr/>
+      </p:nvGrpSpPr>
+      <p:grpSpPr>
+        <a:xfrm>
+          <a:off x="0" y="0"/>
+          <a:ext cx="0" cy="0"/>
+          <a:chOff x="0" y="0"/>
+          <a:chExt cx="0" cy="0"/>
+        </a:xfrm>
+      </p:grpSpPr>
+      <mc:AlternateContent xmlns:mc="http://schemas.openxmlformats.org/markup-compatibility/2006">
+        <mc:Choice xmlns:a14="http://schemas.microsoft.com/office/drawing/2010/main" Requires="a14">
+          <p:sp>
+            <p:nvSpPr>
+              <p:cNvPr id="2" name="标题 1"/>
+              <p:cNvSpPr>
+                <a:spLocks noGrp="1"/>
+              </p:cNvSpPr>
+              <p:nvPr>
+                <p:ph type="title"/>
+              </p:nvPr>
+            </p:nvSpPr>
+            <p:spPr/>
+            <p:txBody>
+              <a:bodyPr/>
+              <a:lstStyle/>
+              <a:p>
+                <a14:m>
+                  <m:oMath xmlns:m="http://schemas.openxmlformats.org/officeDocument/2006/math">
+                    <m:sSubSup>
+                      <m:sSubSupPr>
+                        <m:ctrlPr>
+                          <a:rPr lang="en-US" altLang="zh-CN" i="1">
+                            <a:latin typeface="Cambria Math" panose="02040503050406030204" pitchFamily="18" charset="0"/>
+                          </a:rPr>
+                        </m:ctrlPr>
+                      </m:sSubSupPr>
+                      <m:e>
+                        <m:r>
+                          <a:rPr lang="en-US" altLang="zh-CN" i="1">
+                            <a:latin typeface="Cambria Math" panose="02040503050406030204" pitchFamily="18" charset="0"/>
+                          </a:rPr>
+                          <m:t>𝐷</m:t>
+                        </m:r>
+                      </m:e>
+                      <m:sub>
+                        <m:r>
+                          <a:rPr lang="en-US" altLang="zh-CN" i="1">
+                            <a:latin typeface="Cambria Math" panose="02040503050406030204" pitchFamily="18" charset="0"/>
+                          </a:rPr>
+                          <m:t>2</m:t>
+                        </m:r>
+                      </m:sub>
+                      <m:sup>
+                        <m:r>
+                          <a:rPr lang="en-US" altLang="zh-CN" i="1">
+                            <a:latin typeface="Cambria Math" panose="02040503050406030204" pitchFamily="18" charset="0"/>
+                          </a:rPr>
+                          <m:t>𝑅</m:t>
+                        </m:r>
+                      </m:sup>
+                    </m:sSubSup>
+                  </m:oMath>
+                </a14:m>
+                <a:r>
+                  <a:rPr lang="en-US" altLang="zh-CN" dirty="0"/>
+                  <a:t> properties</a:t>
+                </a:r>
+                <a:endParaRPr lang="zh-CN" altLang="en-US" dirty="0"/>
+              </a:p>
+            </p:txBody>
+          </p:sp>
+        </mc:Choice>
+        <mc:Fallback>
+          <p:sp>
+            <p:nvSpPr>
+              <p:cNvPr id="2" name="标题 1"/>
+              <p:cNvSpPr>
+                <a:spLocks noGrp="1" noRot="1" noChangeAspect="1" noMove="1" noResize="1" noEditPoints="1" noAdjustHandles="1" noChangeArrowheads="1" noChangeShapeType="1" noTextEdit="1"/>
+              </p:cNvSpPr>
+              <p:nvPr>
+                <p:ph type="title"/>
+              </p:nvPr>
+            </p:nvSpPr>
+            <p:spPr>
+              <a:blipFill>
+                <a:blip r:embed="rId2"/>
+                <a:stretch>
+                  <a:fillRect/>
+                </a:stretch>
+              </a:blipFill>
+            </p:spPr>
+            <p:txBody>
+              <a:bodyPr/>
+              <a:lstStyle/>
+              <a:p>
+                <a:r>
+                  <a:rPr lang="zh-CN" altLang="en-US">
+                    <a:noFill/>
+                  </a:rPr>
+                  <a:t> </a:t>
+                </a:r>
+              </a:p>
+            </p:txBody>
+          </p:sp>
+        </mc:Fallback>
+      </mc:AlternateContent>
+      <mc:AlternateContent xmlns:mc="http://schemas.openxmlformats.org/markup-compatibility/2006">
+        <mc:Choice xmlns:a14="http://schemas.microsoft.com/office/drawing/2010/main" Requires="a14">
+          <p:sp>
+            <p:nvSpPr>
+              <p:cNvPr id="5" name="文本框 4"/>
+              <p:cNvSpPr txBox="1"/>
+              <p:nvPr/>
+            </p:nvSpPr>
+            <p:spPr>
+              <a:xfrm>
+                <a:off x="885825" y="1924050"/>
+                <a:ext cx="7362825" cy="3329181"/>
+              </a:xfrm>
+              <a:prstGeom prst="rect">
+                <a:avLst/>
+              </a:prstGeom>
+              <a:noFill/>
+            </p:spPr>
+            <p:txBody>
+              <a:bodyPr wrap="square" rtlCol="0">
+                <a:spAutoFit/>
+              </a:bodyPr>
+              <a:lstStyle/>
+              <a:p>
+                <a:r>
+                  <a:rPr lang="en-US" altLang="zh-CN" sz="2400" dirty="0"/>
+                  <a:t>k=8 is a good choice for repeats detecting because the distance between the null model's peak and the alternative model's peak is the </a:t>
+                </a:r>
+                <a:r>
+                  <a:rPr lang="en-US" altLang="zh-CN" sz="2400" dirty="0" smtClean="0"/>
+                  <a:t>farthest.</a:t>
+                </a:r>
+              </a:p>
+              <a:p>
+                <a:endParaRPr lang="en-US" altLang="zh-CN" sz="2400" dirty="0"/>
+              </a:p>
+              <a:p>
+                <a:r>
+                  <a:rPr lang="en-US" altLang="zh-CN" sz="2400" dirty="0" smtClean="0"/>
+                  <a:t>We may also calculate a group of </a:t>
+                </a:r>
+                <a14:m>
+                  <m:oMath xmlns:m="http://schemas.openxmlformats.org/officeDocument/2006/math">
+                    <m:sSubSup>
+                      <m:sSubSupPr>
+                        <m:ctrlPr>
+                          <a:rPr lang="en-US" altLang="zh-CN" sz="2400" i="1">
+                            <a:latin typeface="Cambria Math" panose="02040503050406030204" pitchFamily="18" charset="0"/>
+                          </a:rPr>
+                        </m:ctrlPr>
+                      </m:sSubSupPr>
+                      <m:e>
+                        <m:r>
+                          <a:rPr lang="en-US" altLang="zh-CN" sz="2400" i="1">
+                            <a:latin typeface="Cambria Math" panose="02040503050406030204" pitchFamily="18" charset="0"/>
+                          </a:rPr>
+                          <m:t>𝐷</m:t>
+                        </m:r>
+                      </m:e>
+                      <m:sub>
+                        <m:r>
+                          <a:rPr lang="en-US" altLang="zh-CN" sz="2400" i="1">
+                            <a:latin typeface="Cambria Math" panose="02040503050406030204" pitchFamily="18" charset="0"/>
+                          </a:rPr>
+                          <m:t>2</m:t>
+                        </m:r>
+                      </m:sub>
+                      <m:sup>
+                        <m:r>
+                          <a:rPr lang="en-US" altLang="zh-CN" sz="2400" i="1">
+                            <a:latin typeface="Cambria Math" panose="02040503050406030204" pitchFamily="18" charset="0"/>
+                          </a:rPr>
+                          <m:t>𝑅</m:t>
+                        </m:r>
+                      </m:sup>
+                    </m:sSubSup>
+                  </m:oMath>
+                </a14:m>
+                <a:r>
+                  <a:rPr lang="en-US" altLang="zh-CN" sz="2400" dirty="0" smtClean="0"/>
+                  <a:t> under different k value and sum them up, taking the sum as a new statistic. Using this new statistic may help avoid the selection of k-mer length.</a:t>
+                </a:r>
+                <a:endParaRPr lang="en-US" altLang="zh-CN" sz="2400" dirty="0"/>
+              </a:p>
+              <a:p>
+                <a:endParaRPr lang="zh-CN" altLang="en-US" dirty="0"/>
+              </a:p>
+            </p:txBody>
+          </p:sp>
+        </mc:Choice>
+        <mc:Fallback>
+          <p:sp>
+            <p:nvSpPr>
+              <p:cNvPr id="5" name="文本框 4"/>
+              <p:cNvSpPr txBox="1">
+                <a:spLocks noRot="1" noChangeAspect="1" noMove="1" noResize="1" noEditPoints="1" noAdjustHandles="1" noChangeArrowheads="1" noChangeShapeType="1" noTextEdit="1"/>
+              </p:cNvSpPr>
+              <p:nvPr/>
+            </p:nvSpPr>
+            <p:spPr>
+              <a:xfrm>
+                <a:off x="885825" y="1924050"/>
+                <a:ext cx="7362825" cy="3329181"/>
+              </a:xfrm>
+              <a:prstGeom prst="rect">
+                <a:avLst/>
+              </a:prstGeom>
+              <a:blipFill>
+                <a:blip r:embed="rId3"/>
+                <a:stretch>
+                  <a:fillRect l="-1242" t="-1465" r="-1242"/>
+                </a:stretch>
+              </a:blipFill>
+            </p:spPr>
+            <p:txBody>
+              <a:bodyPr/>
+              <a:lstStyle/>
+              <a:p>
+                <a:r>
+                  <a:rPr lang="zh-CN" altLang="en-US">
+                    <a:noFill/>
+                  </a:rPr>
+                  <a:t> </a:t>
+                </a:r>
+              </a:p>
+            </p:txBody>
+          </p:sp>
+        </mc:Fallback>
+      </mc:AlternateContent>
+    </p:spTree>
+    <p:extLst>
+      <p:ext uri="{BB962C8B-B14F-4D97-AF65-F5344CB8AC3E}">
+        <p14:creationId xmlns:p14="http://schemas.microsoft.com/office/powerpoint/2010/main" val="639538202"/>
       </p:ext>
     </p:extLst>
   </p:cSld>
@@ -3129,145 +4277,231 @@
           </a:p>
         </p:txBody>
       </p:sp>
-      <p:sp>
-        <p:nvSpPr>
-          <p:cNvPr id="3" name="内容占位符 2"/>
-          <p:cNvSpPr>
-            <a:spLocks noGrp="1"/>
-          </p:cNvSpPr>
-          <p:nvPr>
-            <p:ph idx="1"/>
-          </p:nvPr>
-        </p:nvSpPr>
-        <p:spPr/>
-        <p:txBody>
-          <a:bodyPr>
-            <a:normAutofit/>
-          </a:bodyPr>
-          <a:lstStyle/>
-          <a:p>
-            <a:r>
-              <a:rPr lang="en-US" altLang="zh-CN" sz="2000" dirty="0"/>
-              <a:t>D</a:t>
-            </a:r>
-            <a:r>
-              <a:rPr lang="en-US" altLang="zh-CN" sz="2000" baseline="30000" dirty="0"/>
-              <a:t>2</a:t>
-            </a:r>
-            <a:r>
-              <a:rPr lang="en-US" altLang="zh-CN" sz="2000" dirty="0" smtClean="0"/>
-              <a:t> statistic was firstly proposed by David C. </a:t>
-            </a:r>
-            <a:r>
-              <a:rPr lang="en-US" altLang="zh-CN" sz="2000" dirty="0" err="1" smtClean="0"/>
-              <a:t>Torney</a:t>
-            </a:r>
-            <a:r>
-              <a:rPr lang="en-US" altLang="zh-CN" sz="2000" dirty="0" smtClean="0"/>
-              <a:t> et al. in 1990 in their work </a:t>
-            </a:r>
-            <a:r>
-              <a:rPr lang="en-US" altLang="zh-CN" sz="2000" b="1" i="1" dirty="0" smtClean="0"/>
-              <a:t>computation of </a:t>
-            </a:r>
-            <a:r>
-              <a:rPr lang="en-US" altLang="zh-CN" sz="2000" b="1" i="1" dirty="0"/>
-              <a:t>d</a:t>
-            </a:r>
-            <a:r>
-              <a:rPr lang="en-US" altLang="zh-CN" sz="2000" b="1" i="1" baseline="30000" dirty="0" smtClean="0"/>
-              <a:t>2</a:t>
-            </a:r>
-            <a:r>
-              <a:rPr lang="en-US" altLang="zh-CN" sz="2000" b="1" baseline="30000" dirty="0" smtClean="0"/>
-              <a:t> </a:t>
-            </a:r>
-            <a:r>
-              <a:rPr lang="en-US" altLang="zh-CN" sz="2000" b="1" i="1" dirty="0" smtClean="0"/>
-              <a:t>: A Measure of Sequence Dissimilarity.</a:t>
-            </a:r>
-          </a:p>
-          <a:p>
-            <a:endParaRPr lang="en-US" altLang="zh-CN" sz="2000" b="1" i="1" dirty="0" smtClean="0"/>
-          </a:p>
-          <a:p>
-            <a:r>
-              <a:rPr lang="en-US" altLang="zh-CN" sz="2000" dirty="0" err="1" smtClean="0"/>
-              <a:t>Gesine</a:t>
-            </a:r>
-            <a:r>
-              <a:rPr lang="en-US" altLang="zh-CN" sz="2000" dirty="0" smtClean="0"/>
-              <a:t> </a:t>
-            </a:r>
-            <a:r>
-              <a:rPr lang="en-US" altLang="zh-CN" sz="2000" dirty="0" err="1" smtClean="0"/>
-              <a:t>Reinert</a:t>
-            </a:r>
-            <a:r>
-              <a:rPr lang="en-US" altLang="zh-CN" sz="2000" dirty="0" smtClean="0"/>
-              <a:t> et al. investigated empirical and theoretical properties of D</a:t>
-            </a:r>
-            <a:r>
-              <a:rPr lang="en-US" altLang="zh-CN" sz="2000" baseline="30000" dirty="0" smtClean="0"/>
-              <a:t>2</a:t>
-            </a:r>
-            <a:r>
-              <a:rPr lang="en-US" altLang="zh-CN" sz="2000" dirty="0" smtClean="0"/>
-              <a:t> and its variants D</a:t>
-            </a:r>
-            <a:r>
-              <a:rPr lang="en-US" altLang="zh-CN" sz="2000" baseline="30000" dirty="0" smtClean="0"/>
-              <a:t>*</a:t>
-            </a:r>
-            <a:r>
-              <a:rPr lang="en-US" altLang="zh-CN" sz="2000" baseline="-25000" dirty="0" smtClean="0"/>
-              <a:t>2</a:t>
-            </a:r>
-            <a:r>
-              <a:rPr lang="en-US" altLang="zh-CN" sz="2000" dirty="0" smtClean="0"/>
-              <a:t> , D</a:t>
-            </a:r>
-            <a:r>
-              <a:rPr lang="en-US" altLang="zh-CN" sz="2000" baseline="30000" dirty="0" smtClean="0"/>
-              <a:t>S</a:t>
-            </a:r>
-            <a:r>
-              <a:rPr lang="en-US" altLang="zh-CN" sz="2000" baseline="-25000" dirty="0" smtClean="0"/>
-              <a:t>2</a:t>
-            </a:r>
-            <a:r>
-              <a:rPr lang="en-US" altLang="zh-CN" sz="2000" dirty="0" smtClean="0"/>
-              <a:t> in  </a:t>
-            </a:r>
-            <a:r>
-              <a:rPr lang="en-US" altLang="zh-CN" sz="2000" i="1" dirty="0" smtClean="0"/>
-              <a:t>Alignment-Free Sequence Comparison (I) / (II).</a:t>
-            </a:r>
-          </a:p>
-          <a:p>
-            <a:endParaRPr lang="en-US" altLang="zh-CN" sz="2000" i="1" dirty="0" smtClean="0"/>
-          </a:p>
-          <a:p>
-            <a:r>
-              <a:rPr lang="en-US" altLang="zh-CN" sz="2000" dirty="0" smtClean="0"/>
-              <a:t>In these slides, we mainly pay attention to a variant which measures the self-similarity of a sequence, which may be applied to repeat finding.  For simplicity, we use D</a:t>
-            </a:r>
-            <a:r>
-              <a:rPr lang="en-US" altLang="zh-CN" sz="2000" baseline="30000" dirty="0" smtClean="0"/>
-              <a:t>R</a:t>
-            </a:r>
-            <a:r>
-              <a:rPr lang="en-US" altLang="zh-CN" sz="2000" baseline="-25000" dirty="0" smtClean="0"/>
-              <a:t>2</a:t>
-            </a:r>
-            <a:r>
-              <a:rPr lang="en-US" altLang="zh-CN" sz="2000" dirty="0" smtClean="0"/>
-              <a:t> to refer to this new statistic.</a:t>
-            </a:r>
-            <a:endParaRPr lang="zh-CN" altLang="en-US" sz="2000" dirty="0"/>
-          </a:p>
-        </p:txBody>
-      </p:sp>
+      <mc:AlternateContent xmlns:mc="http://schemas.openxmlformats.org/markup-compatibility/2006">
+        <mc:Choice xmlns:a14="http://schemas.microsoft.com/office/drawing/2010/main" Requires="a14">
+          <p:sp>
+            <p:nvSpPr>
+              <p:cNvPr id="3" name="内容占位符 2"/>
+              <p:cNvSpPr>
+                <a:spLocks noGrp="1"/>
+              </p:cNvSpPr>
+              <p:nvPr>
+                <p:ph idx="1"/>
+              </p:nvPr>
+            </p:nvSpPr>
+            <p:spPr/>
+            <p:txBody>
+              <a:bodyPr>
+                <a:normAutofit/>
+              </a:bodyPr>
+              <a:lstStyle/>
+              <a:p>
+                <a:r>
+                  <a:rPr lang="en-US" altLang="zh-CN" sz="2000" dirty="0"/>
+                  <a:t>D</a:t>
+                </a:r>
+                <a:r>
+                  <a:rPr lang="en-US" altLang="zh-CN" sz="2000" baseline="30000" dirty="0"/>
+                  <a:t>2</a:t>
+                </a:r>
+                <a:r>
+                  <a:rPr lang="en-US" altLang="zh-CN" sz="2000" dirty="0" smtClean="0"/>
+                  <a:t> statistic was firstly proposed by David C. </a:t>
+                </a:r>
+                <a:r>
+                  <a:rPr lang="en-US" altLang="zh-CN" sz="2000" dirty="0" err="1" smtClean="0"/>
+                  <a:t>Torney</a:t>
+                </a:r>
+                <a:r>
+                  <a:rPr lang="en-US" altLang="zh-CN" sz="2000" dirty="0" smtClean="0"/>
+                  <a:t> et al. in 1990 in their work </a:t>
+                </a:r>
+                <a:r>
+                  <a:rPr lang="en-US" altLang="zh-CN" sz="2000" b="1" i="1" dirty="0" smtClean="0"/>
+                  <a:t>computation of </a:t>
+                </a:r>
+                <a:r>
+                  <a:rPr lang="en-US" altLang="zh-CN" sz="2000" b="1" i="1" dirty="0"/>
+                  <a:t>d</a:t>
+                </a:r>
+                <a:r>
+                  <a:rPr lang="en-US" altLang="zh-CN" sz="2000" b="1" i="1" baseline="30000" dirty="0" smtClean="0"/>
+                  <a:t>2</a:t>
+                </a:r>
+                <a:r>
+                  <a:rPr lang="en-US" altLang="zh-CN" sz="2000" b="1" baseline="30000" dirty="0" smtClean="0"/>
+                  <a:t> </a:t>
+                </a:r>
+                <a:r>
+                  <a:rPr lang="en-US" altLang="zh-CN" sz="2000" b="1" i="1" dirty="0" smtClean="0"/>
+                  <a:t>: A Measure of Sequence Dissimilarity.</a:t>
+                </a:r>
+              </a:p>
+              <a:p>
+                <a:endParaRPr lang="en-US" altLang="zh-CN" sz="2000" b="1" i="1" dirty="0" smtClean="0"/>
+              </a:p>
+              <a:p>
+                <a:r>
+                  <a:rPr lang="en-US" altLang="zh-CN" sz="2000" dirty="0" err="1" smtClean="0"/>
+                  <a:t>Gesine</a:t>
+                </a:r>
+                <a:r>
+                  <a:rPr lang="en-US" altLang="zh-CN" sz="2000" dirty="0" smtClean="0"/>
+                  <a:t> </a:t>
+                </a:r>
+                <a:r>
+                  <a:rPr lang="en-US" altLang="zh-CN" sz="2000" dirty="0" err="1" smtClean="0"/>
+                  <a:t>Reinert</a:t>
+                </a:r>
+                <a:r>
+                  <a:rPr lang="en-US" altLang="zh-CN" sz="2000" dirty="0" smtClean="0"/>
+                  <a:t> et al. investigated empirical and theoretical properties of D</a:t>
+                </a:r>
+                <a:r>
+                  <a:rPr lang="en-US" altLang="zh-CN" sz="2000" baseline="30000" dirty="0" smtClean="0"/>
+                  <a:t>2</a:t>
+                </a:r>
+                <a:r>
+                  <a:rPr lang="en-US" altLang="zh-CN" sz="2000" dirty="0" smtClean="0"/>
+                  <a:t> and its variants D</a:t>
+                </a:r>
+                <a:r>
+                  <a:rPr lang="en-US" altLang="zh-CN" sz="2000" baseline="30000" dirty="0" smtClean="0"/>
+                  <a:t>*</a:t>
+                </a:r>
+                <a:r>
+                  <a:rPr lang="en-US" altLang="zh-CN" sz="2000" baseline="-25000" dirty="0" smtClean="0"/>
+                  <a:t>2</a:t>
+                </a:r>
+                <a:r>
+                  <a:rPr lang="en-US" altLang="zh-CN" sz="2000" dirty="0" smtClean="0"/>
+                  <a:t> , D</a:t>
+                </a:r>
+                <a:r>
+                  <a:rPr lang="en-US" altLang="zh-CN" sz="2000" baseline="30000" dirty="0" smtClean="0"/>
+                  <a:t>S</a:t>
+                </a:r>
+                <a:r>
+                  <a:rPr lang="en-US" altLang="zh-CN" sz="2000" baseline="-25000" dirty="0" smtClean="0"/>
+                  <a:t>2</a:t>
+                </a:r>
+                <a:r>
+                  <a:rPr lang="en-US" altLang="zh-CN" sz="2000" dirty="0" smtClean="0"/>
+                  <a:t> in  </a:t>
+                </a:r>
+                <a:r>
+                  <a:rPr lang="en-US" altLang="zh-CN" sz="2000" i="1" dirty="0" smtClean="0"/>
+                  <a:t>Alignment-Free Sequence Comparison (I) / (II).</a:t>
+                </a:r>
+              </a:p>
+              <a:p>
+                <a:endParaRPr lang="en-US" altLang="zh-CN" sz="2000" i="1" dirty="0" smtClean="0"/>
+              </a:p>
+              <a:p>
+                <a:r>
+                  <a:rPr lang="en-US" altLang="zh-CN" sz="2000" dirty="0" smtClean="0"/>
+                  <a:t>In these slides, we mainly pay attention to a variant which measures the self-similarity of a sequence, which may be applied to repeat finding.  For simplicity, we use </a:t>
+                </a:r>
+                <a14:m>
+                  <m:oMath xmlns:m="http://schemas.openxmlformats.org/officeDocument/2006/math">
+                    <m:sSubSup>
+                      <m:sSubSupPr>
+                        <m:ctrlPr>
+                          <a:rPr lang="en-US" altLang="zh-CN" sz="2000" i="1" smtClean="0">
+                            <a:solidFill>
+                              <a:srgbClr val="FF0000"/>
+                            </a:solidFill>
+                            <a:latin typeface="Cambria Math" panose="02040503050406030204" pitchFamily="18" charset="0"/>
+                          </a:rPr>
+                        </m:ctrlPr>
+                      </m:sSubSupPr>
+                      <m:e>
+                        <m:r>
+                          <a:rPr lang="en-US" altLang="zh-CN" sz="2000" i="1">
+                            <a:solidFill>
+                              <a:srgbClr val="FF0000"/>
+                            </a:solidFill>
+                            <a:latin typeface="Cambria Math" panose="02040503050406030204" pitchFamily="18" charset="0"/>
+                          </a:rPr>
+                          <m:t>𝐷</m:t>
+                        </m:r>
+                      </m:e>
+                      <m:sub>
+                        <m:r>
+                          <a:rPr lang="en-US" altLang="zh-CN" sz="2000" i="1">
+                            <a:solidFill>
+                              <a:srgbClr val="FF0000"/>
+                            </a:solidFill>
+                            <a:latin typeface="Cambria Math" panose="02040503050406030204" pitchFamily="18" charset="0"/>
+                          </a:rPr>
+                          <m:t>2</m:t>
+                        </m:r>
+                      </m:sub>
+                      <m:sup>
+                        <m:r>
+                          <a:rPr lang="en-US" altLang="zh-CN" sz="2000" i="1">
+                            <a:solidFill>
+                              <a:srgbClr val="FF0000"/>
+                            </a:solidFill>
+                            <a:latin typeface="Cambria Math" panose="02040503050406030204" pitchFamily="18" charset="0"/>
+                          </a:rPr>
+                          <m:t>𝑅</m:t>
+                        </m:r>
+                      </m:sup>
+                    </m:sSubSup>
+                  </m:oMath>
+                </a14:m>
+                <a:r>
+                  <a:rPr lang="en-US" altLang="zh-CN" sz="2000" dirty="0" smtClean="0">
+                    <a:solidFill>
+                      <a:srgbClr val="FF0000"/>
+                    </a:solidFill>
+                  </a:rPr>
+                  <a:t> </a:t>
+                </a:r>
+                <a:r>
+                  <a:rPr lang="en-US" altLang="zh-CN" sz="2000" dirty="0" smtClean="0"/>
+                  <a:t>to refer to this new statistic.</a:t>
+                </a:r>
+                <a:endParaRPr lang="zh-CN" altLang="en-US" sz="2000" dirty="0"/>
+              </a:p>
+            </p:txBody>
+          </p:sp>
+        </mc:Choice>
+        <mc:Fallback>
+          <p:sp>
+            <p:nvSpPr>
+              <p:cNvPr id="3" name="内容占位符 2"/>
+              <p:cNvSpPr>
+                <a:spLocks noGrp="1" noRot="1" noChangeAspect="1" noMove="1" noResize="1" noEditPoints="1" noAdjustHandles="1" noChangeArrowheads="1" noChangeShapeType="1" noTextEdit="1"/>
+              </p:cNvSpPr>
+              <p:nvPr>
+                <p:ph idx="1"/>
+              </p:nvPr>
+            </p:nvSpPr>
+            <p:spPr>
+              <a:blipFill>
+                <a:blip r:embed="rId2"/>
+                <a:stretch>
+                  <a:fillRect l="-696" t="-1401" r="-1159"/>
+                </a:stretch>
+              </a:blipFill>
+            </p:spPr>
+            <p:txBody>
+              <a:bodyPr/>
+              <a:lstStyle/>
+              <a:p>
+                <a:r>
+                  <a:rPr lang="zh-CN" altLang="en-US">
+                    <a:noFill/>
+                  </a:rPr>
+                  <a:t> </a:t>
+                </a:r>
+              </a:p>
+            </p:txBody>
+          </p:sp>
+        </mc:Fallback>
+      </mc:AlternateContent>
     </p:spTree>
     <p:extLst>
       <p:ext uri="{BB962C8B-B14F-4D97-AF65-F5344CB8AC3E}">
@@ -3344,6 +4578,1123 @@
           </a:p>
         </p:txBody>
       </p:sp>
+      <mc:AlternateContent xmlns:mc="http://schemas.openxmlformats.org/markup-compatibility/2006">
+        <mc:Choice xmlns:a14="http://schemas.microsoft.com/office/drawing/2010/main" Requires="a14">
+          <p:sp>
+            <p:nvSpPr>
+              <p:cNvPr id="3" name="内容占位符 2"/>
+              <p:cNvSpPr>
+                <a:spLocks noGrp="1"/>
+              </p:cNvSpPr>
+              <p:nvPr>
+                <p:ph idx="1"/>
+              </p:nvPr>
+            </p:nvSpPr>
+            <p:spPr/>
+            <p:txBody>
+              <a:bodyPr>
+                <a:normAutofit/>
+              </a:bodyPr>
+              <a:lstStyle/>
+              <a:p>
+                <a:r>
+                  <a:rPr lang="en-US" altLang="zh-CN" sz="2000" dirty="0" smtClean="0"/>
+                  <a:t>The formulas of D</a:t>
+                </a:r>
+                <a:r>
+                  <a:rPr lang="en-US" altLang="zh-CN" sz="2000" baseline="30000" dirty="0" smtClean="0"/>
+                  <a:t>2</a:t>
+                </a:r>
+                <a:r>
+                  <a:rPr lang="en-US" altLang="zh-CN" sz="2000" dirty="0" smtClean="0"/>
+                  <a:t>  statistic and its variants.</a:t>
+                </a:r>
+              </a:p>
+              <a:p>
+                <a:pPr lvl="1"/>
+                <a:r>
+                  <a:rPr lang="en-US" altLang="zh-CN" sz="1600" dirty="0" smtClean="0"/>
+                  <a:t>X</a:t>
+                </a:r>
+                <a:r>
+                  <a:rPr lang="en-US" altLang="zh-CN" sz="1600" baseline="-25000" dirty="0" smtClean="0"/>
+                  <a:t>W,</a:t>
+                </a:r>
+                <a:r>
+                  <a:rPr lang="en-US" altLang="zh-CN" sz="1600" dirty="0" smtClean="0"/>
+                  <a:t> Y</a:t>
+                </a:r>
+                <a:r>
+                  <a:rPr lang="en-US" altLang="zh-CN" sz="1600" baseline="-25000" dirty="0" smtClean="0"/>
+                  <a:t>W</a:t>
+                </a:r>
+                <a:r>
+                  <a:rPr lang="en-US" altLang="zh-CN" sz="1600" dirty="0" smtClean="0"/>
+                  <a:t>: the occurrence count of word w in sequence X and Y respectively</a:t>
+                </a:r>
+              </a:p>
+              <a:p>
+                <a:pPr lvl="1"/>
+                <a:r>
+                  <a:rPr lang="en-US" altLang="zh-CN" sz="1600" dirty="0"/>
+                  <a:t>w</a:t>
+                </a:r>
+                <a:r>
+                  <a:rPr lang="en-US" altLang="zh-CN" sz="1600" dirty="0" smtClean="0"/>
+                  <a:t>: all possible k-mers of a sequence</a:t>
+                </a:r>
+              </a:p>
+              <a:p>
+                <a:pPr lvl="1"/>
+                <a:r>
+                  <a:rPr lang="en-US" altLang="zh-CN" sz="1600" baseline="-25000" dirty="0" smtClean="0"/>
+                  <a:t>                                                                                              </a:t>
+                </a:r>
+                <a:r>
+                  <a:rPr lang="en-US" altLang="zh-CN" sz="1600" dirty="0" smtClean="0"/>
+                  <a:t> ,where Pw is the occurrence probability of word w,</a:t>
+                </a:r>
+              </a:p>
+              <a:p>
+                <a:pPr marL="457200" lvl="1" indent="0">
+                  <a:buNone/>
+                </a:pPr>
+                <a:r>
+                  <a:rPr lang="en-US" altLang="zh-CN" sz="1600" baseline="-25000" dirty="0"/>
+                  <a:t> </a:t>
+                </a:r>
+                <a:r>
+                  <a:rPr lang="en-US" altLang="zh-CN" sz="1600" dirty="0" smtClean="0"/>
+                  <a:t>                               ,                                 </a:t>
+                </a:r>
+                <a:r>
+                  <a:rPr lang="en-US" altLang="zh-CN" sz="1600" dirty="0"/>
+                  <a:t>.</a:t>
+                </a:r>
+                <a:endParaRPr lang="en-US" altLang="zh-CN" sz="1600" baseline="-25000" dirty="0"/>
+              </a:p>
+              <a:p>
+                <a:pPr lvl="1"/>
+                <a:endParaRPr lang="en-US" altLang="zh-CN" sz="2000" baseline="-25000" dirty="0" smtClean="0"/>
+              </a:p>
+              <a:p>
+                <a:pPr lvl="1"/>
+                <a:r>
+                  <a:rPr lang="en-US" altLang="zh-CN" sz="2000" baseline="-25000" dirty="0" smtClean="0"/>
+                  <a:t> </a:t>
+                </a:r>
+                <a:endParaRPr lang="en-US" altLang="zh-CN" sz="2000" baseline="-25000" dirty="0"/>
+              </a:p>
+              <a:p>
+                <a:pPr lvl="1"/>
+                <a:endParaRPr lang="en-US" altLang="zh-CN" sz="2000" baseline="-25000" dirty="0" smtClean="0"/>
+              </a:p>
+              <a:p>
+                <a:pPr lvl="1"/>
+                <a:endParaRPr lang="en-US" altLang="zh-CN" sz="2000" baseline="-25000" dirty="0"/>
+              </a:p>
+              <a:p>
+                <a:pPr lvl="1"/>
+                <a14:m>
+                  <m:oMath xmlns:m="http://schemas.openxmlformats.org/officeDocument/2006/math">
+                    <m:sSubSup>
+                      <m:sSubSupPr>
+                        <m:ctrlPr>
+                          <a:rPr lang="en-US" altLang="zh-CN" i="1" smtClean="0">
+                            <a:latin typeface="Cambria Math" panose="02040503050406030204" pitchFamily="18" charset="0"/>
+                          </a:rPr>
+                        </m:ctrlPr>
+                      </m:sSubSupPr>
+                      <m:e>
+                        <m:r>
+                          <a:rPr lang="en-US" altLang="zh-CN" i="1">
+                            <a:latin typeface="Cambria Math" panose="02040503050406030204" pitchFamily="18" charset="0"/>
+                          </a:rPr>
+                          <m:t>𝐷</m:t>
+                        </m:r>
+                      </m:e>
+                      <m:sub>
+                        <m:r>
+                          <a:rPr lang="en-US" altLang="zh-CN" b="0" i="1" smtClean="0">
+                            <a:latin typeface="Cambria Math" panose="02040503050406030204" pitchFamily="18" charset="0"/>
+                          </a:rPr>
+                          <m:t>2</m:t>
+                        </m:r>
+                      </m:sub>
+                      <m:sup>
+                        <m:r>
+                          <a:rPr lang="en-US" altLang="zh-CN" b="0" i="1" smtClean="0">
+                            <a:latin typeface="Cambria Math" panose="02040503050406030204" pitchFamily="18" charset="0"/>
+                          </a:rPr>
+                          <m:t>𝑅</m:t>
+                        </m:r>
+                      </m:sup>
+                    </m:sSubSup>
+                    <m:r>
+                      <a:rPr lang="en-US" altLang="zh-CN" b="0" i="1" smtClean="0">
+                        <a:latin typeface="Cambria Math" panose="02040503050406030204" pitchFamily="18" charset="0"/>
+                      </a:rPr>
+                      <m:t>=</m:t>
+                    </m:r>
+                    <m:nary>
+                      <m:naryPr>
+                        <m:chr m:val="∑"/>
+                        <m:supHide m:val="on"/>
+                        <m:ctrlPr>
+                          <a:rPr lang="en-US" altLang="zh-CN" b="0" i="1" smtClean="0">
+                            <a:latin typeface="Cambria Math" panose="02040503050406030204" pitchFamily="18" charset="0"/>
+                          </a:rPr>
+                        </m:ctrlPr>
+                      </m:naryPr>
+                      <m:sub>
+                        <m:r>
+                          <m:rPr>
+                            <m:brk m:alnAt="7"/>
+                          </m:rPr>
+                          <a:rPr lang="en-US" altLang="zh-CN" i="1">
+                            <a:latin typeface="Cambria Math" panose="02040503050406030204" pitchFamily="18" charset="0"/>
+                          </a:rPr>
+                          <m:t>𝑤</m:t>
+                        </m:r>
+                        <m:r>
+                          <a:rPr lang="zh-CN" altLang="en-US" i="1" smtClean="0">
+                            <a:latin typeface="Cambria Math" panose="02040503050406030204" pitchFamily="18" charset="0"/>
+                          </a:rPr>
+                          <m:t>∈</m:t>
+                        </m:r>
+                        <m:sSup>
+                          <m:sSupPr>
+                            <m:ctrlPr>
+                              <a:rPr lang="en-US" altLang="zh-CN" i="1" smtClean="0">
+                                <a:latin typeface="Cambria Math" panose="02040503050406030204" pitchFamily="18" charset="0"/>
+                              </a:rPr>
+                            </m:ctrlPr>
+                          </m:sSupPr>
+                          <m:e>
+                            <m:r>
+                              <a:rPr lang="en-US" altLang="zh-CN" b="0" i="1" smtClean="0">
+                                <a:latin typeface="Cambria Math" panose="02040503050406030204" pitchFamily="18" charset="0"/>
+                              </a:rPr>
+                              <m:t>𝐴</m:t>
+                            </m:r>
+                          </m:e>
+                          <m:sup>
+                            <m:r>
+                              <a:rPr lang="en-US" altLang="zh-CN" b="0" i="1" smtClean="0">
+                                <a:latin typeface="Cambria Math" panose="02040503050406030204" pitchFamily="18" charset="0"/>
+                              </a:rPr>
+                              <m:t>𝑘</m:t>
+                            </m:r>
+                          </m:sup>
+                        </m:sSup>
+                      </m:sub>
+                      <m:sup/>
+                      <m:e>
+                        <m:r>
+                          <a:rPr lang="en-US" altLang="zh-CN" b="0" i="1" smtClean="0">
+                            <a:latin typeface="Cambria Math" panose="02040503050406030204" pitchFamily="18" charset="0"/>
+                          </a:rPr>
+                          <m:t> </m:t>
+                        </m:r>
+                        <m:sSub>
+                          <m:sSubPr>
+                            <m:ctrlPr>
+                              <a:rPr lang="en-US" altLang="zh-CN" b="0" i="1" smtClean="0">
+                                <a:latin typeface="Cambria Math" panose="02040503050406030204" pitchFamily="18" charset="0"/>
+                              </a:rPr>
+                            </m:ctrlPr>
+                          </m:sSubPr>
+                          <m:e>
+                            <m:r>
+                              <a:rPr lang="en-US" altLang="zh-CN" b="0" i="1" smtClean="0">
+                                <a:latin typeface="Cambria Math" panose="02040503050406030204" pitchFamily="18" charset="0"/>
+                              </a:rPr>
+                              <m:t>𝑋</m:t>
+                            </m:r>
+                          </m:e>
+                          <m:sub>
+                            <m:r>
+                              <a:rPr lang="en-US" altLang="zh-CN" b="0" i="1" smtClean="0">
+                                <a:latin typeface="Cambria Math" panose="02040503050406030204" pitchFamily="18" charset="0"/>
+                              </a:rPr>
+                              <m:t>𝑤</m:t>
+                            </m:r>
+                          </m:sub>
+                        </m:sSub>
+                        <m:r>
+                          <a:rPr lang="en-US" altLang="zh-CN" b="0" i="1" smtClean="0">
+                            <a:latin typeface="Cambria Math" panose="02040503050406030204" pitchFamily="18" charset="0"/>
+                          </a:rPr>
+                          <m:t>(</m:t>
+                        </m:r>
+                        <m:sSub>
+                          <m:sSubPr>
+                            <m:ctrlPr>
+                              <a:rPr lang="en-US" altLang="zh-CN" b="0" i="1" smtClean="0">
+                                <a:latin typeface="Cambria Math" panose="02040503050406030204" pitchFamily="18" charset="0"/>
+                              </a:rPr>
+                            </m:ctrlPr>
+                          </m:sSubPr>
+                          <m:e>
+                            <m:r>
+                              <a:rPr lang="en-US" altLang="zh-CN" b="0" i="1" smtClean="0">
+                                <a:latin typeface="Cambria Math" panose="02040503050406030204" pitchFamily="18" charset="0"/>
+                              </a:rPr>
+                              <m:t>𝑋</m:t>
+                            </m:r>
+                          </m:e>
+                          <m:sub>
+                            <m:r>
+                              <a:rPr lang="en-US" altLang="zh-CN" i="1">
+                                <a:latin typeface="Cambria Math" panose="02040503050406030204" pitchFamily="18" charset="0"/>
+                              </a:rPr>
+                              <m:t>𝑤</m:t>
+                            </m:r>
+                          </m:sub>
+                        </m:sSub>
+                        <m:r>
+                          <a:rPr lang="en-US" altLang="zh-CN" b="0" i="1" smtClean="0">
+                            <a:latin typeface="Cambria Math" panose="02040503050406030204" pitchFamily="18" charset="0"/>
+                          </a:rPr>
+                          <m:t>−1)</m:t>
+                        </m:r>
+                      </m:e>
+                    </m:nary>
+                  </m:oMath>
+                </a14:m>
+                <a:endParaRPr lang="en-US" altLang="zh-CN" sz="1600" i="1" dirty="0" smtClean="0"/>
+              </a:p>
+              <a:p>
+                <a:pPr lvl="1"/>
+                <a:endParaRPr lang="en-US" altLang="zh-CN" sz="1600" i="1" dirty="0" smtClean="0"/>
+              </a:p>
+              <a:p>
+                <a:pPr lvl="1"/>
+                <a:r>
+                  <a:rPr lang="en-US" altLang="zh-CN" sz="1600" dirty="0" smtClean="0"/>
+                  <a:t>Note that the expression of </a:t>
+                </a:r>
+                <a14:m>
+                  <m:oMath xmlns:m="http://schemas.openxmlformats.org/officeDocument/2006/math">
+                    <m:sSubSup>
+                      <m:sSubSupPr>
+                        <m:ctrlPr>
+                          <a:rPr lang="en-US" altLang="zh-CN" sz="1600" i="1">
+                            <a:latin typeface="Cambria Math" panose="02040503050406030204" pitchFamily="18" charset="0"/>
+                          </a:rPr>
+                        </m:ctrlPr>
+                      </m:sSubSupPr>
+                      <m:e>
+                        <m:r>
+                          <a:rPr lang="en-US" altLang="zh-CN" sz="1600" i="1">
+                            <a:latin typeface="Cambria Math" panose="02040503050406030204" pitchFamily="18" charset="0"/>
+                          </a:rPr>
+                          <m:t>𝐷</m:t>
+                        </m:r>
+                      </m:e>
+                      <m:sub>
+                        <m:r>
+                          <a:rPr lang="en-US" altLang="zh-CN" sz="1600" i="1">
+                            <a:latin typeface="Cambria Math" panose="02040503050406030204" pitchFamily="18" charset="0"/>
+                          </a:rPr>
+                          <m:t>2</m:t>
+                        </m:r>
+                      </m:sub>
+                      <m:sup>
+                        <m:r>
+                          <a:rPr lang="en-US" altLang="zh-CN" sz="1600" i="1">
+                            <a:latin typeface="Cambria Math" panose="02040503050406030204" pitchFamily="18" charset="0"/>
+                          </a:rPr>
+                          <m:t>𝑅</m:t>
+                        </m:r>
+                      </m:sup>
+                    </m:sSubSup>
+                  </m:oMath>
+                </a14:m>
+                <a:r>
+                  <a:rPr lang="en-US" altLang="zh-CN" sz="1600" dirty="0" smtClean="0"/>
+                  <a:t> originates from the combinatorial-sum form   </a:t>
+                </a:r>
+                <a14:m>
+                  <m:oMath xmlns:m="http://schemas.openxmlformats.org/officeDocument/2006/math">
+                    <m:nary>
+                      <m:naryPr>
+                        <m:chr m:val="∑"/>
+                        <m:supHide m:val="on"/>
+                        <m:ctrlPr>
+                          <a:rPr lang="en-US" altLang="zh-CN" sz="1600" i="1">
+                            <a:latin typeface="Cambria Math" panose="02040503050406030204" pitchFamily="18" charset="0"/>
+                          </a:rPr>
+                        </m:ctrlPr>
+                      </m:naryPr>
+                      <m:sub>
+                        <m:r>
+                          <m:rPr>
+                            <m:brk m:alnAt="7"/>
+                          </m:rPr>
+                          <a:rPr lang="en-US" altLang="zh-CN" sz="1600" i="1">
+                            <a:latin typeface="Cambria Math" panose="02040503050406030204" pitchFamily="18" charset="0"/>
+                          </a:rPr>
+                          <m:t>𝑤</m:t>
+                        </m:r>
+                        <m:r>
+                          <a:rPr lang="zh-CN" altLang="en-US" sz="1600" i="1">
+                            <a:latin typeface="Cambria Math" panose="02040503050406030204" pitchFamily="18" charset="0"/>
+                          </a:rPr>
+                          <m:t>∈</m:t>
+                        </m:r>
+                        <m:sSup>
+                          <m:sSupPr>
+                            <m:ctrlPr>
+                              <a:rPr lang="en-US" altLang="zh-CN" sz="1600" i="1">
+                                <a:latin typeface="Cambria Math" panose="02040503050406030204" pitchFamily="18" charset="0"/>
+                              </a:rPr>
+                            </m:ctrlPr>
+                          </m:sSupPr>
+                          <m:e>
+                            <m:r>
+                              <a:rPr lang="en-US" altLang="zh-CN" sz="1600" i="1">
+                                <a:latin typeface="Cambria Math" panose="02040503050406030204" pitchFamily="18" charset="0"/>
+                              </a:rPr>
+                              <m:t>𝐴</m:t>
+                            </m:r>
+                          </m:e>
+                          <m:sup>
+                            <m:r>
+                              <a:rPr lang="en-US" altLang="zh-CN" sz="1600" i="1">
+                                <a:latin typeface="Cambria Math" panose="02040503050406030204" pitchFamily="18" charset="0"/>
+                              </a:rPr>
+                              <m:t>𝑘</m:t>
+                            </m:r>
+                          </m:sup>
+                        </m:sSup>
+                      </m:sub>
+                      <m:sup/>
+                      <m:e>
+                        <m:r>
+                          <a:rPr lang="en-US" altLang="zh-CN" sz="1600" i="1">
+                            <a:latin typeface="Cambria Math" panose="02040503050406030204" pitchFamily="18" charset="0"/>
+                          </a:rPr>
+                          <m:t> </m:t>
+                        </m:r>
+                        <m:d>
+                          <m:dPr>
+                            <m:ctrlPr>
+                              <a:rPr lang="en-US" altLang="zh-CN" sz="1600" i="1" smtClean="0">
+                                <a:latin typeface="Cambria Math" panose="02040503050406030204" pitchFamily="18" charset="0"/>
+                              </a:rPr>
+                            </m:ctrlPr>
+                          </m:dPr>
+                          <m:e>
+                            <m:f>
+                              <m:fPr>
+                                <m:type m:val="noBar"/>
+                                <m:ctrlPr>
+                                  <a:rPr lang="en-US" altLang="zh-CN" sz="1600" i="1" smtClean="0">
+                                    <a:latin typeface="Cambria Math" panose="02040503050406030204" pitchFamily="18" charset="0"/>
+                                  </a:rPr>
+                                </m:ctrlPr>
+                              </m:fPr>
+                              <m:num>
+                                <m:sSub>
+                                  <m:sSubPr>
+                                    <m:ctrlPr>
+                                      <a:rPr lang="en-US" altLang="zh-CN" sz="1600" i="1">
+                                        <a:latin typeface="Cambria Math" panose="02040503050406030204" pitchFamily="18" charset="0"/>
+                                      </a:rPr>
+                                    </m:ctrlPr>
+                                  </m:sSubPr>
+                                  <m:e>
+                                    <m:r>
+                                      <a:rPr lang="en-US" altLang="zh-CN" sz="1600" i="1">
+                                        <a:latin typeface="Cambria Math" panose="02040503050406030204" pitchFamily="18" charset="0"/>
+                                      </a:rPr>
+                                      <m:t>𝑋</m:t>
+                                    </m:r>
+                                  </m:e>
+                                  <m:sub>
+                                    <m:r>
+                                      <a:rPr lang="en-US" altLang="zh-CN" sz="1600" i="1">
+                                        <a:latin typeface="Cambria Math" panose="02040503050406030204" pitchFamily="18" charset="0"/>
+                                      </a:rPr>
+                                      <m:t>𝑤</m:t>
+                                    </m:r>
+                                  </m:sub>
+                                </m:sSub>
+                              </m:num>
+                              <m:den>
+                                <m:r>
+                                  <a:rPr lang="en-US" altLang="zh-CN" sz="1600" b="0" i="1" smtClean="0">
+                                    <a:latin typeface="Cambria Math" panose="02040503050406030204" pitchFamily="18" charset="0"/>
+                                  </a:rPr>
+                                  <m:t>2</m:t>
+                                </m:r>
+                              </m:den>
+                            </m:f>
+                          </m:e>
+                        </m:d>
+                      </m:e>
+                    </m:nary>
+                  </m:oMath>
+                </a14:m>
+                <a:r>
+                  <a:rPr lang="en-US" altLang="zh-CN" sz="1600" i="1" dirty="0" smtClean="0"/>
+                  <a:t> . </a:t>
+                </a:r>
+                <a:r>
+                  <a:rPr lang="en-US" altLang="zh-CN" sz="1600" dirty="0" smtClean="0"/>
+                  <a:t>The coefficient ½ is omitted for simplicity.</a:t>
+                </a:r>
+                <a:endParaRPr lang="en-US" altLang="zh-CN" sz="1600" dirty="0"/>
+              </a:p>
+              <a:p>
+                <a:pPr lvl="1"/>
+                <a:endParaRPr lang="en-US" altLang="zh-CN" sz="1600" i="1" dirty="0"/>
+              </a:p>
+            </p:txBody>
+          </p:sp>
+        </mc:Choice>
+        <mc:Fallback>
+          <p:sp>
+            <p:nvSpPr>
+              <p:cNvPr id="3" name="内容占位符 2"/>
+              <p:cNvSpPr>
+                <a:spLocks noGrp="1" noRot="1" noChangeAspect="1" noMove="1" noResize="1" noEditPoints="1" noAdjustHandles="1" noChangeArrowheads="1" noChangeShapeType="1" noTextEdit="1"/>
+              </p:cNvSpPr>
+              <p:nvPr>
+                <p:ph idx="1"/>
+              </p:nvPr>
+            </p:nvSpPr>
+            <p:spPr>
+              <a:blipFill>
+                <a:blip r:embed="rId2"/>
+                <a:stretch>
+                  <a:fillRect l="-696" t="-1401" r="-1082"/>
+                </a:stretch>
+              </a:blipFill>
+            </p:spPr>
+            <p:txBody>
+              <a:bodyPr/>
+              <a:lstStyle/>
+              <a:p>
+                <a:r>
+                  <a:rPr lang="zh-CN" altLang="en-US">
+                    <a:noFill/>
+                  </a:rPr>
+                  <a:t> </a:t>
+                </a:r>
+              </a:p>
+            </p:txBody>
+          </p:sp>
+        </mc:Fallback>
+      </mc:AlternateContent>
+      <p:grpSp>
+        <p:nvGrpSpPr>
+          <p:cNvPr id="7" name="组合 6"/>
+          <p:cNvGrpSpPr/>
+          <p:nvPr/>
+        </p:nvGrpSpPr>
+        <p:grpSpPr>
+          <a:xfrm>
+            <a:off x="1388611" y="3299605"/>
+            <a:ext cx="6890466" cy="834245"/>
+            <a:chOff x="1300276" y="3230827"/>
+            <a:chExt cx="5667016" cy="686119"/>
+          </a:xfrm>
+        </p:grpSpPr>
+        <p:pic>
+          <p:nvPicPr>
+            <p:cNvPr id="4" name="图片 3"/>
+            <p:cNvPicPr>
+              <a:picLocks noChangeAspect="1"/>
+            </p:cNvPicPr>
+            <p:nvPr/>
+          </p:nvPicPr>
+          <p:blipFill>
+            <a:blip r:embed="rId3"/>
+            <a:stretch>
+              <a:fillRect/>
+            </a:stretch>
+          </p:blipFill>
+          <p:spPr>
+            <a:xfrm>
+              <a:off x="1300276" y="3342368"/>
+              <a:ext cx="1504043" cy="574578"/>
+            </a:xfrm>
+            <a:prstGeom prst="rect">
+              <a:avLst/>
+            </a:prstGeom>
+          </p:spPr>
+        </p:pic>
+        <p:pic>
+          <p:nvPicPr>
+            <p:cNvPr id="5" name="图片 4"/>
+            <p:cNvPicPr>
+              <a:picLocks noChangeAspect="1"/>
+            </p:cNvPicPr>
+            <p:nvPr/>
+          </p:nvPicPr>
+          <p:blipFill>
+            <a:blip r:embed="rId4"/>
+            <a:stretch>
+              <a:fillRect/>
+            </a:stretch>
+          </p:blipFill>
+          <p:spPr>
+            <a:xfrm>
+              <a:off x="5126207" y="3230827"/>
+              <a:ext cx="1841085" cy="686119"/>
+            </a:xfrm>
+            <a:prstGeom prst="rect">
+              <a:avLst/>
+            </a:prstGeom>
+          </p:spPr>
+        </p:pic>
+        <p:pic>
+          <p:nvPicPr>
+            <p:cNvPr id="6" name="图片 5"/>
+            <p:cNvPicPr>
+              <a:picLocks noChangeAspect="1"/>
+            </p:cNvPicPr>
+            <p:nvPr/>
+          </p:nvPicPr>
+          <p:blipFill>
+            <a:blip r:embed="rId5"/>
+            <a:stretch>
+              <a:fillRect/>
+            </a:stretch>
+          </p:blipFill>
+          <p:spPr>
+            <a:xfrm>
+              <a:off x="3126298" y="3230827"/>
+              <a:ext cx="1677930" cy="646658"/>
+            </a:xfrm>
+            <a:prstGeom prst="rect">
+              <a:avLst/>
+            </a:prstGeom>
+          </p:spPr>
+        </p:pic>
+      </p:grpSp>
+      <p:pic>
+        <p:nvPicPr>
+          <p:cNvPr id="8" name="图片 7"/>
+          <p:cNvPicPr>
+            <a:picLocks noChangeAspect="1"/>
+          </p:cNvPicPr>
+          <p:nvPr/>
+        </p:nvPicPr>
+        <p:blipFill>
+          <a:blip r:embed="rId6"/>
+          <a:stretch>
+            <a:fillRect/>
+          </a:stretch>
+        </p:blipFill>
+        <p:spPr>
+          <a:xfrm>
+            <a:off x="1430564" y="2764290"/>
+            <a:ext cx="2797905" cy="254681"/>
+          </a:xfrm>
+          <a:prstGeom prst="rect">
+            <a:avLst/>
+          </a:prstGeom>
+        </p:spPr>
+      </p:pic>
+      <p:pic>
+        <p:nvPicPr>
+          <p:cNvPr id="9" name="图片 8"/>
+          <p:cNvPicPr>
+            <a:picLocks noChangeAspect="1"/>
+          </p:cNvPicPr>
+          <p:nvPr/>
+        </p:nvPicPr>
+        <p:blipFill>
+          <a:blip r:embed="rId7"/>
+          <a:stretch>
+            <a:fillRect/>
+          </a:stretch>
+        </p:blipFill>
+        <p:spPr>
+          <a:xfrm>
+            <a:off x="1430564" y="3034851"/>
+            <a:ext cx="1152979" cy="246267"/>
+          </a:xfrm>
+          <a:prstGeom prst="rect">
+            <a:avLst/>
+          </a:prstGeom>
+        </p:spPr>
+      </p:pic>
+      <p:pic>
+        <p:nvPicPr>
+          <p:cNvPr id="10" name="图片 9"/>
+          <p:cNvPicPr>
+            <a:picLocks noChangeAspect="1"/>
+          </p:cNvPicPr>
+          <p:nvPr/>
+        </p:nvPicPr>
+        <p:blipFill>
+          <a:blip r:embed="rId8"/>
+          <a:stretch>
+            <a:fillRect/>
+          </a:stretch>
+        </p:blipFill>
+        <p:spPr>
+          <a:xfrm>
+            <a:off x="2735404" y="3027113"/>
+            <a:ext cx="1462088" cy="238125"/>
+          </a:xfrm>
+          <a:prstGeom prst="rect">
+            <a:avLst/>
+          </a:prstGeom>
+        </p:spPr>
+      </p:pic>
+    </p:spTree>
+    <p:extLst>
+      <p:ext uri="{BB962C8B-B14F-4D97-AF65-F5344CB8AC3E}">
+        <p14:creationId xmlns:p14="http://schemas.microsoft.com/office/powerpoint/2010/main" val="927298869"/>
+      </p:ext>
+    </p:extLst>
+  </p:cSld>
+  <p:clrMapOvr>
+    <a:masterClrMapping/>
+  </p:clrMapOvr>
+  <p:timing>
+    <p:tnLst>
+      <p:par>
+        <p:cTn id="1" dur="indefinite" restart="never" nodeType="tmRoot"/>
+      </p:par>
+    </p:tnLst>
+  </p:timing>
+</p:sld>
+</file>
+
+<file path=ppt/slides/slide4.xml><?xml version="1.0" encoding="utf-8"?>
+<p:sld xmlns:a="http://schemas.openxmlformats.org/drawingml/2006/main" xmlns:r="http://schemas.openxmlformats.org/officeDocument/2006/relationships" xmlns:p="http://schemas.openxmlformats.org/presentationml/2006/main">
+  <p:cSld>
+    <p:spTree>
+      <p:nvGrpSpPr>
+        <p:cNvPr id="1" name=""/>
+        <p:cNvGrpSpPr/>
+        <p:nvPr/>
+      </p:nvGrpSpPr>
+      <p:grpSpPr>
+        <a:xfrm>
+          <a:off x="0" y="0"/>
+          <a:ext cx="0" cy="0"/>
+          <a:chOff x="0" y="0"/>
+          <a:chExt cx="0" cy="0"/>
+        </a:xfrm>
+      </p:grpSpPr>
+      <mc:AlternateContent xmlns:mc="http://schemas.openxmlformats.org/markup-compatibility/2006">
+        <mc:Choice xmlns:a14="http://schemas.microsoft.com/office/drawing/2010/main" Requires="a14">
+          <p:sp>
+            <p:nvSpPr>
+              <p:cNvPr id="2" name="标题 1"/>
+              <p:cNvSpPr>
+                <a:spLocks noGrp="1"/>
+              </p:cNvSpPr>
+              <p:nvPr>
+                <p:ph type="title"/>
+              </p:nvPr>
+            </p:nvSpPr>
+            <p:spPr/>
+            <p:txBody>
+              <a:bodyPr/>
+              <a:lstStyle/>
+              <a:p>
+                <a14:m>
+                  <m:oMath xmlns:m="http://schemas.openxmlformats.org/officeDocument/2006/math">
+                    <m:sSubSup>
+                      <m:sSubSupPr>
+                        <m:ctrlPr>
+                          <a:rPr lang="en-US" altLang="zh-CN" i="1">
+                            <a:latin typeface="Cambria Math" panose="02040503050406030204" pitchFamily="18" charset="0"/>
+                          </a:rPr>
+                        </m:ctrlPr>
+                      </m:sSubSupPr>
+                      <m:e>
+                        <m:r>
+                          <a:rPr lang="en-US" altLang="zh-CN" i="1">
+                            <a:latin typeface="Cambria Math" panose="02040503050406030204" pitchFamily="18" charset="0"/>
+                          </a:rPr>
+                          <m:t>𝐷</m:t>
+                        </m:r>
+                      </m:e>
+                      <m:sub>
+                        <m:r>
+                          <a:rPr lang="en-US" altLang="zh-CN" i="1">
+                            <a:latin typeface="Cambria Math" panose="02040503050406030204" pitchFamily="18" charset="0"/>
+                          </a:rPr>
+                          <m:t>2</m:t>
+                        </m:r>
+                      </m:sub>
+                      <m:sup>
+                        <m:r>
+                          <a:rPr lang="en-US" altLang="zh-CN" i="1">
+                            <a:latin typeface="Cambria Math" panose="02040503050406030204" pitchFamily="18" charset="0"/>
+                          </a:rPr>
+                          <m:t>𝑅</m:t>
+                        </m:r>
+                      </m:sup>
+                    </m:sSubSup>
+                  </m:oMath>
+                </a14:m>
+                <a:r>
+                  <a:rPr lang="en-US" altLang="zh-CN" dirty="0" smtClean="0">
+                    <a:latin typeface="+mn-lt"/>
+                  </a:rPr>
+                  <a:t> properties</a:t>
+                </a:r>
+                <a:endParaRPr lang="zh-CN" altLang="en-US" dirty="0">
+                  <a:latin typeface="+mn-lt"/>
+                </a:endParaRPr>
+              </a:p>
+            </p:txBody>
+          </p:sp>
+        </mc:Choice>
+        <mc:Fallback>
+          <p:sp>
+            <p:nvSpPr>
+              <p:cNvPr id="2" name="标题 1"/>
+              <p:cNvSpPr>
+                <a:spLocks noGrp="1" noRot="1" noChangeAspect="1" noMove="1" noResize="1" noEditPoints="1" noAdjustHandles="1" noChangeArrowheads="1" noChangeShapeType="1" noTextEdit="1"/>
+              </p:cNvSpPr>
+              <p:nvPr>
+                <p:ph type="title"/>
+              </p:nvPr>
+            </p:nvSpPr>
+            <p:spPr>
+              <a:blipFill>
+                <a:blip r:embed="rId2"/>
+                <a:stretch>
+                  <a:fillRect/>
+                </a:stretch>
+              </a:blipFill>
+            </p:spPr>
+            <p:txBody>
+              <a:bodyPr/>
+              <a:lstStyle/>
+              <a:p>
+                <a:r>
+                  <a:rPr lang="zh-CN" altLang="en-US">
+                    <a:noFill/>
+                  </a:rPr>
+                  <a:t> </a:t>
+                </a:r>
+              </a:p>
+            </p:txBody>
+          </p:sp>
+        </mc:Fallback>
+      </mc:AlternateContent>
+      <mc:AlternateContent xmlns:mc="http://schemas.openxmlformats.org/markup-compatibility/2006">
+        <mc:Choice xmlns:a14="http://schemas.microsoft.com/office/drawing/2010/main" Requires="a14">
+          <p:sp>
+            <p:nvSpPr>
+              <p:cNvPr id="3" name="内容占位符 2"/>
+              <p:cNvSpPr>
+                <a:spLocks noGrp="1"/>
+              </p:cNvSpPr>
+              <p:nvPr>
+                <p:ph idx="1"/>
+              </p:nvPr>
+            </p:nvSpPr>
+            <p:spPr/>
+            <p:txBody>
+              <a:bodyPr>
+                <a:normAutofit/>
+              </a:bodyPr>
+              <a:lstStyle/>
+              <a:p>
+                <a:r>
+                  <a:rPr lang="en-US" altLang="zh-CN" sz="2000" dirty="0" smtClean="0"/>
+                  <a:t>We compared the empirical distribution under the null model and the alternative model.</a:t>
+                </a:r>
+              </a:p>
+              <a:p>
+                <a:pPr marL="0" indent="0">
+                  <a:buNone/>
+                </a:pPr>
+                <a:endParaRPr lang="en-US" altLang="zh-CN" sz="2000" dirty="0" smtClean="0"/>
+              </a:p>
+              <a:p>
+                <a:r>
+                  <a:rPr lang="en-US" altLang="zh-CN" sz="2000" dirty="0" smtClean="0"/>
+                  <a:t>Null model:</a:t>
+                </a:r>
+                <a:r>
+                  <a:rPr lang="zh-CN" altLang="en-US" sz="2000" dirty="0" smtClean="0"/>
+                  <a:t> </a:t>
+                </a:r>
+                <a:r>
+                  <a:rPr lang="en-US" altLang="zh-CN" sz="2000" dirty="0" smtClean="0"/>
+                  <a:t>a </a:t>
+                </a:r>
+                <a:r>
+                  <a:rPr lang="en-US" altLang="zh-CN" sz="2000" dirty="0"/>
+                  <a:t>letter-by-letter </a:t>
+                </a:r>
+                <a:r>
+                  <a:rPr lang="en-US" altLang="zh-CN" sz="2000" dirty="0" smtClean="0"/>
+                  <a:t>sequence generation model and the letters in the sequence are </a:t>
+                </a:r>
+                <a:r>
+                  <a:rPr lang="en-US" altLang="zh-CN" sz="2000" dirty="0" err="1" smtClean="0"/>
+                  <a:t>i.i.d</a:t>
+                </a:r>
+                <a:endParaRPr lang="en-US" altLang="zh-CN" sz="2000" dirty="0" smtClean="0"/>
+              </a:p>
+              <a:p>
+                <a:pPr marL="0" indent="0">
+                  <a:buNone/>
+                </a:pPr>
+                <a:endParaRPr lang="en-US" altLang="zh-CN" sz="2000" dirty="0" smtClean="0"/>
+              </a:p>
+              <a:p>
+                <a:r>
+                  <a:rPr lang="en-US" altLang="zh-CN" sz="2000" dirty="0" smtClean="0"/>
+                  <a:t>Alternative model: A transition model. To introduce repetitive regions into sequences manually, we randomly choose a section of null model sequence as the </a:t>
+                </a:r>
+                <a:r>
+                  <a:rPr lang="en-US" altLang="zh-CN" sz="2000" dirty="0" err="1" smtClean="0"/>
+                  <a:t>repetend</a:t>
+                </a:r>
+                <a:r>
+                  <a:rPr lang="en-US" altLang="zh-CN" sz="2000" dirty="0" smtClean="0"/>
+                  <a:t>, and duplicate it for several times.</a:t>
+                </a:r>
+              </a:p>
+              <a:p>
+                <a:pPr marL="0" indent="0">
+                  <a:buNone/>
+                </a:pPr>
+                <a:endParaRPr lang="en-US" altLang="zh-CN" sz="2000" dirty="0" smtClean="0"/>
+              </a:p>
+              <a:p>
+                <a:r>
+                  <a:rPr lang="en-US" altLang="zh-CN" sz="2000" dirty="0" smtClean="0"/>
+                  <a:t>We expect a higher </a:t>
+                </a:r>
+                <a14:m>
+                  <m:oMath xmlns:m="http://schemas.openxmlformats.org/officeDocument/2006/math">
+                    <m:sSubSup>
+                      <m:sSubSupPr>
+                        <m:ctrlPr>
+                          <a:rPr lang="en-US" altLang="zh-CN" sz="2000" i="1">
+                            <a:latin typeface="Cambria Math" panose="02040503050406030204" pitchFamily="18" charset="0"/>
+                          </a:rPr>
+                        </m:ctrlPr>
+                      </m:sSubSupPr>
+                      <m:e>
+                        <m:r>
+                          <a:rPr lang="en-US" altLang="zh-CN" sz="2000" i="1">
+                            <a:latin typeface="Cambria Math" panose="02040503050406030204" pitchFamily="18" charset="0"/>
+                          </a:rPr>
+                          <m:t>𝐷</m:t>
+                        </m:r>
+                      </m:e>
+                      <m:sub>
+                        <m:r>
+                          <a:rPr lang="en-US" altLang="zh-CN" sz="2000" i="1">
+                            <a:latin typeface="Cambria Math" panose="02040503050406030204" pitchFamily="18" charset="0"/>
+                          </a:rPr>
+                          <m:t>2</m:t>
+                        </m:r>
+                      </m:sub>
+                      <m:sup>
+                        <m:r>
+                          <a:rPr lang="en-US" altLang="zh-CN" sz="2000" i="1">
+                            <a:latin typeface="Cambria Math" panose="02040503050406030204" pitchFamily="18" charset="0"/>
+                          </a:rPr>
+                          <m:t>𝑅</m:t>
+                        </m:r>
+                      </m:sup>
+                    </m:sSubSup>
+                  </m:oMath>
+                </a14:m>
+                <a:r>
+                  <a:rPr lang="en-US" altLang="zh-CN" sz="2000" dirty="0" smtClean="0"/>
+                  <a:t> observation in alternative model. </a:t>
+                </a:r>
+              </a:p>
+            </p:txBody>
+          </p:sp>
+        </mc:Choice>
+        <mc:Fallback>
+          <p:sp>
+            <p:nvSpPr>
+              <p:cNvPr id="3" name="内容占位符 2"/>
+              <p:cNvSpPr>
+                <a:spLocks noGrp="1" noRot="1" noChangeAspect="1" noMove="1" noResize="1" noEditPoints="1" noAdjustHandles="1" noChangeArrowheads="1" noChangeShapeType="1" noTextEdit="1"/>
+              </p:cNvSpPr>
+              <p:nvPr>
+                <p:ph idx="1"/>
+              </p:nvPr>
+            </p:nvSpPr>
+            <p:spPr>
+              <a:blipFill>
+                <a:blip r:embed="rId3"/>
+                <a:stretch>
+                  <a:fillRect l="-696" t="-1401" r="-1468"/>
+                </a:stretch>
+              </a:blipFill>
+            </p:spPr>
+            <p:txBody>
+              <a:bodyPr/>
+              <a:lstStyle/>
+              <a:p>
+                <a:r>
+                  <a:rPr lang="zh-CN" altLang="en-US">
+                    <a:noFill/>
+                  </a:rPr>
+                  <a:t> </a:t>
+                </a:r>
+              </a:p>
+            </p:txBody>
+          </p:sp>
+        </mc:Fallback>
+      </mc:AlternateContent>
+    </p:spTree>
+    <p:extLst>
+      <p:ext uri="{BB962C8B-B14F-4D97-AF65-F5344CB8AC3E}">
+        <p14:creationId xmlns:p14="http://schemas.microsoft.com/office/powerpoint/2010/main" val="2250294716"/>
+      </p:ext>
+    </p:extLst>
+  </p:cSld>
+  <p:clrMapOvr>
+    <a:masterClrMapping/>
+  </p:clrMapOvr>
+  <p:timing>
+    <p:tnLst>
+      <p:par>
+        <p:cTn id="1" dur="indefinite" restart="never" nodeType="tmRoot"/>
+      </p:par>
+    </p:tnLst>
+  </p:timing>
+</p:sld>
+</file>
+
+<file path=ppt/slides/slide5.xml><?xml version="1.0" encoding="utf-8"?>
+<p:sld xmlns:a="http://schemas.openxmlformats.org/drawingml/2006/main" xmlns:r="http://schemas.openxmlformats.org/officeDocument/2006/relationships" xmlns:p="http://schemas.openxmlformats.org/presentationml/2006/main">
+  <p:cSld>
+    <p:spTree>
+      <p:nvGrpSpPr>
+        <p:cNvPr id="1" name=""/>
+        <p:cNvGrpSpPr/>
+        <p:nvPr/>
+      </p:nvGrpSpPr>
+      <p:grpSpPr>
+        <a:xfrm>
+          <a:off x="0" y="0"/>
+          <a:ext cx="0" cy="0"/>
+          <a:chOff x="0" y="0"/>
+          <a:chExt cx="0" cy="0"/>
+        </a:xfrm>
+      </p:grpSpPr>
+      <mc:AlternateContent xmlns:mc="http://schemas.openxmlformats.org/markup-compatibility/2006">
+        <mc:Choice xmlns:a14="http://schemas.microsoft.com/office/drawing/2010/main" Requires="a14">
+          <p:sp>
+            <p:nvSpPr>
+              <p:cNvPr id="2" name="标题 1"/>
+              <p:cNvSpPr>
+                <a:spLocks noGrp="1"/>
+              </p:cNvSpPr>
+              <p:nvPr>
+                <p:ph type="title"/>
+              </p:nvPr>
+            </p:nvSpPr>
+            <p:spPr>
+              <a:xfrm>
+                <a:off x="628650" y="72769"/>
+                <a:ext cx="7886700" cy="1325563"/>
+              </a:xfrm>
+            </p:spPr>
+            <p:txBody>
+              <a:bodyPr/>
+              <a:lstStyle/>
+              <a:p>
+                <a14:m>
+                  <m:oMath xmlns:m="http://schemas.openxmlformats.org/officeDocument/2006/math">
+                    <m:sSubSup>
+                      <m:sSubSupPr>
+                        <m:ctrlPr>
+                          <a:rPr lang="en-US" altLang="zh-CN" i="1">
+                            <a:latin typeface="Cambria Math" panose="02040503050406030204" pitchFamily="18" charset="0"/>
+                          </a:rPr>
+                        </m:ctrlPr>
+                      </m:sSubSupPr>
+                      <m:e>
+                        <m:r>
+                          <a:rPr lang="en-US" altLang="zh-CN" i="1">
+                            <a:latin typeface="Cambria Math" panose="02040503050406030204" pitchFamily="18" charset="0"/>
+                          </a:rPr>
+                          <m:t>𝐷</m:t>
+                        </m:r>
+                      </m:e>
+                      <m:sub>
+                        <m:r>
+                          <a:rPr lang="en-US" altLang="zh-CN" i="1">
+                            <a:latin typeface="Cambria Math" panose="02040503050406030204" pitchFamily="18" charset="0"/>
+                          </a:rPr>
+                          <m:t>2</m:t>
+                        </m:r>
+                      </m:sub>
+                      <m:sup>
+                        <m:r>
+                          <a:rPr lang="en-US" altLang="zh-CN" i="1">
+                            <a:latin typeface="Cambria Math" panose="02040503050406030204" pitchFamily="18" charset="0"/>
+                          </a:rPr>
+                          <m:t>𝑅</m:t>
+                        </m:r>
+                      </m:sup>
+                    </m:sSubSup>
+                  </m:oMath>
+                </a14:m>
+                <a:r>
+                  <a:rPr lang="en-US" altLang="zh-CN" dirty="0"/>
+                  <a:t> properties</a:t>
+                </a:r>
+                <a:endParaRPr lang="zh-CN" altLang="en-US" dirty="0"/>
+              </a:p>
+            </p:txBody>
+          </p:sp>
+        </mc:Choice>
+        <mc:Fallback>
+          <p:sp>
+            <p:nvSpPr>
+              <p:cNvPr id="2" name="标题 1"/>
+              <p:cNvSpPr>
+                <a:spLocks noGrp="1" noRot="1" noChangeAspect="1" noMove="1" noResize="1" noEditPoints="1" noAdjustHandles="1" noChangeArrowheads="1" noChangeShapeType="1" noTextEdit="1"/>
+              </p:cNvSpPr>
+              <p:nvPr>
+                <p:ph type="title"/>
+              </p:nvPr>
+            </p:nvSpPr>
+            <p:spPr>
+              <a:xfrm>
+                <a:off x="628650" y="72769"/>
+                <a:ext cx="7886700" cy="1325563"/>
+              </a:xfrm>
+              <a:blipFill>
+                <a:blip r:embed="rId2"/>
+                <a:stretch>
+                  <a:fillRect/>
+                </a:stretch>
+              </a:blipFill>
+            </p:spPr>
+            <p:txBody>
+              <a:bodyPr/>
+              <a:lstStyle/>
+              <a:p>
+                <a:r>
+                  <a:rPr lang="zh-CN" altLang="en-US">
+                    <a:noFill/>
+                  </a:rPr>
+                  <a:t> </a:t>
+                </a:r>
+              </a:p>
+            </p:txBody>
+          </p:sp>
+        </mc:Fallback>
+      </mc:AlternateContent>
       <p:sp>
         <p:nvSpPr>
           <p:cNvPr id="3" name="内容占位符 2"/>
@@ -3354,139 +5705,2458 @@
             <p:ph idx="1"/>
           </p:nvPr>
         </p:nvSpPr>
-        <p:spPr/>
+        <p:spPr>
+          <a:xfrm>
+            <a:off x="628650" y="1216921"/>
+            <a:ext cx="4304297" cy="480428"/>
+          </a:xfrm>
+        </p:spPr>
         <p:txBody>
-          <a:bodyPr>
-            <a:normAutofit/>
+          <a:bodyPr/>
+          <a:lstStyle/>
+          <a:p>
+            <a:r>
+              <a:rPr lang="en-US" altLang="zh-CN" b="1" dirty="0" smtClean="0"/>
+              <a:t>Sequence Length’s Impact</a:t>
+            </a:r>
+          </a:p>
+        </p:txBody>
+      </p:sp>
+      <p:pic>
+        <p:nvPicPr>
+          <p:cNvPr id="1026" name="Picture 2" descr="image"/>
+          <p:cNvPicPr>
+            <a:picLocks noChangeAspect="1" noChangeArrowheads="1"/>
+          </p:cNvPicPr>
+          <p:nvPr/>
+        </p:nvPicPr>
+        <p:blipFill rotWithShape="1">
+          <a:blip r:embed="rId3" cstate="print">
+            <a:extLst>
+              <a:ext uri="{28A0092B-C50C-407E-A947-70E740481C1C}">
+                <a14:useLocalDpi xmlns:a14="http://schemas.microsoft.com/office/drawing/2010/main" val="0"/>
+              </a:ext>
+            </a:extLst>
+          </a:blip>
+          <a:srcRect l="6126" t="9645" r="8572" b="5184"/>
+          <a:stretch/>
+        </p:blipFill>
+        <p:spPr bwMode="auto">
+          <a:xfrm>
+            <a:off x="4782571" y="1769850"/>
+            <a:ext cx="3668610" cy="2518365"/>
+          </a:xfrm>
+          <a:prstGeom prst="rect">
+            <a:avLst/>
+          </a:prstGeom>
+          <a:noFill/>
+          <a:extLst>
+            <a:ext uri="{909E8E84-426E-40DD-AFC4-6F175D3DCCD1}">
+              <a14:hiddenFill xmlns:a14="http://schemas.microsoft.com/office/drawing/2010/main">
+                <a:solidFill>
+                  <a:srgbClr val="FFFFFF"/>
+                </a:solidFill>
+              </a14:hiddenFill>
+            </a:ext>
+          </a:extLst>
+        </p:spPr>
+      </p:pic>
+      <mc:AlternateContent xmlns:mc="http://schemas.openxmlformats.org/markup-compatibility/2006">
+        <mc:Choice xmlns:a14="http://schemas.microsoft.com/office/drawing/2010/main" Requires="a14">
+          <p:sp>
+            <p:nvSpPr>
+              <p:cNvPr id="4" name="文本框 3"/>
+              <p:cNvSpPr txBox="1"/>
+              <p:nvPr/>
+            </p:nvSpPr>
+            <p:spPr>
+              <a:xfrm>
+                <a:off x="850231" y="5896649"/>
+                <a:ext cx="7327231" cy="650178"/>
+              </a:xfrm>
+              <a:prstGeom prst="rect">
+                <a:avLst/>
+              </a:prstGeom>
+              <a:noFill/>
+            </p:spPr>
+            <p:txBody>
+              <a:bodyPr wrap="square" rtlCol="0">
+                <a:spAutoFit/>
+              </a:bodyPr>
+              <a:lstStyle/>
+              <a:p>
+                <a:r>
+                  <a:rPr lang="en-US" altLang="zh-CN" dirty="0" smtClean="0"/>
+                  <a:t>Longer sequence lengths lead to larger</a:t>
+                </a:r>
+                <a14:m>
+                  <m:oMath xmlns:m="http://schemas.openxmlformats.org/officeDocument/2006/math">
+                    <m:sSubSup>
+                      <m:sSubSupPr>
+                        <m:ctrlPr>
+                          <a:rPr lang="en-US" altLang="zh-CN" i="1">
+                            <a:latin typeface="Cambria Math" panose="02040503050406030204" pitchFamily="18" charset="0"/>
+                          </a:rPr>
+                        </m:ctrlPr>
+                      </m:sSubSupPr>
+                      <m:e>
+                        <m:r>
+                          <a:rPr lang="en-US" altLang="zh-CN" b="0" i="1" smtClean="0">
+                            <a:latin typeface="Cambria Math" panose="02040503050406030204" pitchFamily="18" charset="0"/>
+                          </a:rPr>
+                          <m:t> </m:t>
+                        </m:r>
+                        <m:r>
+                          <a:rPr lang="en-US" altLang="zh-CN" i="1">
+                            <a:latin typeface="Cambria Math" panose="02040503050406030204" pitchFamily="18" charset="0"/>
+                          </a:rPr>
+                          <m:t>𝐷</m:t>
+                        </m:r>
+                      </m:e>
+                      <m:sub>
+                        <m:r>
+                          <a:rPr lang="en-US" altLang="zh-CN" i="1">
+                            <a:latin typeface="Cambria Math" panose="02040503050406030204" pitchFamily="18" charset="0"/>
+                          </a:rPr>
+                          <m:t>2</m:t>
+                        </m:r>
+                      </m:sub>
+                      <m:sup>
+                        <m:r>
+                          <a:rPr lang="en-US" altLang="zh-CN" i="1">
+                            <a:latin typeface="Cambria Math" panose="02040503050406030204" pitchFamily="18" charset="0"/>
+                          </a:rPr>
+                          <m:t>𝑅</m:t>
+                        </m:r>
+                      </m:sup>
+                    </m:sSubSup>
+                  </m:oMath>
+                </a14:m>
+                <a:r>
+                  <a:rPr lang="en-US" altLang="zh-CN" dirty="0" smtClean="0"/>
+                  <a:t> values. As shown in the left figure, larger sequence length also causes larger variance.</a:t>
+                </a:r>
+              </a:p>
+            </p:txBody>
+          </p:sp>
+        </mc:Choice>
+        <mc:Fallback>
+          <p:sp>
+            <p:nvSpPr>
+              <p:cNvPr id="4" name="文本框 3"/>
+              <p:cNvSpPr txBox="1">
+                <a:spLocks noRot="1" noChangeAspect="1" noMove="1" noResize="1" noEditPoints="1" noAdjustHandles="1" noChangeArrowheads="1" noChangeShapeType="1" noTextEdit="1"/>
+              </p:cNvSpPr>
+              <p:nvPr/>
+            </p:nvSpPr>
+            <p:spPr>
+              <a:xfrm>
+                <a:off x="850231" y="5896649"/>
+                <a:ext cx="7327231" cy="650178"/>
+              </a:xfrm>
+              <a:prstGeom prst="rect">
+                <a:avLst/>
+              </a:prstGeom>
+              <a:blipFill>
+                <a:blip r:embed="rId4"/>
+                <a:stretch>
+                  <a:fillRect l="-666" t="-3738" r="-2163" b="-14019"/>
+                </a:stretch>
+              </a:blipFill>
+            </p:spPr>
+            <p:txBody>
+              <a:bodyPr/>
+              <a:lstStyle/>
+              <a:p>
+                <a:r>
+                  <a:rPr lang="zh-CN" altLang="en-US">
+                    <a:noFill/>
+                  </a:rPr>
+                  <a:t> </a:t>
+                </a:r>
+              </a:p>
+            </p:txBody>
+          </p:sp>
+        </mc:Fallback>
+      </mc:AlternateContent>
+      <p:pic>
+        <p:nvPicPr>
+          <p:cNvPr id="5" name="图片 4"/>
+          <p:cNvPicPr>
+            <a:picLocks noChangeAspect="1"/>
+          </p:cNvPicPr>
+          <p:nvPr/>
+        </p:nvPicPr>
+        <p:blipFill rotWithShape="1">
+          <a:blip r:embed="rId5" cstate="print">
+            <a:extLst>
+              <a:ext uri="{28A0092B-C50C-407E-A947-70E740481C1C}">
+                <a14:useLocalDpi xmlns:a14="http://schemas.microsoft.com/office/drawing/2010/main" val="0"/>
+              </a:ext>
+            </a:extLst>
+          </a:blip>
+          <a:srcRect l="6634" t="10207" r="8333" b="2074"/>
+          <a:stretch/>
+        </p:blipFill>
+        <p:spPr>
+          <a:xfrm>
+            <a:off x="918411" y="1769850"/>
+            <a:ext cx="3676002" cy="2607094"/>
+          </a:xfrm>
+          <a:prstGeom prst="rect">
+            <a:avLst/>
+          </a:prstGeom>
+        </p:spPr>
+      </p:pic>
+      <p:sp>
+        <p:nvSpPr>
+          <p:cNvPr id="6" name="文本框 5"/>
+          <p:cNvSpPr txBox="1"/>
+          <p:nvPr/>
+        </p:nvSpPr>
+        <p:spPr>
+          <a:xfrm>
+            <a:off x="850231" y="4576010"/>
+            <a:ext cx="8191666" cy="1200329"/>
+          </a:xfrm>
+          <a:prstGeom prst="rect">
+            <a:avLst/>
+          </a:prstGeom>
+          <a:noFill/>
+        </p:spPr>
+        <p:txBody>
+          <a:bodyPr wrap="none" rtlCol="0">
+            <a:spAutoFit/>
           </a:bodyPr>
           <a:lstStyle/>
           <a:p>
             <a:r>
-              <a:rPr lang="en-US" altLang="zh-CN" sz="2000" dirty="0"/>
-              <a:t>D</a:t>
-            </a:r>
-            <a:r>
-              <a:rPr lang="en-US" altLang="zh-CN" sz="2000" baseline="30000" dirty="0"/>
-              <a:t>2</a:t>
-            </a:r>
-            <a:r>
-              <a:rPr lang="en-US" altLang="zh-CN" sz="2000" dirty="0" smtClean="0"/>
-              <a:t> statistic was firstly proposed by David C. </a:t>
-            </a:r>
-            <a:r>
-              <a:rPr lang="en-US" altLang="zh-CN" sz="2000" dirty="0" err="1" smtClean="0"/>
-              <a:t>Torney</a:t>
-            </a:r>
-            <a:r>
-              <a:rPr lang="en-US" altLang="zh-CN" sz="2000" dirty="0" smtClean="0"/>
-              <a:t> et al. in 1990 in their work </a:t>
-            </a:r>
-            <a:r>
-              <a:rPr lang="en-US" altLang="zh-CN" sz="2000" b="1" i="1" dirty="0" smtClean="0"/>
-              <a:t>computation of </a:t>
-            </a:r>
-            <a:r>
-              <a:rPr lang="en-US" altLang="zh-CN" sz="2000" b="1" i="1" dirty="0"/>
-              <a:t>d</a:t>
-            </a:r>
-            <a:r>
-              <a:rPr lang="en-US" altLang="zh-CN" sz="2000" b="1" i="1" baseline="30000" dirty="0" smtClean="0"/>
-              <a:t>2</a:t>
-            </a:r>
-            <a:r>
-              <a:rPr lang="en-US" altLang="zh-CN" sz="2000" b="1" baseline="30000" dirty="0" smtClean="0"/>
-              <a:t> </a:t>
-            </a:r>
-            <a:r>
-              <a:rPr lang="en-US" altLang="zh-CN" sz="2000" b="1" i="1" dirty="0" smtClean="0"/>
-              <a:t>: A Measure of Sequence Dissimilarity.</a:t>
-            </a:r>
-          </a:p>
-          <a:p>
-            <a:endParaRPr lang="en-US" altLang="zh-CN" sz="2000" b="1" i="1" dirty="0" smtClean="0"/>
-          </a:p>
-          <a:p>
-            <a:r>
-              <a:rPr lang="en-US" altLang="zh-CN" sz="2000" dirty="0" err="1" smtClean="0"/>
-              <a:t>Gesine</a:t>
-            </a:r>
-            <a:r>
-              <a:rPr lang="en-US" altLang="zh-CN" sz="2000" dirty="0" smtClean="0"/>
-              <a:t> </a:t>
-            </a:r>
-            <a:r>
-              <a:rPr lang="en-US" altLang="zh-CN" sz="2000" dirty="0" err="1" smtClean="0"/>
-              <a:t>Reinert</a:t>
-            </a:r>
-            <a:r>
-              <a:rPr lang="en-US" altLang="zh-CN" sz="2000" dirty="0" smtClean="0"/>
-              <a:t> et al. investigated empirical and theoretical properties of D</a:t>
-            </a:r>
-            <a:r>
-              <a:rPr lang="en-US" altLang="zh-CN" sz="2000" baseline="30000" dirty="0" smtClean="0"/>
-              <a:t>2</a:t>
-            </a:r>
-            <a:r>
-              <a:rPr lang="en-US" altLang="zh-CN" sz="2000" dirty="0" smtClean="0"/>
-              <a:t> and its variants D</a:t>
-            </a:r>
-            <a:r>
-              <a:rPr lang="en-US" altLang="zh-CN" sz="2000" baseline="30000" dirty="0" smtClean="0"/>
-              <a:t>*</a:t>
-            </a:r>
-            <a:r>
-              <a:rPr lang="en-US" altLang="zh-CN" sz="2000" baseline="-25000" dirty="0" smtClean="0"/>
-              <a:t>2</a:t>
-            </a:r>
-            <a:r>
-              <a:rPr lang="en-US" altLang="zh-CN" sz="2000" dirty="0" smtClean="0"/>
-              <a:t> , D</a:t>
-            </a:r>
-            <a:r>
-              <a:rPr lang="en-US" altLang="zh-CN" sz="2000" baseline="30000" dirty="0" smtClean="0"/>
-              <a:t>S</a:t>
-            </a:r>
-            <a:r>
-              <a:rPr lang="en-US" altLang="zh-CN" sz="2000" baseline="-25000" dirty="0" smtClean="0"/>
-              <a:t>2</a:t>
-            </a:r>
-            <a:r>
-              <a:rPr lang="en-US" altLang="zh-CN" sz="2000" dirty="0" smtClean="0"/>
-              <a:t> in  </a:t>
-            </a:r>
-            <a:r>
-              <a:rPr lang="en-US" altLang="zh-CN" sz="2000" i="1" dirty="0" smtClean="0"/>
-              <a:t>Alignment-Free Sequence Comparison (I) / (II).</a:t>
-            </a:r>
-          </a:p>
-          <a:p>
-            <a:endParaRPr lang="en-US" altLang="zh-CN" sz="2000" i="1" dirty="0" smtClean="0"/>
-          </a:p>
-          <a:p>
-            <a:r>
-              <a:rPr lang="en-US" altLang="zh-CN" sz="2000" dirty="0" smtClean="0"/>
-              <a:t>In these slides, we mainly pay attention to a variant which measures the self-similarity of a sequence, which may be applied to repeat finding.  For simplicity, we use D</a:t>
-            </a:r>
-            <a:r>
-              <a:rPr lang="en-US" altLang="zh-CN" sz="2000" baseline="30000" dirty="0" smtClean="0"/>
-              <a:t>R</a:t>
-            </a:r>
-            <a:r>
-              <a:rPr lang="en-US" altLang="zh-CN" sz="2000" baseline="-25000" dirty="0" smtClean="0"/>
-              <a:t>2</a:t>
-            </a:r>
-            <a:r>
-              <a:rPr lang="en-US" altLang="zh-CN" sz="2000" dirty="0" smtClean="0"/>
-              <a:t> to refer to this new statistic.</a:t>
-            </a:r>
-            <a:endParaRPr lang="zh-CN" altLang="en-US" sz="2000" dirty="0"/>
+              <a:rPr lang="en-US" altLang="zh-CN" dirty="0" smtClean="0"/>
+              <a:t>The left figure gives the empirical distribution when sequence length =200.</a:t>
+            </a:r>
+          </a:p>
+          <a:p>
+            <a:r>
+              <a:rPr lang="en-US" altLang="zh-CN" dirty="0" smtClean="0"/>
+              <a:t>The total # of sequences generated is  10000. </a:t>
+            </a:r>
+            <a:r>
+              <a:rPr lang="en-US" altLang="zh-CN" dirty="0"/>
+              <a:t>To avoid visual </a:t>
+            </a:r>
+            <a:r>
+              <a:rPr lang="en-US" altLang="zh-CN" dirty="0" smtClean="0"/>
+              <a:t>inconvenience </a:t>
+            </a:r>
+            <a:br>
+              <a:rPr lang="en-US" altLang="zh-CN" dirty="0" smtClean="0"/>
+            </a:br>
+            <a:r>
+              <a:rPr lang="en-US" altLang="zh-CN" dirty="0" smtClean="0"/>
+              <a:t>caused by overlapping , we used kernel density estimation curve instead of histogram</a:t>
+            </a:r>
+            <a:br>
+              <a:rPr lang="en-US" altLang="zh-CN" dirty="0" smtClean="0"/>
+            </a:br>
+            <a:r>
+              <a:rPr lang="en-US" altLang="zh-CN" dirty="0" smtClean="0"/>
+              <a:t>to compare multiple conditions in following figures.</a:t>
+            </a:r>
+            <a:endParaRPr lang="zh-CN" altLang="en-US" dirty="0"/>
           </a:p>
         </p:txBody>
       </p:sp>
     </p:spTree>
     <p:extLst>
       <p:ext uri="{BB962C8B-B14F-4D97-AF65-F5344CB8AC3E}">
-        <p14:creationId xmlns:p14="http://schemas.microsoft.com/office/powerpoint/2010/main" val="927298869"/>
+        <p14:creationId xmlns:p14="http://schemas.microsoft.com/office/powerpoint/2010/main" val="2347910336"/>
+      </p:ext>
+    </p:extLst>
+  </p:cSld>
+  <p:clrMapOvr>
+    <a:masterClrMapping/>
+  </p:clrMapOvr>
+  <p:timing>
+    <p:tnLst>
+      <p:par>
+        <p:cTn id="1" dur="indefinite" restart="never" nodeType="tmRoot"/>
+      </p:par>
+    </p:tnLst>
+  </p:timing>
+</p:sld>
+</file>
+
+<file path=ppt/slides/slide6.xml><?xml version="1.0" encoding="utf-8"?>
+<p:sld xmlns:a="http://schemas.openxmlformats.org/drawingml/2006/main" xmlns:r="http://schemas.openxmlformats.org/officeDocument/2006/relationships" xmlns:p="http://schemas.openxmlformats.org/presentationml/2006/main">
+  <p:cSld>
+    <p:spTree>
+      <p:nvGrpSpPr>
+        <p:cNvPr id="1" name=""/>
+        <p:cNvGrpSpPr/>
+        <p:nvPr/>
+      </p:nvGrpSpPr>
+      <p:grpSpPr>
+        <a:xfrm>
+          <a:off x="0" y="0"/>
+          <a:ext cx="0" cy="0"/>
+          <a:chOff x="0" y="0"/>
+          <a:chExt cx="0" cy="0"/>
+        </a:xfrm>
+      </p:grpSpPr>
+      <mc:AlternateContent xmlns:mc="http://schemas.openxmlformats.org/markup-compatibility/2006">
+        <mc:Choice xmlns:a14="http://schemas.microsoft.com/office/drawing/2010/main" Requires="a14">
+          <p:sp>
+            <p:nvSpPr>
+              <p:cNvPr id="2" name="标题 1"/>
+              <p:cNvSpPr>
+                <a:spLocks noGrp="1"/>
+              </p:cNvSpPr>
+              <p:nvPr>
+                <p:ph type="title"/>
+              </p:nvPr>
+            </p:nvSpPr>
+            <p:spPr>
+              <a:xfrm>
+                <a:off x="628650" y="72769"/>
+                <a:ext cx="7886700" cy="1325563"/>
+              </a:xfrm>
+            </p:spPr>
+            <p:txBody>
+              <a:bodyPr/>
+              <a:lstStyle/>
+              <a:p>
+                <a14:m>
+                  <m:oMath xmlns:m="http://schemas.openxmlformats.org/officeDocument/2006/math">
+                    <m:sSubSup>
+                      <m:sSubSupPr>
+                        <m:ctrlPr>
+                          <a:rPr lang="en-US" altLang="zh-CN" i="1">
+                            <a:latin typeface="Cambria Math" panose="02040503050406030204" pitchFamily="18" charset="0"/>
+                          </a:rPr>
+                        </m:ctrlPr>
+                      </m:sSubSupPr>
+                      <m:e>
+                        <m:r>
+                          <a:rPr lang="en-US" altLang="zh-CN" i="1">
+                            <a:latin typeface="Cambria Math" panose="02040503050406030204" pitchFamily="18" charset="0"/>
+                          </a:rPr>
+                          <m:t>𝐷</m:t>
+                        </m:r>
+                      </m:e>
+                      <m:sub>
+                        <m:r>
+                          <a:rPr lang="en-US" altLang="zh-CN" i="1">
+                            <a:latin typeface="Cambria Math" panose="02040503050406030204" pitchFamily="18" charset="0"/>
+                          </a:rPr>
+                          <m:t>2</m:t>
+                        </m:r>
+                      </m:sub>
+                      <m:sup>
+                        <m:r>
+                          <a:rPr lang="en-US" altLang="zh-CN" i="1">
+                            <a:latin typeface="Cambria Math" panose="02040503050406030204" pitchFamily="18" charset="0"/>
+                          </a:rPr>
+                          <m:t>𝑅</m:t>
+                        </m:r>
+                      </m:sup>
+                    </m:sSubSup>
+                  </m:oMath>
+                </a14:m>
+                <a:r>
+                  <a:rPr lang="en-US" altLang="zh-CN" dirty="0"/>
+                  <a:t> properties</a:t>
+                </a:r>
+                <a:endParaRPr lang="zh-CN" altLang="en-US" dirty="0"/>
+              </a:p>
+            </p:txBody>
+          </p:sp>
+        </mc:Choice>
+        <mc:Fallback>
+          <p:sp>
+            <p:nvSpPr>
+              <p:cNvPr id="2" name="标题 1"/>
+              <p:cNvSpPr>
+                <a:spLocks noGrp="1" noRot="1" noChangeAspect="1" noMove="1" noResize="1" noEditPoints="1" noAdjustHandles="1" noChangeArrowheads="1" noChangeShapeType="1" noTextEdit="1"/>
+              </p:cNvSpPr>
+              <p:nvPr>
+                <p:ph type="title"/>
+              </p:nvPr>
+            </p:nvSpPr>
+            <p:spPr>
+              <a:xfrm>
+                <a:off x="628650" y="72769"/>
+                <a:ext cx="7886700" cy="1325563"/>
+              </a:xfrm>
+              <a:blipFill>
+                <a:blip r:embed="rId2"/>
+                <a:stretch>
+                  <a:fillRect/>
+                </a:stretch>
+              </a:blipFill>
+            </p:spPr>
+            <p:txBody>
+              <a:bodyPr/>
+              <a:lstStyle/>
+              <a:p>
+                <a:r>
+                  <a:rPr lang="zh-CN" altLang="en-US">
+                    <a:noFill/>
+                  </a:rPr>
+                  <a:t> </a:t>
+                </a:r>
+              </a:p>
+            </p:txBody>
+          </p:sp>
+        </mc:Fallback>
+      </mc:AlternateContent>
+      <p:sp>
+        <p:nvSpPr>
+          <p:cNvPr id="3" name="内容占位符 2"/>
+          <p:cNvSpPr>
+            <a:spLocks noGrp="1"/>
+          </p:cNvSpPr>
+          <p:nvPr>
+            <p:ph idx="1"/>
+          </p:nvPr>
+        </p:nvSpPr>
+        <p:spPr>
+          <a:xfrm>
+            <a:off x="628650" y="1132944"/>
+            <a:ext cx="5282866" cy="480428"/>
+          </a:xfrm>
+        </p:spPr>
+        <p:txBody>
+          <a:bodyPr>
+            <a:noAutofit/>
+          </a:bodyPr>
+          <a:lstStyle/>
+          <a:p>
+            <a:r>
+              <a:rPr lang="en-US" altLang="zh-CN" sz="2400" b="1" dirty="0" smtClean="0"/>
+              <a:t>When Sequence Length Tends to </a:t>
+            </a:r>
+            <a:r>
+              <a:rPr lang="zh-CN" altLang="en-US" sz="2400" b="1" dirty="0" smtClean="0"/>
+              <a:t>∞</a:t>
+            </a:r>
+            <a:endParaRPr lang="en-US" altLang="zh-CN" sz="2400" b="1" dirty="0" smtClean="0"/>
+          </a:p>
+        </p:txBody>
+      </p:sp>
+      <mc:AlternateContent xmlns:mc="http://schemas.openxmlformats.org/markup-compatibility/2006">
+        <mc:Choice xmlns:a14="http://schemas.microsoft.com/office/drawing/2010/main" Requires="a14">
+          <p:sp>
+            <p:nvSpPr>
+              <p:cNvPr id="4" name="文本框 3"/>
+              <p:cNvSpPr txBox="1"/>
+              <p:nvPr/>
+            </p:nvSpPr>
+            <p:spPr>
+              <a:xfrm>
+                <a:off x="826167" y="4436817"/>
+                <a:ext cx="7732296" cy="2263440"/>
+              </a:xfrm>
+              <a:prstGeom prst="rect">
+                <a:avLst/>
+              </a:prstGeom>
+              <a:noFill/>
+            </p:spPr>
+            <p:txBody>
+              <a:bodyPr wrap="square" rtlCol="0">
+                <a:spAutoFit/>
+              </a:bodyPr>
+              <a:lstStyle/>
+              <a:p>
+                <a:r>
+                  <a:rPr lang="en-US" altLang="zh-CN" sz="2000" dirty="0" smtClean="0"/>
+                  <a:t>The figure above depicts the empirical distribution of </a:t>
+                </a:r>
+                <a14:m>
+                  <m:oMath xmlns:m="http://schemas.openxmlformats.org/officeDocument/2006/math">
+                    <m:sSubSup>
+                      <m:sSubSupPr>
+                        <m:ctrlPr>
+                          <a:rPr lang="en-US" altLang="zh-CN" sz="2000" i="1">
+                            <a:latin typeface="Cambria Math" panose="02040503050406030204" pitchFamily="18" charset="0"/>
+                          </a:rPr>
+                        </m:ctrlPr>
+                      </m:sSubSupPr>
+                      <m:e>
+                        <m:r>
+                          <a:rPr lang="en-US" altLang="zh-CN" sz="2000" i="1">
+                            <a:latin typeface="Cambria Math" panose="02040503050406030204" pitchFamily="18" charset="0"/>
+                          </a:rPr>
+                          <m:t>𝐷</m:t>
+                        </m:r>
+                      </m:e>
+                      <m:sub>
+                        <m:r>
+                          <a:rPr lang="en-US" altLang="zh-CN" sz="2000" i="1">
+                            <a:latin typeface="Cambria Math" panose="02040503050406030204" pitchFamily="18" charset="0"/>
+                          </a:rPr>
+                          <m:t>2</m:t>
+                        </m:r>
+                      </m:sub>
+                      <m:sup>
+                        <m:r>
+                          <a:rPr lang="en-US" altLang="zh-CN" sz="2000" i="1">
+                            <a:latin typeface="Cambria Math" panose="02040503050406030204" pitchFamily="18" charset="0"/>
+                          </a:rPr>
+                          <m:t>𝑅</m:t>
+                        </m:r>
+                      </m:sup>
+                    </m:sSubSup>
+                  </m:oMath>
+                </a14:m>
+                <a:r>
+                  <a:rPr lang="en-US" altLang="zh-CN" sz="2000" dirty="0" smtClean="0"/>
+                  <a:t> when sequence length equals  300,000. Even though the curve looks like a “bell curve”, </a:t>
+                </a:r>
+                <a:r>
+                  <a:rPr lang="en-US" altLang="zh-CN" sz="2000" dirty="0"/>
+                  <a:t>the </a:t>
+                </a:r>
+                <a:r>
+                  <a:rPr lang="en-US" altLang="zh-CN" sz="2000" dirty="0" smtClean="0"/>
+                  <a:t>normality test still indicates that it does not follow a normal distribution.</a:t>
+                </a:r>
+              </a:p>
+              <a:p>
+                <a:endParaRPr lang="en-US" altLang="zh-CN" sz="2000" dirty="0"/>
+              </a:p>
+              <a:p>
+                <a:r>
+                  <a:rPr lang="en-US" altLang="zh-CN" sz="2000" dirty="0" smtClean="0"/>
+                  <a:t>The normality test indicates that  </a:t>
+                </a:r>
+                <a14:m>
+                  <m:oMath xmlns:m="http://schemas.openxmlformats.org/officeDocument/2006/math">
+                    <m:sSubSup>
+                      <m:sSubSupPr>
+                        <m:ctrlPr>
+                          <a:rPr lang="en-US" altLang="zh-CN" sz="2000" i="1">
+                            <a:latin typeface="Cambria Math" panose="02040503050406030204" pitchFamily="18" charset="0"/>
+                          </a:rPr>
+                        </m:ctrlPr>
+                      </m:sSubSupPr>
+                      <m:e>
+                        <m:r>
+                          <a:rPr lang="en-US" altLang="zh-CN" sz="2000" i="1">
+                            <a:latin typeface="Cambria Math" panose="02040503050406030204" pitchFamily="18" charset="0"/>
+                          </a:rPr>
+                          <m:t>𝐷</m:t>
+                        </m:r>
+                      </m:e>
+                      <m:sub>
+                        <m:r>
+                          <a:rPr lang="en-US" altLang="zh-CN" sz="2000" i="1">
+                            <a:latin typeface="Cambria Math" panose="02040503050406030204" pitchFamily="18" charset="0"/>
+                          </a:rPr>
+                          <m:t>2</m:t>
+                        </m:r>
+                      </m:sub>
+                      <m:sup>
+                        <m:r>
+                          <a:rPr lang="en-US" altLang="zh-CN" sz="2000" i="1">
+                            <a:latin typeface="Cambria Math" panose="02040503050406030204" pitchFamily="18" charset="0"/>
+                          </a:rPr>
+                          <m:t>𝑅</m:t>
+                        </m:r>
+                      </m:sup>
+                    </m:sSubSup>
+                  </m:oMath>
+                </a14:m>
+                <a:r>
+                  <a:rPr lang="en-US" altLang="zh-CN" sz="2000" dirty="0" smtClean="0"/>
+                  <a:t> may not have as good asymptotic normality as </a:t>
+                </a:r>
+                <a14:m>
+                  <m:oMath xmlns:m="http://schemas.openxmlformats.org/officeDocument/2006/math">
+                    <m:sSubSup>
+                      <m:sSubSupPr>
+                        <m:ctrlPr>
+                          <a:rPr lang="en-US" altLang="zh-CN" sz="2000" i="1">
+                            <a:latin typeface="Cambria Math" panose="02040503050406030204" pitchFamily="18" charset="0"/>
+                          </a:rPr>
+                        </m:ctrlPr>
+                      </m:sSubSupPr>
+                      <m:e>
+                        <m:r>
+                          <a:rPr lang="en-US" altLang="zh-CN" sz="2000" i="1">
+                            <a:latin typeface="Cambria Math" panose="02040503050406030204" pitchFamily="18" charset="0"/>
+                          </a:rPr>
+                          <m:t>𝐷</m:t>
+                        </m:r>
+                      </m:e>
+                      <m:sub>
+                        <m:r>
+                          <a:rPr lang="en-US" altLang="zh-CN" sz="2000" i="1">
+                            <a:latin typeface="Cambria Math" panose="02040503050406030204" pitchFamily="18" charset="0"/>
+                          </a:rPr>
+                          <m:t>2</m:t>
+                        </m:r>
+                      </m:sub>
+                      <m:sup>
+                        <m:r>
+                          <a:rPr lang="en-US" altLang="zh-CN" sz="2000" b="0" i="1" smtClean="0">
+                            <a:latin typeface="Cambria Math" panose="02040503050406030204" pitchFamily="18" charset="0"/>
+                          </a:rPr>
+                          <m:t>𝑆</m:t>
+                        </m:r>
+                      </m:sup>
+                    </m:sSubSup>
+                  </m:oMath>
+                </a14:m>
+                <a:r>
+                  <a:rPr lang="en-US" altLang="zh-CN" sz="2000" dirty="0" smtClean="0"/>
+                  <a:t> does.</a:t>
+                </a:r>
+              </a:p>
+            </p:txBody>
+          </p:sp>
+        </mc:Choice>
+        <mc:Fallback>
+          <p:sp>
+            <p:nvSpPr>
+              <p:cNvPr id="4" name="文本框 3"/>
+              <p:cNvSpPr txBox="1">
+                <a:spLocks noRot="1" noChangeAspect="1" noMove="1" noResize="1" noEditPoints="1" noAdjustHandles="1" noChangeArrowheads="1" noChangeShapeType="1" noTextEdit="1"/>
+              </p:cNvSpPr>
+              <p:nvPr/>
+            </p:nvSpPr>
+            <p:spPr>
+              <a:xfrm>
+                <a:off x="826167" y="4436817"/>
+                <a:ext cx="7732296" cy="2263440"/>
+              </a:xfrm>
+              <a:prstGeom prst="rect">
+                <a:avLst/>
+              </a:prstGeom>
+              <a:blipFill>
+                <a:blip r:embed="rId3"/>
+                <a:stretch>
+                  <a:fillRect l="-868" t="-1348" r="-1341" b="-4043"/>
+                </a:stretch>
+              </a:blipFill>
+            </p:spPr>
+            <p:txBody>
+              <a:bodyPr/>
+              <a:lstStyle/>
+              <a:p>
+                <a:r>
+                  <a:rPr lang="zh-CN" altLang="en-US">
+                    <a:noFill/>
+                  </a:rPr>
+                  <a:t> </a:t>
+                </a:r>
+              </a:p>
+            </p:txBody>
+          </p:sp>
+        </mc:Fallback>
+      </mc:AlternateContent>
+      <p:pic>
+        <p:nvPicPr>
+          <p:cNvPr id="7" name="图片 6"/>
+          <p:cNvPicPr>
+            <a:picLocks noChangeAspect="1"/>
+          </p:cNvPicPr>
+          <p:nvPr/>
+        </p:nvPicPr>
+        <p:blipFill rotWithShape="1">
+          <a:blip r:embed="rId4" cstate="print">
+            <a:extLst>
+              <a:ext uri="{28A0092B-C50C-407E-A947-70E740481C1C}">
+                <a14:useLocalDpi xmlns:a14="http://schemas.microsoft.com/office/drawing/2010/main" val="0"/>
+              </a:ext>
+            </a:extLst>
+          </a:blip>
+          <a:srcRect l="6758" t="9373" r="7341"/>
+          <a:stretch/>
+        </p:blipFill>
+        <p:spPr>
+          <a:xfrm>
+            <a:off x="826167" y="1561371"/>
+            <a:ext cx="3859630" cy="2799469"/>
+          </a:xfrm>
+          <a:prstGeom prst="rect">
+            <a:avLst/>
+          </a:prstGeom>
+        </p:spPr>
+      </p:pic>
+      <p:graphicFrame>
+        <p:nvGraphicFramePr>
+          <p:cNvPr id="8" name="表格 7"/>
+          <p:cNvGraphicFramePr>
+            <a:graphicFrameLocks noGrp="1"/>
+          </p:cNvGraphicFramePr>
+          <p:nvPr>
+            <p:extLst>
+              <p:ext uri="{D42A27DB-BD31-4B8C-83A1-F6EECF244321}">
+                <p14:modId xmlns:p14="http://schemas.microsoft.com/office/powerpoint/2010/main" val="2413599753"/>
+              </p:ext>
+            </p:extLst>
+          </p:nvPr>
+        </p:nvGraphicFramePr>
+        <p:xfrm>
+          <a:off x="5053263" y="1679300"/>
+          <a:ext cx="3597442" cy="2451375"/>
+        </p:xfrm>
+        <a:graphic>
+          <a:graphicData uri="http://schemas.openxmlformats.org/drawingml/2006/table">
+            <a:tbl>
+              <a:tblPr firstRow="1" bandRow="1">
+                <a:tableStyleId>{073A0DAA-6AF3-43AB-8588-CEC1D06C72B9}</a:tableStyleId>
+              </a:tblPr>
+              <a:tblGrid>
+                <a:gridCol w="1530040">
+                  <a:extLst>
+                    <a:ext uri="{9D8B030D-6E8A-4147-A177-3AD203B41FA5}">
+                      <a16:colId xmlns:a16="http://schemas.microsoft.com/office/drawing/2014/main" val="1795865725"/>
+                    </a:ext>
+                  </a:extLst>
+                </a:gridCol>
+                <a:gridCol w="2067402">
+                  <a:extLst>
+                    <a:ext uri="{9D8B030D-6E8A-4147-A177-3AD203B41FA5}">
+                      <a16:colId xmlns:a16="http://schemas.microsoft.com/office/drawing/2014/main" val="3789559036"/>
+                    </a:ext>
+                  </a:extLst>
+                </a:gridCol>
+              </a:tblGrid>
+              <a:tr h="490275">
+                <a:tc>
+                  <a:txBody>
+                    <a:bodyPr/>
+                    <a:lstStyle/>
+                    <a:p>
+                      <a:r>
+                        <a:rPr lang="en-US" altLang="zh-CN" dirty="0" err="1" smtClean="0"/>
+                        <a:t>Seq</a:t>
+                      </a:r>
+                      <a:r>
+                        <a:rPr lang="en-US" altLang="zh-CN" baseline="0" dirty="0" smtClean="0"/>
+                        <a:t> Len</a:t>
+                      </a:r>
+                      <a:endParaRPr lang="zh-CN" altLang="en-US" dirty="0"/>
+                    </a:p>
+                  </a:txBody>
+                  <a:tcPr/>
+                </a:tc>
+                <a:tc>
+                  <a:txBody>
+                    <a:bodyPr/>
+                    <a:lstStyle/>
+                    <a:p>
+                      <a:r>
+                        <a:rPr lang="en-US" altLang="zh-CN" dirty="0" smtClean="0"/>
+                        <a:t>Test p-value</a:t>
+                      </a:r>
+                      <a:endParaRPr lang="zh-CN" altLang="en-US" dirty="0"/>
+                    </a:p>
+                  </a:txBody>
+                  <a:tcPr/>
+                </a:tc>
+                <a:extLst>
+                  <a:ext uri="{0D108BD9-81ED-4DB2-BD59-A6C34878D82A}">
+                    <a16:rowId xmlns:a16="http://schemas.microsoft.com/office/drawing/2014/main" val="546759272"/>
+                  </a:ext>
+                </a:extLst>
+              </a:tr>
+              <a:tr h="490275">
+                <a:tc>
+                  <a:txBody>
+                    <a:bodyPr/>
+                    <a:lstStyle/>
+                    <a:p>
+                      <a:r>
+                        <a:rPr lang="en-US" altLang="zh-CN" dirty="0" smtClean="0"/>
+                        <a:t>300</a:t>
+                      </a:r>
+                      <a:endParaRPr lang="zh-CN" altLang="en-US" dirty="0"/>
+                    </a:p>
+                  </a:txBody>
+                  <a:tcPr/>
+                </a:tc>
+                <a:tc>
+                  <a:txBody>
+                    <a:bodyPr/>
+                    <a:lstStyle/>
+                    <a:p>
+                      <a:r>
+                        <a:rPr lang="en-US" altLang="zh-CN" dirty="0" smtClean="0"/>
+                        <a:t>1.141e-56</a:t>
+                      </a:r>
+                      <a:endParaRPr lang="zh-CN" altLang="en-US" dirty="0"/>
+                    </a:p>
+                  </a:txBody>
+                  <a:tcPr/>
+                </a:tc>
+                <a:extLst>
+                  <a:ext uri="{0D108BD9-81ED-4DB2-BD59-A6C34878D82A}">
+                    <a16:rowId xmlns:a16="http://schemas.microsoft.com/office/drawing/2014/main" val="54319621"/>
+                  </a:ext>
+                </a:extLst>
+              </a:tr>
+              <a:tr h="490275">
+                <a:tc>
+                  <a:txBody>
+                    <a:bodyPr/>
+                    <a:lstStyle/>
+                    <a:p>
+                      <a:r>
+                        <a:rPr lang="en-US" altLang="zh-CN" dirty="0" smtClean="0"/>
+                        <a:t>3,000</a:t>
+                      </a:r>
+                      <a:endParaRPr lang="zh-CN" altLang="en-US" dirty="0"/>
+                    </a:p>
+                  </a:txBody>
+                  <a:tcPr/>
+                </a:tc>
+                <a:tc>
+                  <a:txBody>
+                    <a:bodyPr/>
+                    <a:lstStyle/>
+                    <a:p>
+                      <a:r>
+                        <a:rPr lang="en-US" altLang="zh-CN" dirty="0" smtClean="0"/>
+                        <a:t>3.697e-13</a:t>
+                      </a:r>
+                      <a:endParaRPr lang="zh-CN" altLang="en-US" dirty="0"/>
+                    </a:p>
+                  </a:txBody>
+                  <a:tcPr/>
+                </a:tc>
+                <a:extLst>
+                  <a:ext uri="{0D108BD9-81ED-4DB2-BD59-A6C34878D82A}">
+                    <a16:rowId xmlns:a16="http://schemas.microsoft.com/office/drawing/2014/main" val="1823577872"/>
+                  </a:ext>
+                </a:extLst>
+              </a:tr>
+              <a:tr h="490275">
+                <a:tc>
+                  <a:txBody>
+                    <a:bodyPr/>
+                    <a:lstStyle/>
+                    <a:p>
+                      <a:r>
+                        <a:rPr lang="en-US" altLang="zh-CN" dirty="0" smtClean="0"/>
+                        <a:t>30,000</a:t>
+                      </a:r>
+                      <a:endParaRPr lang="zh-CN" altLang="en-US" dirty="0"/>
+                    </a:p>
+                  </a:txBody>
+                  <a:tcPr/>
+                </a:tc>
+                <a:tc>
+                  <a:txBody>
+                    <a:bodyPr/>
+                    <a:lstStyle/>
+                    <a:p>
+                      <a:r>
+                        <a:rPr lang="en-US" altLang="zh-CN" dirty="0" smtClean="0"/>
+                        <a:t>3.443e-12</a:t>
+                      </a:r>
+                      <a:endParaRPr lang="zh-CN" altLang="en-US" dirty="0"/>
+                    </a:p>
+                  </a:txBody>
+                  <a:tcPr/>
+                </a:tc>
+                <a:extLst>
+                  <a:ext uri="{0D108BD9-81ED-4DB2-BD59-A6C34878D82A}">
+                    <a16:rowId xmlns:a16="http://schemas.microsoft.com/office/drawing/2014/main" val="1038357138"/>
+                  </a:ext>
+                </a:extLst>
+              </a:tr>
+              <a:tr h="490275">
+                <a:tc>
+                  <a:txBody>
+                    <a:bodyPr/>
+                    <a:lstStyle/>
+                    <a:p>
+                      <a:r>
+                        <a:rPr lang="en-US" altLang="zh-CN" dirty="0" smtClean="0"/>
+                        <a:t>300,000</a:t>
+                      </a:r>
+                      <a:endParaRPr lang="zh-CN" altLang="en-US" dirty="0"/>
+                    </a:p>
+                  </a:txBody>
+                  <a:tcPr/>
+                </a:tc>
+                <a:tc>
+                  <a:txBody>
+                    <a:bodyPr/>
+                    <a:lstStyle/>
+                    <a:p>
+                      <a:r>
+                        <a:rPr lang="en-US" altLang="zh-CN" dirty="0" smtClean="0"/>
+                        <a:t>7.038e-08</a:t>
+                      </a:r>
+                      <a:endParaRPr lang="zh-CN" altLang="en-US" dirty="0"/>
+                    </a:p>
+                  </a:txBody>
+                  <a:tcPr/>
+                </a:tc>
+                <a:extLst>
+                  <a:ext uri="{0D108BD9-81ED-4DB2-BD59-A6C34878D82A}">
+                    <a16:rowId xmlns:a16="http://schemas.microsoft.com/office/drawing/2014/main" val="866089432"/>
+                  </a:ext>
+                </a:extLst>
+              </a:tr>
+            </a:tbl>
+          </a:graphicData>
+        </a:graphic>
+      </p:graphicFrame>
+    </p:spTree>
+    <p:extLst>
+      <p:ext uri="{BB962C8B-B14F-4D97-AF65-F5344CB8AC3E}">
+        <p14:creationId xmlns:p14="http://schemas.microsoft.com/office/powerpoint/2010/main" val="2311440036"/>
+      </p:ext>
+    </p:extLst>
+  </p:cSld>
+  <p:clrMapOvr>
+    <a:masterClrMapping/>
+  </p:clrMapOvr>
+  <p:timing>
+    <p:tnLst>
+      <p:par>
+        <p:cTn id="1" dur="indefinite" restart="never" nodeType="tmRoot"/>
+      </p:par>
+    </p:tnLst>
+  </p:timing>
+</p:sld>
+</file>
+
+<file path=ppt/slides/slide7.xml><?xml version="1.0" encoding="utf-8"?>
+<p:sld xmlns:a="http://schemas.openxmlformats.org/drawingml/2006/main" xmlns:r="http://schemas.openxmlformats.org/officeDocument/2006/relationships" xmlns:p="http://schemas.openxmlformats.org/presentationml/2006/main">
+  <p:cSld>
+    <p:spTree>
+      <p:nvGrpSpPr>
+        <p:cNvPr id="1" name=""/>
+        <p:cNvGrpSpPr/>
+        <p:nvPr/>
+      </p:nvGrpSpPr>
+      <p:grpSpPr>
+        <a:xfrm>
+          <a:off x="0" y="0"/>
+          <a:ext cx="0" cy="0"/>
+          <a:chOff x="0" y="0"/>
+          <a:chExt cx="0" cy="0"/>
+        </a:xfrm>
+      </p:grpSpPr>
+      <mc:AlternateContent xmlns:mc="http://schemas.openxmlformats.org/markup-compatibility/2006">
+        <mc:Choice xmlns:a14="http://schemas.microsoft.com/office/drawing/2010/main" Requires="a14">
+          <p:sp>
+            <p:nvSpPr>
+              <p:cNvPr id="2" name="标题 1"/>
+              <p:cNvSpPr>
+                <a:spLocks noGrp="1"/>
+              </p:cNvSpPr>
+              <p:nvPr>
+                <p:ph type="title"/>
+              </p:nvPr>
+            </p:nvSpPr>
+            <p:spPr>
+              <a:xfrm>
+                <a:off x="628650" y="72769"/>
+                <a:ext cx="7886700" cy="1325563"/>
+              </a:xfrm>
+            </p:spPr>
+            <p:txBody>
+              <a:bodyPr/>
+              <a:lstStyle/>
+              <a:p>
+                <a14:m>
+                  <m:oMath xmlns:m="http://schemas.openxmlformats.org/officeDocument/2006/math">
+                    <m:sSubSup>
+                      <m:sSubSupPr>
+                        <m:ctrlPr>
+                          <a:rPr lang="en-US" altLang="zh-CN" i="1">
+                            <a:latin typeface="Cambria Math" panose="02040503050406030204" pitchFamily="18" charset="0"/>
+                          </a:rPr>
+                        </m:ctrlPr>
+                      </m:sSubSupPr>
+                      <m:e>
+                        <m:r>
+                          <a:rPr lang="en-US" altLang="zh-CN" i="1">
+                            <a:latin typeface="Cambria Math" panose="02040503050406030204" pitchFamily="18" charset="0"/>
+                          </a:rPr>
+                          <m:t>𝐷</m:t>
+                        </m:r>
+                      </m:e>
+                      <m:sub>
+                        <m:r>
+                          <a:rPr lang="en-US" altLang="zh-CN" i="1">
+                            <a:latin typeface="Cambria Math" panose="02040503050406030204" pitchFamily="18" charset="0"/>
+                          </a:rPr>
+                          <m:t>2</m:t>
+                        </m:r>
+                      </m:sub>
+                      <m:sup>
+                        <m:r>
+                          <a:rPr lang="en-US" altLang="zh-CN" i="1">
+                            <a:latin typeface="Cambria Math" panose="02040503050406030204" pitchFamily="18" charset="0"/>
+                          </a:rPr>
+                          <m:t>𝑅</m:t>
+                        </m:r>
+                      </m:sup>
+                    </m:sSubSup>
+                  </m:oMath>
+                </a14:m>
+                <a:r>
+                  <a:rPr lang="en-US" altLang="zh-CN" dirty="0"/>
+                  <a:t> properties</a:t>
+                </a:r>
+                <a:endParaRPr lang="zh-CN" altLang="en-US" dirty="0"/>
+              </a:p>
+            </p:txBody>
+          </p:sp>
+        </mc:Choice>
+        <mc:Fallback>
+          <p:sp>
+            <p:nvSpPr>
+              <p:cNvPr id="2" name="标题 1"/>
+              <p:cNvSpPr>
+                <a:spLocks noGrp="1" noRot="1" noChangeAspect="1" noMove="1" noResize="1" noEditPoints="1" noAdjustHandles="1" noChangeArrowheads="1" noChangeShapeType="1" noTextEdit="1"/>
+              </p:cNvSpPr>
+              <p:nvPr>
+                <p:ph type="title"/>
+              </p:nvPr>
+            </p:nvSpPr>
+            <p:spPr>
+              <a:xfrm>
+                <a:off x="628650" y="72769"/>
+                <a:ext cx="7886700" cy="1325563"/>
+              </a:xfrm>
+              <a:blipFill>
+                <a:blip r:embed="rId2"/>
+                <a:stretch>
+                  <a:fillRect/>
+                </a:stretch>
+              </a:blipFill>
+            </p:spPr>
+            <p:txBody>
+              <a:bodyPr/>
+              <a:lstStyle/>
+              <a:p>
+                <a:r>
+                  <a:rPr lang="zh-CN" altLang="en-US">
+                    <a:noFill/>
+                  </a:rPr>
+                  <a:t> </a:t>
+                </a:r>
+              </a:p>
+            </p:txBody>
+          </p:sp>
+        </mc:Fallback>
+      </mc:AlternateContent>
+      <p:sp>
+        <p:nvSpPr>
+          <p:cNvPr id="3" name="内容占位符 2"/>
+          <p:cNvSpPr>
+            <a:spLocks noGrp="1"/>
+          </p:cNvSpPr>
+          <p:nvPr>
+            <p:ph idx="1"/>
+          </p:nvPr>
+        </p:nvSpPr>
+        <p:spPr>
+          <a:xfrm>
+            <a:off x="628650" y="1132944"/>
+            <a:ext cx="5282866" cy="480428"/>
+          </a:xfrm>
+        </p:spPr>
+        <p:txBody>
+          <a:bodyPr>
+            <a:noAutofit/>
+          </a:bodyPr>
+          <a:lstStyle/>
+          <a:p>
+            <a:r>
+              <a:rPr lang="en-US" altLang="zh-CN" sz="2400" b="1" dirty="0" smtClean="0"/>
+              <a:t>K-mer Length’s Impact</a:t>
+            </a:r>
+          </a:p>
+        </p:txBody>
+      </p:sp>
+      <mc:AlternateContent xmlns:mc="http://schemas.openxmlformats.org/markup-compatibility/2006">
+        <mc:Choice xmlns:a14="http://schemas.microsoft.com/office/drawing/2010/main" Requires="a14">
+          <p:sp>
+            <p:nvSpPr>
+              <p:cNvPr id="4" name="文本框 3"/>
+              <p:cNvSpPr txBox="1"/>
+              <p:nvPr/>
+            </p:nvSpPr>
+            <p:spPr>
+              <a:xfrm>
+                <a:off x="927100" y="5531309"/>
+                <a:ext cx="7950200" cy="1326902"/>
+              </a:xfrm>
+              <a:prstGeom prst="rect">
+                <a:avLst/>
+              </a:prstGeom>
+              <a:noFill/>
+            </p:spPr>
+            <p:txBody>
+              <a:bodyPr wrap="square" rtlCol="0">
+                <a:spAutoFit/>
+              </a:bodyPr>
+              <a:lstStyle/>
+              <a:p>
+                <a:r>
+                  <a:rPr lang="en-US" altLang="zh-CN" sz="1600" dirty="0" smtClean="0"/>
+                  <a:t>Besides sequence length, it is intuitive that identical k-mer hits are less likely to happen when k is larger under null model. </a:t>
+                </a:r>
+              </a:p>
+              <a:p>
+                <a:r>
+                  <a:rPr lang="en-US" altLang="zh-CN" sz="1600" dirty="0" smtClean="0"/>
+                  <a:t>We can observe that the peak of KDE curve are squished to zero as k goes larger.</a:t>
+                </a:r>
+                <a:br>
+                  <a:rPr lang="en-US" altLang="zh-CN" sz="1600" dirty="0" smtClean="0"/>
+                </a:br>
+                <a:r>
+                  <a:rPr lang="en-US" altLang="zh-CN" sz="1600" dirty="0" smtClean="0"/>
+                  <a:t>Note that the &lt;0 part of KDEs does not mean that there exists </a:t>
+                </a:r>
+                <a14:m>
+                  <m:oMath xmlns:m="http://schemas.openxmlformats.org/officeDocument/2006/math">
+                    <m:sSubSup>
+                      <m:sSubSupPr>
+                        <m:ctrlPr>
+                          <a:rPr lang="en-US" altLang="zh-CN" sz="1600" i="1">
+                            <a:latin typeface="Cambria Math" panose="02040503050406030204" pitchFamily="18" charset="0"/>
+                          </a:rPr>
+                        </m:ctrlPr>
+                      </m:sSubSupPr>
+                      <m:e>
+                        <m:r>
+                          <a:rPr lang="en-US" altLang="zh-CN" sz="1600" i="1">
+                            <a:latin typeface="Cambria Math" panose="02040503050406030204" pitchFamily="18" charset="0"/>
+                          </a:rPr>
+                          <m:t>𝐷</m:t>
+                        </m:r>
+                      </m:e>
+                      <m:sub>
+                        <m:r>
+                          <a:rPr lang="en-US" altLang="zh-CN" sz="1600" i="1">
+                            <a:latin typeface="Cambria Math" panose="02040503050406030204" pitchFamily="18" charset="0"/>
+                          </a:rPr>
+                          <m:t>2</m:t>
+                        </m:r>
+                      </m:sub>
+                      <m:sup>
+                        <m:r>
+                          <a:rPr lang="en-US" altLang="zh-CN" sz="1600" i="1">
+                            <a:latin typeface="Cambria Math" panose="02040503050406030204" pitchFamily="18" charset="0"/>
+                          </a:rPr>
+                          <m:t>𝑅</m:t>
+                        </m:r>
+                      </m:sup>
+                    </m:sSubSup>
+                  </m:oMath>
+                </a14:m>
+                <a:r>
+                  <a:rPr lang="en-US" altLang="zh-CN" sz="1600" dirty="0" smtClean="0"/>
+                  <a:t>&lt;0, that’s just curve fitting result.</a:t>
+                </a:r>
+              </a:p>
+            </p:txBody>
+          </p:sp>
+        </mc:Choice>
+        <mc:Fallback>
+          <p:sp>
+            <p:nvSpPr>
+              <p:cNvPr id="4" name="文本框 3"/>
+              <p:cNvSpPr txBox="1">
+                <a:spLocks noRot="1" noChangeAspect="1" noMove="1" noResize="1" noEditPoints="1" noAdjustHandles="1" noChangeArrowheads="1" noChangeShapeType="1" noTextEdit="1"/>
+              </p:cNvSpPr>
+              <p:nvPr/>
+            </p:nvSpPr>
+            <p:spPr>
+              <a:xfrm>
+                <a:off x="927100" y="5531309"/>
+                <a:ext cx="7950200" cy="1326902"/>
+              </a:xfrm>
+              <a:prstGeom prst="rect">
+                <a:avLst/>
+              </a:prstGeom>
+              <a:blipFill>
+                <a:blip r:embed="rId3"/>
+                <a:stretch>
+                  <a:fillRect l="-383" t="-1376" b="-5046"/>
+                </a:stretch>
+              </a:blipFill>
+            </p:spPr>
+            <p:txBody>
+              <a:bodyPr/>
+              <a:lstStyle/>
+              <a:p>
+                <a:r>
+                  <a:rPr lang="zh-CN" altLang="en-US">
+                    <a:noFill/>
+                  </a:rPr>
+                  <a:t> </a:t>
+                </a:r>
+              </a:p>
+            </p:txBody>
+          </p:sp>
+        </mc:Fallback>
+      </mc:AlternateContent>
+      <p:pic>
+        <p:nvPicPr>
+          <p:cNvPr id="2050" name="Picture 2" descr="image"/>
+          <p:cNvPicPr>
+            <a:picLocks noChangeAspect="1" noChangeArrowheads="1"/>
+          </p:cNvPicPr>
+          <p:nvPr/>
+        </p:nvPicPr>
+        <p:blipFill rotWithShape="1">
+          <a:blip r:embed="rId4" cstate="print">
+            <a:extLst>
+              <a:ext uri="{28A0092B-C50C-407E-A947-70E740481C1C}">
+                <a14:useLocalDpi xmlns:a14="http://schemas.microsoft.com/office/drawing/2010/main" val="0"/>
+              </a:ext>
+            </a:extLst>
+          </a:blip>
+          <a:srcRect l="6288" t="9335" r="8757" b="5547"/>
+          <a:stretch/>
+        </p:blipFill>
+        <p:spPr bwMode="auto">
+          <a:xfrm>
+            <a:off x="1612734" y="1535879"/>
+            <a:ext cx="5600699" cy="3857883"/>
+          </a:xfrm>
+          <a:prstGeom prst="rect">
+            <a:avLst/>
+          </a:prstGeom>
+          <a:noFill/>
+          <a:extLst>
+            <a:ext uri="{909E8E84-426E-40DD-AFC4-6F175D3DCCD1}">
+              <a14:hiddenFill xmlns:a14="http://schemas.microsoft.com/office/drawing/2010/main">
+                <a:solidFill>
+                  <a:srgbClr val="FFFFFF"/>
+                </a:solidFill>
+              </a14:hiddenFill>
+            </a:ext>
+          </a:extLst>
+        </p:spPr>
+      </p:pic>
+    </p:spTree>
+    <p:extLst>
+      <p:ext uri="{BB962C8B-B14F-4D97-AF65-F5344CB8AC3E}">
+        <p14:creationId xmlns:p14="http://schemas.microsoft.com/office/powerpoint/2010/main" val="3284146007"/>
+      </p:ext>
+    </p:extLst>
+  </p:cSld>
+  <p:clrMapOvr>
+    <a:masterClrMapping/>
+  </p:clrMapOvr>
+  <p:timing>
+    <p:tnLst>
+      <p:par>
+        <p:cTn id="1" dur="indefinite" restart="never" nodeType="tmRoot"/>
+      </p:par>
+    </p:tnLst>
+  </p:timing>
+</p:sld>
+</file>
+
+<file path=ppt/slides/slide8.xml><?xml version="1.0" encoding="utf-8"?>
+<p:sld xmlns:a="http://schemas.openxmlformats.org/drawingml/2006/main" xmlns:r="http://schemas.openxmlformats.org/officeDocument/2006/relationships" xmlns:p="http://schemas.openxmlformats.org/presentationml/2006/main">
+  <p:cSld>
+    <p:spTree>
+      <p:nvGrpSpPr>
+        <p:cNvPr id="1" name=""/>
+        <p:cNvGrpSpPr/>
+        <p:nvPr/>
+      </p:nvGrpSpPr>
+      <p:grpSpPr>
+        <a:xfrm>
+          <a:off x="0" y="0"/>
+          <a:ext cx="0" cy="0"/>
+          <a:chOff x="0" y="0"/>
+          <a:chExt cx="0" cy="0"/>
+        </a:xfrm>
+      </p:grpSpPr>
+      <mc:AlternateContent xmlns:mc="http://schemas.openxmlformats.org/markup-compatibility/2006">
+        <mc:Choice xmlns:a14="http://schemas.microsoft.com/office/drawing/2010/main" Requires="a14">
+          <p:sp>
+            <p:nvSpPr>
+              <p:cNvPr id="2" name="标题 1"/>
+              <p:cNvSpPr>
+                <a:spLocks noGrp="1"/>
+              </p:cNvSpPr>
+              <p:nvPr>
+                <p:ph type="title"/>
+              </p:nvPr>
+            </p:nvSpPr>
+            <p:spPr>
+              <a:xfrm>
+                <a:off x="549686" y="0"/>
+                <a:ext cx="7886700" cy="1325563"/>
+              </a:xfrm>
+            </p:spPr>
+            <p:txBody>
+              <a:bodyPr/>
+              <a:lstStyle/>
+              <a:p>
+                <a14:m>
+                  <m:oMath xmlns:m="http://schemas.openxmlformats.org/officeDocument/2006/math">
+                    <m:sSubSup>
+                      <m:sSubSupPr>
+                        <m:ctrlPr>
+                          <a:rPr lang="en-US" altLang="zh-CN" i="1">
+                            <a:latin typeface="Cambria Math" panose="02040503050406030204" pitchFamily="18" charset="0"/>
+                          </a:rPr>
+                        </m:ctrlPr>
+                      </m:sSubSupPr>
+                      <m:e>
+                        <m:r>
+                          <a:rPr lang="en-US" altLang="zh-CN" i="1">
+                            <a:latin typeface="Cambria Math" panose="02040503050406030204" pitchFamily="18" charset="0"/>
+                          </a:rPr>
+                          <m:t>𝐷</m:t>
+                        </m:r>
+                      </m:e>
+                      <m:sub>
+                        <m:r>
+                          <a:rPr lang="en-US" altLang="zh-CN" i="1">
+                            <a:latin typeface="Cambria Math" panose="02040503050406030204" pitchFamily="18" charset="0"/>
+                          </a:rPr>
+                          <m:t>2</m:t>
+                        </m:r>
+                      </m:sub>
+                      <m:sup>
+                        <m:r>
+                          <a:rPr lang="en-US" altLang="zh-CN" i="1">
+                            <a:latin typeface="Cambria Math" panose="02040503050406030204" pitchFamily="18" charset="0"/>
+                          </a:rPr>
+                          <m:t>𝑅</m:t>
+                        </m:r>
+                      </m:sup>
+                    </m:sSubSup>
+                  </m:oMath>
+                </a14:m>
+                <a:r>
+                  <a:rPr lang="en-US" altLang="zh-CN" dirty="0"/>
+                  <a:t> properties</a:t>
+                </a:r>
+                <a:endParaRPr lang="zh-CN" altLang="en-US" dirty="0"/>
+              </a:p>
+            </p:txBody>
+          </p:sp>
+        </mc:Choice>
+        <mc:Fallback>
+          <p:sp>
+            <p:nvSpPr>
+              <p:cNvPr id="2" name="标题 1"/>
+              <p:cNvSpPr>
+                <a:spLocks noGrp="1" noRot="1" noChangeAspect="1" noMove="1" noResize="1" noEditPoints="1" noAdjustHandles="1" noChangeArrowheads="1" noChangeShapeType="1" noTextEdit="1"/>
+              </p:cNvSpPr>
+              <p:nvPr>
+                <p:ph type="title"/>
+              </p:nvPr>
+            </p:nvSpPr>
+            <p:spPr>
+              <a:xfrm>
+                <a:off x="549686" y="0"/>
+                <a:ext cx="7886700" cy="1325563"/>
+              </a:xfrm>
+              <a:blipFill>
+                <a:blip r:embed="rId2"/>
+                <a:stretch>
+                  <a:fillRect/>
+                </a:stretch>
+              </a:blipFill>
+            </p:spPr>
+            <p:txBody>
+              <a:bodyPr/>
+              <a:lstStyle/>
+              <a:p>
+                <a:r>
+                  <a:rPr lang="zh-CN" altLang="en-US">
+                    <a:noFill/>
+                  </a:rPr>
+                  <a:t> </a:t>
+                </a:r>
+              </a:p>
+            </p:txBody>
+          </p:sp>
+        </mc:Fallback>
+      </mc:AlternateContent>
+      <p:sp>
+        <p:nvSpPr>
+          <p:cNvPr id="3" name="内容占位符 2"/>
+          <p:cNvSpPr>
+            <a:spLocks noGrp="1"/>
+          </p:cNvSpPr>
+          <p:nvPr>
+            <p:ph idx="1"/>
+          </p:nvPr>
+        </p:nvSpPr>
+        <p:spPr>
+          <a:xfrm>
+            <a:off x="332740" y="1140609"/>
+            <a:ext cx="6309360" cy="480428"/>
+          </a:xfrm>
+        </p:spPr>
+        <p:txBody>
+          <a:bodyPr>
+            <a:noAutofit/>
+          </a:bodyPr>
+          <a:lstStyle/>
+          <a:p>
+            <a:r>
+              <a:rPr lang="en-US" altLang="zh-CN" sz="2400" b="1" dirty="0" smtClean="0"/>
+              <a:t>Discriminate Repeats from Non-repeats</a:t>
+            </a:r>
+          </a:p>
+        </p:txBody>
+      </p:sp>
+      <p:sp>
+        <p:nvSpPr>
+          <p:cNvPr id="5" name="文本框 4"/>
+          <p:cNvSpPr txBox="1"/>
+          <p:nvPr/>
+        </p:nvSpPr>
+        <p:spPr>
+          <a:xfrm>
+            <a:off x="549686" y="1579214"/>
+            <a:ext cx="6920677" cy="707886"/>
+          </a:xfrm>
+          <a:prstGeom prst="rect">
+            <a:avLst/>
+          </a:prstGeom>
+          <a:noFill/>
+        </p:spPr>
+        <p:txBody>
+          <a:bodyPr wrap="none" rtlCol="0">
+            <a:spAutoFit/>
+          </a:bodyPr>
+          <a:lstStyle/>
+          <a:p>
+            <a:r>
+              <a:rPr lang="en-US" altLang="zh-CN" sz="2000" dirty="0" smtClean="0"/>
+              <a:t>In our alternative model, we simulated interspaced repeats with </a:t>
+            </a:r>
+            <a:br>
+              <a:rPr lang="en-US" altLang="zh-CN" sz="2000" dirty="0" smtClean="0"/>
+            </a:br>
+            <a:r>
+              <a:rPr lang="en-US" altLang="zh-CN" sz="2000" dirty="0" smtClean="0"/>
+              <a:t>spacer length= 10, </a:t>
+            </a:r>
+            <a:r>
+              <a:rPr lang="en-US" altLang="zh-CN" sz="2000" dirty="0" err="1" smtClean="0"/>
+              <a:t>repetend</a:t>
+            </a:r>
+            <a:r>
+              <a:rPr lang="en-US" altLang="zh-CN" sz="2000" dirty="0" smtClean="0"/>
+              <a:t> length=18, </a:t>
+            </a:r>
+            <a:r>
+              <a:rPr lang="en-US" altLang="zh-CN" sz="2000" dirty="0" err="1" smtClean="0"/>
+              <a:t>repetend</a:t>
+            </a:r>
+            <a:r>
+              <a:rPr lang="en-US" altLang="zh-CN" sz="2000" dirty="0" smtClean="0"/>
+              <a:t> count=5.</a:t>
+            </a:r>
+            <a:endParaRPr lang="zh-CN" altLang="en-US" sz="2000" dirty="0"/>
+          </a:p>
+        </p:txBody>
+      </p:sp>
+      <p:sp>
+        <p:nvSpPr>
+          <p:cNvPr id="6" name="矩形 5"/>
+          <p:cNvSpPr/>
+          <p:nvPr/>
+        </p:nvSpPr>
+        <p:spPr>
+          <a:xfrm>
+            <a:off x="872490" y="2637219"/>
+            <a:ext cx="7764780" cy="182880"/>
+          </a:xfrm>
+          <a:prstGeom prst="rect">
+            <a:avLst/>
+          </a:prstGeom>
+        </p:spPr>
+        <p:style>
+          <a:lnRef idx="2">
+            <a:schemeClr val="accent1">
+              <a:shade val="50000"/>
+            </a:schemeClr>
+          </a:lnRef>
+          <a:fillRef idx="1">
+            <a:schemeClr val="accent1"/>
+          </a:fillRef>
+          <a:effectRef idx="0">
+            <a:schemeClr val="accent1"/>
+          </a:effectRef>
+          <a:fontRef idx="minor">
+            <a:schemeClr val="lt1"/>
+          </a:fontRef>
+        </p:style>
+        <p:txBody>
+          <a:bodyPr rtlCol="0" anchor="ctr"/>
+          <a:lstStyle/>
+          <a:p>
+            <a:pPr algn="ctr"/>
+            <a:endParaRPr lang="zh-CN" altLang="en-US"/>
+          </a:p>
+        </p:txBody>
+      </p:sp>
+      <p:grpSp>
+        <p:nvGrpSpPr>
+          <p:cNvPr id="13" name="组合 12"/>
+          <p:cNvGrpSpPr/>
+          <p:nvPr/>
+        </p:nvGrpSpPr>
+        <p:grpSpPr>
+          <a:xfrm>
+            <a:off x="1398270" y="2637219"/>
+            <a:ext cx="1474470" cy="182880"/>
+            <a:chOff x="1584960" y="2804160"/>
+            <a:chExt cx="1474470" cy="182880"/>
+          </a:xfrm>
+        </p:grpSpPr>
+        <p:sp>
+          <p:nvSpPr>
+            <p:cNvPr id="7" name="矩形 6"/>
+            <p:cNvSpPr/>
+            <p:nvPr/>
+          </p:nvSpPr>
+          <p:spPr>
+            <a:xfrm>
+              <a:off x="1584960" y="2815590"/>
+              <a:ext cx="800100" cy="160020"/>
+            </a:xfrm>
+            <a:prstGeom prst="rect">
+              <a:avLst/>
+            </a:prstGeom>
+          </p:spPr>
+          <p:style>
+            <a:lnRef idx="2">
+              <a:schemeClr val="dk1">
+                <a:shade val="50000"/>
+              </a:schemeClr>
+            </a:lnRef>
+            <a:fillRef idx="1">
+              <a:schemeClr val="dk1"/>
+            </a:fillRef>
+            <a:effectRef idx="0">
+              <a:schemeClr val="dk1"/>
+            </a:effectRef>
+            <a:fontRef idx="minor">
+              <a:schemeClr val="lt1"/>
+            </a:fontRef>
+          </p:style>
+          <p:txBody>
+            <a:bodyPr rtlCol="0" anchor="ctr"/>
+            <a:lstStyle/>
+            <a:p>
+              <a:pPr algn="ctr"/>
+              <a:r>
+                <a:rPr lang="en-US" altLang="zh-CN" sz="1200" dirty="0" err="1" smtClean="0"/>
+                <a:t>repetend</a:t>
+              </a:r>
+              <a:endParaRPr lang="zh-CN" altLang="en-US" sz="1200" dirty="0"/>
+            </a:p>
+          </p:txBody>
+        </p:sp>
+        <p:sp>
+          <p:nvSpPr>
+            <p:cNvPr id="8" name="矩形 7"/>
+            <p:cNvSpPr/>
+            <p:nvPr/>
+          </p:nvSpPr>
+          <p:spPr>
+            <a:xfrm>
+              <a:off x="2385060" y="2804160"/>
+              <a:ext cx="674370" cy="182880"/>
+            </a:xfrm>
+            <a:prstGeom prst="rect">
+              <a:avLst/>
+            </a:prstGeom>
+          </p:spPr>
+          <p:style>
+            <a:lnRef idx="2">
+              <a:schemeClr val="accent5"/>
+            </a:lnRef>
+            <a:fillRef idx="1">
+              <a:schemeClr val="lt1"/>
+            </a:fillRef>
+            <a:effectRef idx="0">
+              <a:schemeClr val="accent5"/>
+            </a:effectRef>
+            <a:fontRef idx="minor">
+              <a:schemeClr val="dk1"/>
+            </a:fontRef>
+          </p:style>
+          <p:txBody>
+            <a:bodyPr rtlCol="0" anchor="ctr"/>
+            <a:lstStyle/>
+            <a:p>
+              <a:pPr algn="ctr"/>
+              <a:r>
+                <a:rPr lang="en-US" altLang="zh-CN" sz="1400" dirty="0" smtClean="0"/>
+                <a:t>spacer</a:t>
+              </a:r>
+              <a:endParaRPr lang="zh-CN" altLang="en-US" sz="1400" dirty="0"/>
+            </a:p>
+          </p:txBody>
+        </p:sp>
+      </p:grpSp>
+      <p:grpSp>
+        <p:nvGrpSpPr>
+          <p:cNvPr id="15" name="组合 14"/>
+          <p:cNvGrpSpPr/>
+          <p:nvPr/>
+        </p:nvGrpSpPr>
+        <p:grpSpPr>
+          <a:xfrm>
+            <a:off x="2872740" y="2637219"/>
+            <a:ext cx="1474470" cy="182880"/>
+            <a:chOff x="1584960" y="2804160"/>
+            <a:chExt cx="1474470" cy="182880"/>
+          </a:xfrm>
+        </p:grpSpPr>
+        <p:sp>
+          <p:nvSpPr>
+            <p:cNvPr id="16" name="矩形 15"/>
+            <p:cNvSpPr/>
+            <p:nvPr/>
+          </p:nvSpPr>
+          <p:spPr>
+            <a:xfrm>
+              <a:off x="1584960" y="2815590"/>
+              <a:ext cx="800100" cy="160020"/>
+            </a:xfrm>
+            <a:prstGeom prst="rect">
+              <a:avLst/>
+            </a:prstGeom>
+          </p:spPr>
+          <p:style>
+            <a:lnRef idx="2">
+              <a:schemeClr val="dk1">
+                <a:shade val="50000"/>
+              </a:schemeClr>
+            </a:lnRef>
+            <a:fillRef idx="1">
+              <a:schemeClr val="dk1"/>
+            </a:fillRef>
+            <a:effectRef idx="0">
+              <a:schemeClr val="dk1"/>
+            </a:effectRef>
+            <a:fontRef idx="minor">
+              <a:schemeClr val="lt1"/>
+            </a:fontRef>
+          </p:style>
+          <p:txBody>
+            <a:bodyPr rtlCol="0" anchor="ctr"/>
+            <a:lstStyle/>
+            <a:p>
+              <a:pPr algn="ctr"/>
+              <a:r>
+                <a:rPr lang="en-US" altLang="zh-CN" sz="1200" dirty="0" err="1" smtClean="0"/>
+                <a:t>repetend</a:t>
+              </a:r>
+              <a:endParaRPr lang="zh-CN" altLang="en-US" sz="1200" dirty="0"/>
+            </a:p>
+          </p:txBody>
+        </p:sp>
+        <p:sp>
+          <p:nvSpPr>
+            <p:cNvPr id="17" name="矩形 16"/>
+            <p:cNvSpPr/>
+            <p:nvPr/>
+          </p:nvSpPr>
+          <p:spPr>
+            <a:xfrm>
+              <a:off x="2385060" y="2804160"/>
+              <a:ext cx="674370" cy="182880"/>
+            </a:xfrm>
+            <a:prstGeom prst="rect">
+              <a:avLst/>
+            </a:prstGeom>
+          </p:spPr>
+          <p:style>
+            <a:lnRef idx="2">
+              <a:schemeClr val="accent5"/>
+            </a:lnRef>
+            <a:fillRef idx="1">
+              <a:schemeClr val="lt1"/>
+            </a:fillRef>
+            <a:effectRef idx="0">
+              <a:schemeClr val="accent5"/>
+            </a:effectRef>
+            <a:fontRef idx="minor">
+              <a:schemeClr val="dk1"/>
+            </a:fontRef>
+          </p:style>
+          <p:txBody>
+            <a:bodyPr rtlCol="0" anchor="ctr"/>
+            <a:lstStyle/>
+            <a:p>
+              <a:pPr algn="ctr"/>
+              <a:r>
+                <a:rPr lang="en-US" altLang="zh-CN" sz="1400" dirty="0" smtClean="0"/>
+                <a:t>spacer</a:t>
+              </a:r>
+              <a:endParaRPr lang="zh-CN" altLang="en-US" sz="1400" dirty="0"/>
+            </a:p>
+          </p:txBody>
+        </p:sp>
+      </p:grpSp>
+      <p:grpSp>
+        <p:nvGrpSpPr>
+          <p:cNvPr id="18" name="组合 17"/>
+          <p:cNvGrpSpPr/>
+          <p:nvPr/>
+        </p:nvGrpSpPr>
+        <p:grpSpPr>
+          <a:xfrm>
+            <a:off x="4335780" y="2637219"/>
+            <a:ext cx="1474470" cy="182880"/>
+            <a:chOff x="1584960" y="2804160"/>
+            <a:chExt cx="1474470" cy="182880"/>
+          </a:xfrm>
+        </p:grpSpPr>
+        <p:sp>
+          <p:nvSpPr>
+            <p:cNvPr id="19" name="矩形 18"/>
+            <p:cNvSpPr/>
+            <p:nvPr/>
+          </p:nvSpPr>
+          <p:spPr>
+            <a:xfrm>
+              <a:off x="1584960" y="2815590"/>
+              <a:ext cx="800100" cy="160020"/>
+            </a:xfrm>
+            <a:prstGeom prst="rect">
+              <a:avLst/>
+            </a:prstGeom>
+          </p:spPr>
+          <p:style>
+            <a:lnRef idx="2">
+              <a:schemeClr val="dk1">
+                <a:shade val="50000"/>
+              </a:schemeClr>
+            </a:lnRef>
+            <a:fillRef idx="1">
+              <a:schemeClr val="dk1"/>
+            </a:fillRef>
+            <a:effectRef idx="0">
+              <a:schemeClr val="dk1"/>
+            </a:effectRef>
+            <a:fontRef idx="minor">
+              <a:schemeClr val="lt1"/>
+            </a:fontRef>
+          </p:style>
+          <p:txBody>
+            <a:bodyPr rtlCol="0" anchor="ctr"/>
+            <a:lstStyle/>
+            <a:p>
+              <a:pPr algn="ctr"/>
+              <a:r>
+                <a:rPr lang="en-US" altLang="zh-CN" sz="1200" dirty="0" err="1" smtClean="0"/>
+                <a:t>repetend</a:t>
+              </a:r>
+              <a:endParaRPr lang="zh-CN" altLang="en-US" sz="1200" dirty="0"/>
+            </a:p>
+          </p:txBody>
+        </p:sp>
+        <p:sp>
+          <p:nvSpPr>
+            <p:cNvPr id="20" name="矩形 19"/>
+            <p:cNvSpPr/>
+            <p:nvPr/>
+          </p:nvSpPr>
+          <p:spPr>
+            <a:xfrm>
+              <a:off x="2385060" y="2804160"/>
+              <a:ext cx="674370" cy="182880"/>
+            </a:xfrm>
+            <a:prstGeom prst="rect">
+              <a:avLst/>
+            </a:prstGeom>
+          </p:spPr>
+          <p:style>
+            <a:lnRef idx="2">
+              <a:schemeClr val="accent5"/>
+            </a:lnRef>
+            <a:fillRef idx="1">
+              <a:schemeClr val="lt1"/>
+            </a:fillRef>
+            <a:effectRef idx="0">
+              <a:schemeClr val="accent5"/>
+            </a:effectRef>
+            <a:fontRef idx="minor">
+              <a:schemeClr val="dk1"/>
+            </a:fontRef>
+          </p:style>
+          <p:txBody>
+            <a:bodyPr rtlCol="0" anchor="ctr"/>
+            <a:lstStyle/>
+            <a:p>
+              <a:pPr algn="ctr"/>
+              <a:r>
+                <a:rPr lang="en-US" altLang="zh-CN" sz="1400" dirty="0" smtClean="0"/>
+                <a:t>spacer</a:t>
+              </a:r>
+              <a:endParaRPr lang="zh-CN" altLang="en-US" sz="1400" dirty="0"/>
+            </a:p>
+          </p:txBody>
+        </p:sp>
+      </p:grpSp>
+      <p:grpSp>
+        <p:nvGrpSpPr>
+          <p:cNvPr id="21" name="组合 20"/>
+          <p:cNvGrpSpPr/>
+          <p:nvPr/>
+        </p:nvGrpSpPr>
+        <p:grpSpPr>
+          <a:xfrm>
+            <a:off x="5810250" y="2637219"/>
+            <a:ext cx="1474470" cy="182880"/>
+            <a:chOff x="1584960" y="2804160"/>
+            <a:chExt cx="1474470" cy="182880"/>
+          </a:xfrm>
+        </p:grpSpPr>
+        <p:sp>
+          <p:nvSpPr>
+            <p:cNvPr id="22" name="矩形 21"/>
+            <p:cNvSpPr/>
+            <p:nvPr/>
+          </p:nvSpPr>
+          <p:spPr>
+            <a:xfrm>
+              <a:off x="1584960" y="2815590"/>
+              <a:ext cx="800100" cy="160020"/>
+            </a:xfrm>
+            <a:prstGeom prst="rect">
+              <a:avLst/>
+            </a:prstGeom>
+          </p:spPr>
+          <p:style>
+            <a:lnRef idx="2">
+              <a:schemeClr val="dk1">
+                <a:shade val="50000"/>
+              </a:schemeClr>
+            </a:lnRef>
+            <a:fillRef idx="1">
+              <a:schemeClr val="dk1"/>
+            </a:fillRef>
+            <a:effectRef idx="0">
+              <a:schemeClr val="dk1"/>
+            </a:effectRef>
+            <a:fontRef idx="minor">
+              <a:schemeClr val="lt1"/>
+            </a:fontRef>
+          </p:style>
+          <p:txBody>
+            <a:bodyPr rtlCol="0" anchor="ctr"/>
+            <a:lstStyle/>
+            <a:p>
+              <a:pPr algn="ctr"/>
+              <a:r>
+                <a:rPr lang="en-US" altLang="zh-CN" sz="1200" dirty="0" err="1" smtClean="0"/>
+                <a:t>repetend</a:t>
+              </a:r>
+              <a:endParaRPr lang="zh-CN" altLang="en-US" sz="1200" dirty="0"/>
+            </a:p>
+          </p:txBody>
+        </p:sp>
+        <p:sp>
+          <p:nvSpPr>
+            <p:cNvPr id="23" name="矩形 22"/>
+            <p:cNvSpPr/>
+            <p:nvPr/>
+          </p:nvSpPr>
+          <p:spPr>
+            <a:xfrm>
+              <a:off x="2385060" y="2804160"/>
+              <a:ext cx="674370" cy="182880"/>
+            </a:xfrm>
+            <a:prstGeom prst="rect">
+              <a:avLst/>
+            </a:prstGeom>
+          </p:spPr>
+          <p:style>
+            <a:lnRef idx="2">
+              <a:schemeClr val="accent5"/>
+            </a:lnRef>
+            <a:fillRef idx="1">
+              <a:schemeClr val="lt1"/>
+            </a:fillRef>
+            <a:effectRef idx="0">
+              <a:schemeClr val="accent5"/>
+            </a:effectRef>
+            <a:fontRef idx="minor">
+              <a:schemeClr val="dk1"/>
+            </a:fontRef>
+          </p:style>
+          <p:txBody>
+            <a:bodyPr rtlCol="0" anchor="ctr"/>
+            <a:lstStyle/>
+            <a:p>
+              <a:pPr algn="ctr"/>
+              <a:r>
+                <a:rPr lang="en-US" altLang="zh-CN" sz="1400" dirty="0" smtClean="0"/>
+                <a:t>spacer</a:t>
+              </a:r>
+              <a:endParaRPr lang="zh-CN" altLang="en-US" sz="1400" dirty="0"/>
+            </a:p>
+          </p:txBody>
+        </p:sp>
+      </p:grpSp>
+      <p:sp>
+        <p:nvSpPr>
+          <p:cNvPr id="25" name="矩形 24"/>
+          <p:cNvSpPr/>
+          <p:nvPr/>
+        </p:nvSpPr>
+        <p:spPr>
+          <a:xfrm>
+            <a:off x="7284720" y="2644839"/>
+            <a:ext cx="800100" cy="160020"/>
+          </a:xfrm>
+          <a:prstGeom prst="rect">
+            <a:avLst/>
+          </a:prstGeom>
+        </p:spPr>
+        <p:style>
+          <a:lnRef idx="2">
+            <a:schemeClr val="dk1">
+              <a:shade val="50000"/>
+            </a:schemeClr>
+          </a:lnRef>
+          <a:fillRef idx="1">
+            <a:schemeClr val="dk1"/>
+          </a:fillRef>
+          <a:effectRef idx="0">
+            <a:schemeClr val="dk1"/>
+          </a:effectRef>
+          <a:fontRef idx="minor">
+            <a:schemeClr val="lt1"/>
+          </a:fontRef>
+        </p:style>
+        <p:txBody>
+          <a:bodyPr rtlCol="0" anchor="ctr"/>
+          <a:lstStyle/>
+          <a:p>
+            <a:pPr algn="ctr"/>
+            <a:r>
+              <a:rPr lang="en-US" altLang="zh-CN" sz="1200" dirty="0" err="1" smtClean="0"/>
+              <a:t>repetend</a:t>
+            </a:r>
+            <a:endParaRPr lang="zh-CN" altLang="en-US" sz="1200" dirty="0"/>
+          </a:p>
+        </p:txBody>
+      </p:sp>
+      <mc:AlternateContent xmlns:mc="http://schemas.openxmlformats.org/markup-compatibility/2006">
+        <mc:Choice xmlns:a14="http://schemas.microsoft.com/office/drawing/2010/main" Requires="a14">
+          <p:sp>
+            <p:nvSpPr>
+              <p:cNvPr id="30" name="文本框 29"/>
+              <p:cNvSpPr txBox="1"/>
+              <p:nvPr/>
+            </p:nvSpPr>
+            <p:spPr>
+              <a:xfrm>
+                <a:off x="563446" y="3212939"/>
+                <a:ext cx="8580554" cy="3178691"/>
+              </a:xfrm>
+              <a:prstGeom prst="rect">
+                <a:avLst/>
+              </a:prstGeom>
+              <a:noFill/>
+            </p:spPr>
+            <p:txBody>
+              <a:bodyPr wrap="none" rtlCol="0">
+                <a:spAutoFit/>
+              </a:bodyPr>
+              <a:lstStyle/>
+              <a:p>
+                <a:r>
+                  <a:rPr lang="en-US" altLang="zh-CN" sz="2000" dirty="0" smtClean="0"/>
+                  <a:t>We used different k-mer length to evaluate the </a:t>
+                </a:r>
+                <a14:m>
+                  <m:oMath xmlns:m="http://schemas.openxmlformats.org/officeDocument/2006/math">
+                    <m:sSubSup>
+                      <m:sSubSupPr>
+                        <m:ctrlPr>
+                          <a:rPr lang="en-US" altLang="zh-CN" sz="2000" i="1">
+                            <a:latin typeface="Cambria Math" panose="02040503050406030204" pitchFamily="18" charset="0"/>
+                          </a:rPr>
+                        </m:ctrlPr>
+                      </m:sSubSupPr>
+                      <m:e>
+                        <m:r>
+                          <a:rPr lang="en-US" altLang="zh-CN" sz="2000" i="1">
+                            <a:latin typeface="Cambria Math" panose="02040503050406030204" pitchFamily="18" charset="0"/>
+                          </a:rPr>
+                          <m:t>𝐷</m:t>
+                        </m:r>
+                      </m:e>
+                      <m:sub>
+                        <m:r>
+                          <a:rPr lang="en-US" altLang="zh-CN" sz="2000" i="1">
+                            <a:latin typeface="Cambria Math" panose="02040503050406030204" pitchFamily="18" charset="0"/>
+                          </a:rPr>
+                          <m:t>2</m:t>
+                        </m:r>
+                      </m:sub>
+                      <m:sup>
+                        <m:r>
+                          <a:rPr lang="en-US" altLang="zh-CN" sz="2000" i="1">
+                            <a:latin typeface="Cambria Math" panose="02040503050406030204" pitchFamily="18" charset="0"/>
+                          </a:rPr>
+                          <m:t>𝑅</m:t>
+                        </m:r>
+                      </m:sup>
+                    </m:sSubSup>
+                  </m:oMath>
+                </a14:m>
+                <a:r>
+                  <a:rPr lang="en-US" altLang="zh-CN" sz="2000" dirty="0" smtClean="0"/>
+                  <a:t> statistic. (k=5,8,11,14,17,20)</a:t>
+                </a:r>
+              </a:p>
+              <a:p>
+                <a:endParaRPr lang="en-US" altLang="zh-CN" sz="2000" dirty="0" smtClean="0"/>
+              </a:p>
+              <a:p>
+                <a:r>
+                  <a:rPr lang="en-US" altLang="zh-CN" sz="2000" dirty="0"/>
+                  <a:t>Smaller k values will lead to more duplicated identical k-mers, pushing the </a:t>
+                </a:r>
+                <a:endParaRPr lang="en-US" altLang="zh-CN" sz="2000" dirty="0" smtClean="0"/>
+              </a:p>
+              <a:p>
+                <a:r>
+                  <a:rPr lang="en-US" altLang="zh-CN" sz="2000" dirty="0" smtClean="0"/>
+                  <a:t>peaks </a:t>
+                </a:r>
+                <a:r>
+                  <a:rPr lang="en-US" altLang="zh-CN" sz="2000" dirty="0"/>
+                  <a:t>to the right side</a:t>
+                </a:r>
+                <a:r>
+                  <a:rPr lang="en-US" altLang="zh-CN" sz="2000" dirty="0" smtClean="0"/>
+                  <a:t>.</a:t>
+                </a:r>
+              </a:p>
+              <a:p>
+                <a:endParaRPr lang="en-US" altLang="zh-CN" sz="2000" dirty="0"/>
+              </a:p>
+              <a:p>
+                <a:r>
+                  <a:rPr lang="en-US" altLang="zh-CN" sz="2000" dirty="0" smtClean="0"/>
+                  <a:t>Too large k values (k&gt;</a:t>
+                </a:r>
+                <a:r>
+                  <a:rPr lang="en-US" altLang="zh-CN" sz="2000" dirty="0" err="1" smtClean="0"/>
+                  <a:t>repetend</a:t>
+                </a:r>
+                <a:r>
+                  <a:rPr lang="en-US" altLang="zh-CN" sz="2000" dirty="0" smtClean="0"/>
+                  <a:t> length) fail to detect repeats.</a:t>
+                </a:r>
+                <a:endParaRPr lang="en-US" altLang="zh-CN" sz="2000" dirty="0"/>
+              </a:p>
+              <a:p>
+                <a:endParaRPr lang="en-US" altLang="zh-CN" sz="2000" dirty="0"/>
+              </a:p>
+              <a:p>
+                <a:r>
+                  <a:rPr lang="en-US" altLang="zh-CN" sz="2000" dirty="0" smtClean="0"/>
+                  <a:t>We generated 10,000 sequences under null model and under alternative model, </a:t>
+                </a:r>
+                <a:br>
+                  <a:rPr lang="en-US" altLang="zh-CN" sz="2000" dirty="0" smtClean="0"/>
+                </a:br>
+                <a:r>
+                  <a:rPr lang="en-US" altLang="zh-CN" sz="2000" dirty="0" smtClean="0"/>
+                  <a:t>plot their KDE curves. </a:t>
+                </a:r>
+                <a:br>
+                  <a:rPr lang="en-US" altLang="zh-CN" sz="2000" dirty="0" smtClean="0"/>
+                </a:br>
+                <a:r>
+                  <a:rPr lang="en-US" altLang="zh-CN" sz="2000" dirty="0" smtClean="0"/>
+                  <a:t>The results show that </a:t>
+                </a:r>
+                <a14:m>
+                  <m:oMath xmlns:m="http://schemas.openxmlformats.org/officeDocument/2006/math">
+                    <m:sSubSup>
+                      <m:sSubSupPr>
+                        <m:ctrlPr>
+                          <a:rPr lang="en-US" altLang="zh-CN" sz="2000" i="1">
+                            <a:latin typeface="Cambria Math" panose="02040503050406030204" pitchFamily="18" charset="0"/>
+                          </a:rPr>
+                        </m:ctrlPr>
+                      </m:sSubSupPr>
+                      <m:e>
+                        <m:r>
+                          <a:rPr lang="en-US" altLang="zh-CN" sz="2000" i="1">
+                            <a:latin typeface="Cambria Math" panose="02040503050406030204" pitchFamily="18" charset="0"/>
+                          </a:rPr>
+                          <m:t>𝐷</m:t>
+                        </m:r>
+                      </m:e>
+                      <m:sub>
+                        <m:r>
+                          <a:rPr lang="en-US" altLang="zh-CN" sz="2000" i="1">
+                            <a:latin typeface="Cambria Math" panose="02040503050406030204" pitchFamily="18" charset="0"/>
+                          </a:rPr>
+                          <m:t>2</m:t>
+                        </m:r>
+                      </m:sub>
+                      <m:sup>
+                        <m:r>
+                          <a:rPr lang="en-US" altLang="zh-CN" sz="2000" i="1">
+                            <a:latin typeface="Cambria Math" panose="02040503050406030204" pitchFamily="18" charset="0"/>
+                          </a:rPr>
+                          <m:t>𝑅</m:t>
+                        </m:r>
+                      </m:sup>
+                    </m:sSubSup>
+                  </m:oMath>
+                </a14:m>
+                <a:r>
+                  <a:rPr lang="zh-CN" altLang="en-US" sz="2000" dirty="0" smtClean="0"/>
+                  <a:t> </a:t>
+                </a:r>
+                <a:r>
+                  <a:rPr lang="en-US" altLang="zh-CN" sz="2000" dirty="0" smtClean="0"/>
+                  <a:t>has a strong power for repeat detection.</a:t>
+                </a:r>
+                <a:endParaRPr lang="zh-CN" altLang="en-US" sz="2000" dirty="0"/>
+              </a:p>
+            </p:txBody>
+          </p:sp>
+        </mc:Choice>
+        <mc:Fallback>
+          <p:sp>
+            <p:nvSpPr>
+              <p:cNvPr id="30" name="文本框 29"/>
+              <p:cNvSpPr txBox="1">
+                <a:spLocks noRot="1" noChangeAspect="1" noMove="1" noResize="1" noEditPoints="1" noAdjustHandles="1" noChangeArrowheads="1" noChangeShapeType="1" noTextEdit="1"/>
+              </p:cNvSpPr>
+              <p:nvPr/>
+            </p:nvSpPr>
+            <p:spPr>
+              <a:xfrm>
+                <a:off x="563446" y="3212939"/>
+                <a:ext cx="8580554" cy="3178691"/>
+              </a:xfrm>
+              <a:prstGeom prst="rect">
+                <a:avLst/>
+              </a:prstGeom>
+              <a:blipFill>
+                <a:blip r:embed="rId3"/>
+                <a:stretch>
+                  <a:fillRect l="-710" t="-768" b="-2687"/>
+                </a:stretch>
+              </a:blipFill>
+            </p:spPr>
+            <p:txBody>
+              <a:bodyPr/>
+              <a:lstStyle/>
+              <a:p>
+                <a:r>
+                  <a:rPr lang="zh-CN" altLang="en-US">
+                    <a:noFill/>
+                  </a:rPr>
+                  <a:t> </a:t>
+                </a:r>
+              </a:p>
+            </p:txBody>
+          </p:sp>
+        </mc:Fallback>
+      </mc:AlternateContent>
+    </p:spTree>
+    <p:extLst>
+      <p:ext uri="{BB962C8B-B14F-4D97-AF65-F5344CB8AC3E}">
+        <p14:creationId xmlns:p14="http://schemas.microsoft.com/office/powerpoint/2010/main" val="2037743579"/>
+      </p:ext>
+    </p:extLst>
+  </p:cSld>
+  <p:clrMapOvr>
+    <a:masterClrMapping/>
+  </p:clrMapOvr>
+  <p:timing>
+    <p:tnLst>
+      <p:par>
+        <p:cTn id="1" dur="indefinite" restart="never" nodeType="tmRoot"/>
+      </p:par>
+    </p:tnLst>
+  </p:timing>
+</p:sld>
+</file>
+
+<file path=ppt/slides/slide9.xml><?xml version="1.0" encoding="utf-8"?>
+<p:sld xmlns:a="http://schemas.openxmlformats.org/drawingml/2006/main" xmlns:r="http://schemas.openxmlformats.org/officeDocument/2006/relationships" xmlns:p="http://schemas.openxmlformats.org/presentationml/2006/main">
+  <p:cSld>
+    <p:spTree>
+      <p:nvGrpSpPr>
+        <p:cNvPr id="1" name=""/>
+        <p:cNvGrpSpPr/>
+        <p:nvPr/>
+      </p:nvGrpSpPr>
+      <p:grpSpPr>
+        <a:xfrm>
+          <a:off x="0" y="0"/>
+          <a:ext cx="0" cy="0"/>
+          <a:chOff x="0" y="0"/>
+          <a:chExt cx="0" cy="0"/>
+        </a:xfrm>
+      </p:grpSpPr>
+      <mc:AlternateContent xmlns:mc="http://schemas.openxmlformats.org/markup-compatibility/2006">
+        <mc:Choice xmlns:a14="http://schemas.microsoft.com/office/drawing/2010/main" Requires="a14">
+          <p:sp>
+            <p:nvSpPr>
+              <p:cNvPr id="2" name="标题 1"/>
+              <p:cNvSpPr>
+                <a:spLocks noGrp="1"/>
+              </p:cNvSpPr>
+              <p:nvPr>
+                <p:ph type="title"/>
+              </p:nvPr>
+            </p:nvSpPr>
+            <p:spPr>
+              <a:xfrm>
+                <a:off x="628650" y="72769"/>
+                <a:ext cx="7886700" cy="1325563"/>
+              </a:xfrm>
+            </p:spPr>
+            <p:txBody>
+              <a:bodyPr/>
+              <a:lstStyle/>
+              <a:p>
+                <a14:m>
+                  <m:oMath xmlns:m="http://schemas.openxmlformats.org/officeDocument/2006/math">
+                    <m:sSubSup>
+                      <m:sSubSupPr>
+                        <m:ctrlPr>
+                          <a:rPr lang="en-US" altLang="zh-CN" i="1">
+                            <a:latin typeface="Cambria Math" panose="02040503050406030204" pitchFamily="18" charset="0"/>
+                          </a:rPr>
+                        </m:ctrlPr>
+                      </m:sSubSupPr>
+                      <m:e>
+                        <m:r>
+                          <a:rPr lang="en-US" altLang="zh-CN" i="1">
+                            <a:latin typeface="Cambria Math" panose="02040503050406030204" pitchFamily="18" charset="0"/>
+                          </a:rPr>
+                          <m:t>𝐷</m:t>
+                        </m:r>
+                      </m:e>
+                      <m:sub>
+                        <m:r>
+                          <a:rPr lang="en-US" altLang="zh-CN" i="1">
+                            <a:latin typeface="Cambria Math" panose="02040503050406030204" pitchFamily="18" charset="0"/>
+                          </a:rPr>
+                          <m:t>2</m:t>
+                        </m:r>
+                      </m:sub>
+                      <m:sup>
+                        <m:r>
+                          <a:rPr lang="en-US" altLang="zh-CN" i="1">
+                            <a:latin typeface="Cambria Math" panose="02040503050406030204" pitchFamily="18" charset="0"/>
+                          </a:rPr>
+                          <m:t>𝑅</m:t>
+                        </m:r>
+                      </m:sup>
+                    </m:sSubSup>
+                  </m:oMath>
+                </a14:m>
+                <a:r>
+                  <a:rPr lang="en-US" altLang="zh-CN" dirty="0"/>
+                  <a:t> properties</a:t>
+                </a:r>
+                <a:endParaRPr lang="zh-CN" altLang="en-US" dirty="0"/>
+              </a:p>
+            </p:txBody>
+          </p:sp>
+        </mc:Choice>
+        <mc:Fallback>
+          <p:sp>
+            <p:nvSpPr>
+              <p:cNvPr id="2" name="标题 1"/>
+              <p:cNvSpPr>
+                <a:spLocks noGrp="1" noRot="1" noChangeAspect="1" noMove="1" noResize="1" noEditPoints="1" noAdjustHandles="1" noChangeArrowheads="1" noChangeShapeType="1" noTextEdit="1"/>
+              </p:cNvSpPr>
+              <p:nvPr>
+                <p:ph type="title"/>
+              </p:nvPr>
+            </p:nvSpPr>
+            <p:spPr>
+              <a:xfrm>
+                <a:off x="628650" y="72769"/>
+                <a:ext cx="7886700" cy="1325563"/>
+              </a:xfrm>
+              <a:blipFill>
+                <a:blip r:embed="rId2"/>
+                <a:stretch>
+                  <a:fillRect/>
+                </a:stretch>
+              </a:blipFill>
+            </p:spPr>
+            <p:txBody>
+              <a:bodyPr/>
+              <a:lstStyle/>
+              <a:p>
+                <a:r>
+                  <a:rPr lang="zh-CN" altLang="en-US">
+                    <a:noFill/>
+                  </a:rPr>
+                  <a:t> </a:t>
+                </a:r>
+              </a:p>
+            </p:txBody>
+          </p:sp>
+        </mc:Fallback>
+      </mc:AlternateContent>
+      <p:sp>
+        <p:nvSpPr>
+          <p:cNvPr id="3" name="内容占位符 2"/>
+          <p:cNvSpPr>
+            <a:spLocks noGrp="1"/>
+          </p:cNvSpPr>
+          <p:nvPr>
+            <p:ph idx="1"/>
+          </p:nvPr>
+        </p:nvSpPr>
+        <p:spPr>
+          <a:xfrm>
+            <a:off x="628650" y="1132944"/>
+            <a:ext cx="6309360" cy="480428"/>
+          </a:xfrm>
+        </p:spPr>
+        <p:txBody>
+          <a:bodyPr>
+            <a:noAutofit/>
+          </a:bodyPr>
+          <a:lstStyle/>
+          <a:p>
+            <a:r>
+              <a:rPr lang="en-US" altLang="zh-CN" sz="2400" b="1" dirty="0" smtClean="0"/>
+              <a:t>Discriminate Repeats from Non-repeats</a:t>
+            </a:r>
+          </a:p>
+        </p:txBody>
+      </p:sp>
+      <p:pic>
+        <p:nvPicPr>
+          <p:cNvPr id="4" name="图片 3"/>
+          <p:cNvPicPr>
+            <a:picLocks noChangeAspect="1"/>
+          </p:cNvPicPr>
+          <p:nvPr/>
+        </p:nvPicPr>
+        <p:blipFill>
+          <a:blip r:embed="rId3"/>
+          <a:stretch>
+            <a:fillRect/>
+          </a:stretch>
+        </p:blipFill>
+        <p:spPr>
+          <a:xfrm>
+            <a:off x="823914" y="1613372"/>
+            <a:ext cx="6015038" cy="2357868"/>
+          </a:xfrm>
+          <a:prstGeom prst="rect">
+            <a:avLst/>
+          </a:prstGeom>
+        </p:spPr>
+      </p:pic>
+      <p:pic>
+        <p:nvPicPr>
+          <p:cNvPr id="9" name="图片 8"/>
+          <p:cNvPicPr>
+            <a:picLocks noChangeAspect="1"/>
+          </p:cNvPicPr>
+          <p:nvPr/>
+        </p:nvPicPr>
+        <p:blipFill>
+          <a:blip r:embed="rId4"/>
+          <a:stretch>
+            <a:fillRect/>
+          </a:stretch>
+        </p:blipFill>
+        <p:spPr>
+          <a:xfrm>
+            <a:off x="823914" y="4090778"/>
+            <a:ext cx="6029764" cy="2343377"/>
+          </a:xfrm>
+          <a:prstGeom prst="rect">
+            <a:avLst/>
+          </a:prstGeom>
+        </p:spPr>
+      </p:pic>
+      <p:sp>
+        <p:nvSpPr>
+          <p:cNvPr id="11" name="文本框 10"/>
+          <p:cNvSpPr txBox="1"/>
+          <p:nvPr/>
+        </p:nvSpPr>
+        <p:spPr>
+          <a:xfrm>
+            <a:off x="7286625" y="3442172"/>
+            <a:ext cx="1330814" cy="923330"/>
+          </a:xfrm>
+          <a:prstGeom prst="rect">
+            <a:avLst/>
+          </a:prstGeom>
+        </p:spPr>
+        <p:style>
+          <a:lnRef idx="2">
+            <a:schemeClr val="accent1"/>
+          </a:lnRef>
+          <a:fillRef idx="1">
+            <a:schemeClr val="lt1"/>
+          </a:fillRef>
+          <a:effectRef idx="0">
+            <a:schemeClr val="accent1"/>
+          </a:effectRef>
+          <a:fontRef idx="minor">
+            <a:schemeClr val="dk1"/>
+          </a:fontRef>
+        </p:style>
+        <p:txBody>
+          <a:bodyPr wrap="none" rtlCol="0">
+            <a:spAutoFit/>
+          </a:bodyPr>
+          <a:lstStyle/>
+          <a:p>
+            <a:r>
+              <a:rPr lang="en-US" altLang="zh-CN" b="1" dirty="0" smtClean="0"/>
+              <a:t>Between</a:t>
+            </a:r>
+          </a:p>
+          <a:p>
+            <a:r>
+              <a:rPr lang="en-US" altLang="zh-CN" b="1" dirty="0" smtClean="0"/>
+              <a:t>Group</a:t>
+            </a:r>
+          </a:p>
+          <a:p>
+            <a:r>
+              <a:rPr lang="en-US" altLang="zh-CN" b="1" dirty="0" smtClean="0"/>
+              <a:t>Comparison</a:t>
+            </a:r>
+            <a:endParaRPr lang="zh-CN" altLang="en-US" b="1" dirty="0"/>
+          </a:p>
+        </p:txBody>
+      </p:sp>
+    </p:spTree>
+    <p:extLst>
+      <p:ext uri="{BB962C8B-B14F-4D97-AF65-F5344CB8AC3E}">
+        <p14:creationId xmlns:p14="http://schemas.microsoft.com/office/powerpoint/2010/main" val="4114140674"/>
       </p:ext>
     </p:extLst>
   </p:cSld>
